--- a/docs/Introduction au TDD.2016.pptx
+++ b/docs/Introduction au TDD.2016.pptx
@@ -2773,7 +2773,7 @@
             <a:fld id="{5340CE44-80BF-4FE7-8BEB-4C1B758A0562}" type="datetimeFigureOut">
               <a:rPr lang="fr-FR" smtClean="0"/>
               <a:pPr/>
-              <a:t>30/06/2016</a:t>
+              <a:t>01/07/2016</a:t>
             </a:fld>
             <a:endParaRPr lang="fr-FR"/>
           </a:p>
@@ -3630,7 +3630,7 @@
             <a:fld id="{4EB364C9-C21C-49AA-A508-4B1C413153D2}" type="datetimeFigureOut">
               <a:rPr lang="fr-FR" smtClean="0"/>
               <a:pPr/>
-              <a:t>30/06/2016</a:t>
+              <a:t>01/07/2016</a:t>
             </a:fld>
             <a:endParaRPr lang="fr-FR"/>
           </a:p>
@@ -3797,7 +3797,7 @@
             <a:fld id="{4EB364C9-C21C-49AA-A508-4B1C413153D2}" type="datetimeFigureOut">
               <a:rPr lang="fr-FR" smtClean="0"/>
               <a:pPr/>
-              <a:t>30/06/2016</a:t>
+              <a:t>01/07/2016</a:t>
             </a:fld>
             <a:endParaRPr lang="fr-FR"/>
           </a:p>
@@ -3974,7 +3974,7 @@
             <a:fld id="{4EB364C9-C21C-49AA-A508-4B1C413153D2}" type="datetimeFigureOut">
               <a:rPr lang="fr-FR" smtClean="0"/>
               <a:pPr/>
-              <a:t>30/06/2016</a:t>
+              <a:t>01/07/2016</a:t>
             </a:fld>
             <a:endParaRPr lang="fr-FR"/>
           </a:p>
@@ -4073,7 +4073,7 @@
           <a:effectLst/>
           <a:extLst>
             <a:ext uri="{91240B29-F687-4F45-9708-019B960494DF}">
-              <a14:hiddenLine xmlns="" xmlns:a14="http://schemas.microsoft.com/office/drawing/2010/main" w="9525">
+              <a14:hiddenLine xmlns:a14="http://schemas.microsoft.com/office/drawing/2010/main" xmlns="" w="9525">
                 <a:solidFill>
                   <a:srgbClr val="A7C1DD"/>
                 </a:solidFill>
@@ -4083,7 +4083,7 @@
               </a14:hiddenLine>
             </a:ext>
             <a:ext uri="{AF507438-7753-43E0-B8FC-AC1667EBCBE1}">
-              <a14:hiddenEffects xmlns="" xmlns:a14="http://schemas.microsoft.com/office/drawing/2010/main">
+              <a14:hiddenEffects xmlns:a14="http://schemas.microsoft.com/office/drawing/2010/main" xmlns="">
                 <a:effectLst>
                   <a:outerShdw dist="35921" dir="2700000" algn="ctr" rotWithShape="0">
                     <a:schemeClr val="bg2"/>
@@ -4141,7 +4141,7 @@
           <a:effectLst/>
           <a:extLst>
             <a:ext uri="{91240B29-F687-4F45-9708-019B960494DF}">
-              <a14:hiddenLine xmlns="" xmlns:a14="http://schemas.microsoft.com/office/drawing/2010/main" w="9525">
+              <a14:hiddenLine xmlns:a14="http://schemas.microsoft.com/office/drawing/2010/main" xmlns="" w="9525">
                 <a:solidFill>
                   <a:srgbClr val="A7C1DD"/>
                 </a:solidFill>
@@ -4151,7 +4151,7 @@
               </a14:hiddenLine>
             </a:ext>
             <a:ext uri="{AF507438-7753-43E0-B8FC-AC1667EBCBE1}">
-              <a14:hiddenEffects xmlns="" xmlns:a14="http://schemas.microsoft.com/office/drawing/2010/main">
+              <a14:hiddenEffects xmlns:a14="http://schemas.microsoft.com/office/drawing/2010/main" xmlns="">
                 <a:effectLst>
                   <a:outerShdw dist="35921" dir="2700000" algn="ctr" rotWithShape="0">
                     <a:schemeClr val="bg2"/>
@@ -4209,7 +4209,7 @@
           <a:effectLst/>
           <a:extLst>
             <a:ext uri="{91240B29-F687-4F45-9708-019B960494DF}">
-              <a14:hiddenLine xmlns="" xmlns:a14="http://schemas.microsoft.com/office/drawing/2010/main" w="9525">
+              <a14:hiddenLine xmlns:a14="http://schemas.microsoft.com/office/drawing/2010/main" xmlns="" w="9525">
                 <a:solidFill>
                   <a:schemeClr val="tx1"/>
                 </a:solidFill>
@@ -4219,7 +4219,7 @@
               </a14:hiddenLine>
             </a:ext>
             <a:ext uri="{AF507438-7753-43E0-B8FC-AC1667EBCBE1}">
-              <a14:hiddenEffects xmlns="" xmlns:a14="http://schemas.microsoft.com/office/drawing/2010/main">
+              <a14:hiddenEffects xmlns:a14="http://schemas.microsoft.com/office/drawing/2010/main" xmlns="">
                 <a:effectLst>
                   <a:outerShdw dist="35921" dir="2700000" algn="ctr" rotWithShape="0">
                     <a:schemeClr val="bg2"/>
@@ -4275,7 +4275,7 @@
           <a:effectLst/>
           <a:extLst>
             <a:ext uri="{91240B29-F687-4F45-9708-019B960494DF}">
-              <a14:hiddenLine xmlns="" xmlns:a14="http://schemas.microsoft.com/office/drawing/2010/main" w="9525">
+              <a14:hiddenLine xmlns:a14="http://schemas.microsoft.com/office/drawing/2010/main" xmlns="" w="9525">
                 <a:solidFill>
                   <a:schemeClr val="tx1"/>
                 </a:solidFill>
@@ -4285,7 +4285,7 @@
               </a14:hiddenLine>
             </a:ext>
             <a:ext uri="{AF507438-7753-43E0-B8FC-AC1667EBCBE1}">
-              <a14:hiddenEffects xmlns="" xmlns:a14="http://schemas.microsoft.com/office/drawing/2010/main">
+              <a14:hiddenEffects xmlns:a14="http://schemas.microsoft.com/office/drawing/2010/main" xmlns="">
                 <a:effectLst>
                   <a:outerShdw dist="35921" dir="2700000" algn="ctr" rotWithShape="0">
                     <a:schemeClr val="bg2"/>
@@ -4341,7 +4341,7 @@
           <a:effectLst/>
           <a:extLst>
             <a:ext uri="{91240B29-F687-4F45-9708-019B960494DF}">
-              <a14:hiddenLine xmlns="" xmlns:a14="http://schemas.microsoft.com/office/drawing/2010/main" w="9525">
+              <a14:hiddenLine xmlns:a14="http://schemas.microsoft.com/office/drawing/2010/main" xmlns="" w="9525">
                 <a:solidFill>
                   <a:srgbClr val="A7C1DD"/>
                 </a:solidFill>
@@ -4351,7 +4351,7 @@
               </a14:hiddenLine>
             </a:ext>
             <a:ext uri="{AF507438-7753-43E0-B8FC-AC1667EBCBE1}">
-              <a14:hiddenEffects xmlns="" xmlns:a14="http://schemas.microsoft.com/office/drawing/2010/main">
+              <a14:hiddenEffects xmlns:a14="http://schemas.microsoft.com/office/drawing/2010/main" xmlns="">
                 <a:effectLst>
                   <a:outerShdw dist="35921" dir="2700000" algn="ctr" rotWithShape="0">
                     <a:schemeClr val="bg2"/>
@@ -4412,7 +4412,7 @@
           <a:effectLst/>
           <a:extLst>
             <a:ext uri="{91240B29-F687-4F45-9708-019B960494DF}">
-              <a14:hiddenLine xmlns="" xmlns:a14="http://schemas.microsoft.com/office/drawing/2010/main" w="9525">
+              <a14:hiddenLine xmlns:a14="http://schemas.microsoft.com/office/drawing/2010/main" xmlns="" w="9525">
                 <a:solidFill>
                   <a:srgbClr val="A7C1DD"/>
                 </a:solidFill>
@@ -4422,7 +4422,7 @@
               </a14:hiddenLine>
             </a:ext>
             <a:ext uri="{AF507438-7753-43E0-B8FC-AC1667EBCBE1}">
-              <a14:hiddenEffects xmlns="" xmlns:a14="http://schemas.microsoft.com/office/drawing/2010/main">
+              <a14:hiddenEffects xmlns:a14="http://schemas.microsoft.com/office/drawing/2010/main" xmlns="">
                 <a:effectLst>
                   <a:outerShdw dist="35921" dir="2700000" algn="ctr" rotWithShape="0">
                     <a:schemeClr val="bg2"/>
@@ -4480,7 +4480,7 @@
           <a:effectLst/>
           <a:extLst>
             <a:ext uri="{91240B29-F687-4F45-9708-019B960494DF}">
-              <a14:hiddenLine xmlns="" xmlns:a14="http://schemas.microsoft.com/office/drawing/2010/main" w="9525">
+              <a14:hiddenLine xmlns:a14="http://schemas.microsoft.com/office/drawing/2010/main" xmlns="" w="9525">
                 <a:solidFill>
                   <a:srgbClr val="A7C1DD"/>
                 </a:solidFill>
@@ -4490,7 +4490,7 @@
               </a14:hiddenLine>
             </a:ext>
             <a:ext uri="{AF507438-7753-43E0-B8FC-AC1667EBCBE1}">
-              <a14:hiddenEffects xmlns="" xmlns:a14="http://schemas.microsoft.com/office/drawing/2010/main">
+              <a14:hiddenEffects xmlns:a14="http://schemas.microsoft.com/office/drawing/2010/main" xmlns="">
                 <a:effectLst>
                   <a:outerShdw dist="35921" dir="2700000" algn="ctr" rotWithShape="0">
                     <a:schemeClr val="bg2"/>
@@ -4535,7 +4535,7 @@
           <a:blip r:embed="rId2" cstate="screen">
             <a:extLst>
               <a:ext uri="{28A0092B-C50C-407E-A947-70E740481C1C}">
-                <a14:useLocalDpi xmlns="" xmlns:a14="http://schemas.microsoft.com/office/drawing/2010/main" val="0"/>
+                <a14:useLocalDpi xmlns:a14="http://schemas.microsoft.com/office/drawing/2010/main" xmlns="" val="0"/>
               </a:ext>
             </a:extLst>
           </a:blip>
@@ -4558,14 +4558,14 @@
           </a:ln>
           <a:extLst>
             <a:ext uri="{909E8E84-426E-40DD-AFC4-6F175D3DCCD1}">
-              <a14:hiddenFill xmlns="" xmlns:a14="http://schemas.microsoft.com/office/drawing/2010/main">
+              <a14:hiddenFill xmlns:a14="http://schemas.microsoft.com/office/drawing/2010/main" xmlns="">
                 <a:solidFill>
                   <a:srgbClr val="FFFFFF"/>
                 </a:solidFill>
               </a14:hiddenFill>
             </a:ext>
             <a:ext uri="{91240B29-F687-4F45-9708-019B960494DF}">
-              <a14:hiddenLine xmlns="" xmlns:a14="http://schemas.microsoft.com/office/drawing/2010/main" w="9525">
+              <a14:hiddenLine xmlns:a14="http://schemas.microsoft.com/office/drawing/2010/main" xmlns="" w="9525">
                 <a:solidFill>
                   <a:srgbClr val="000000"/>
                 </a:solidFill>
@@ -4595,14 +4595,14 @@
           <a:noFill/>
           <a:extLst>
             <a:ext uri="{909E8E84-426E-40DD-AFC4-6F175D3DCCD1}">
-              <a14:hiddenFill xmlns="" xmlns:a14="http://schemas.microsoft.com/office/drawing/2010/main">
+              <a14:hiddenFill xmlns:a14="http://schemas.microsoft.com/office/drawing/2010/main" xmlns="">
                 <a:solidFill>
                   <a:srgbClr val="323265"/>
                 </a:solidFill>
               </a14:hiddenFill>
             </a:ext>
             <a:ext uri="{91240B29-F687-4F45-9708-019B960494DF}">
-              <a14:hiddenLine xmlns="" xmlns:a14="http://schemas.microsoft.com/office/drawing/2010/main" w="9525">
+              <a14:hiddenLine xmlns:a14="http://schemas.microsoft.com/office/drawing/2010/main" xmlns="" w="9525">
                 <a:solidFill>
                   <a:srgbClr val="000000"/>
                 </a:solidFill>
@@ -4612,7 +4612,7 @@
               </a14:hiddenLine>
             </a:ext>
             <a:ext uri="{AF507438-7753-43E0-B8FC-AC1667EBCBE1}">
-              <a14:hiddenEffects xmlns="" xmlns:a14="http://schemas.microsoft.com/office/drawing/2010/main">
+              <a14:hiddenEffects xmlns:a14="http://schemas.microsoft.com/office/drawing/2010/main" xmlns="">
                 <a:effectLst>
                   <a:outerShdw dist="35921" dir="2700000" algn="ctr" rotWithShape="0">
                     <a:srgbClr val="808080"/>
@@ -4660,14 +4660,14 @@
           </a:xfrm>
           <a:extLst>
             <a:ext uri="{909E8E84-426E-40DD-AFC4-6F175D3DCCD1}">
-              <a14:hiddenFill xmlns="" xmlns:a14="http://schemas.microsoft.com/office/drawing/2010/main">
+              <a14:hiddenFill xmlns:a14="http://schemas.microsoft.com/office/drawing/2010/main" xmlns="">
                 <a:solidFill>
                   <a:srgbClr val="323265"/>
                 </a:solidFill>
               </a14:hiddenFill>
             </a:ext>
             <a:ext uri="{91240B29-F687-4F45-9708-019B960494DF}">
-              <a14:hiddenLine xmlns="" xmlns:a14="http://schemas.microsoft.com/office/drawing/2010/main" w="9525">
+              <a14:hiddenLine xmlns:a14="http://schemas.microsoft.com/office/drawing/2010/main" xmlns="" w="9525">
                 <a:solidFill>
                   <a:srgbClr val="A7C1DD"/>
                 </a:solidFill>
@@ -4724,7 +4724,7 @@
           <a:blip r:embed="rId3" cstate="screen">
             <a:extLst>
               <a:ext uri="{28A0092B-C50C-407E-A947-70E740481C1C}">
-                <a14:useLocalDpi xmlns="" xmlns:a14="http://schemas.microsoft.com/office/drawing/2010/main" val="0"/>
+                <a14:useLocalDpi xmlns:a14="http://schemas.microsoft.com/office/drawing/2010/main" xmlns="" val="0"/>
               </a:ext>
             </a:extLst>
           </a:blip>
@@ -4747,14 +4747,14 @@
           </a:ln>
           <a:extLst>
             <a:ext uri="{909E8E84-426E-40DD-AFC4-6F175D3DCCD1}">
-              <a14:hiddenFill xmlns="" xmlns:a14="http://schemas.microsoft.com/office/drawing/2010/main">
+              <a14:hiddenFill xmlns:a14="http://schemas.microsoft.com/office/drawing/2010/main" xmlns="">
                 <a:solidFill>
                   <a:srgbClr val="FF7300"/>
                 </a:solidFill>
               </a14:hiddenFill>
             </a:ext>
             <a:ext uri="{91240B29-F687-4F45-9708-019B960494DF}">
-              <a14:hiddenLine xmlns="" xmlns:a14="http://schemas.microsoft.com/office/drawing/2010/main" w="9525">
+              <a14:hiddenLine xmlns:a14="http://schemas.microsoft.com/office/drawing/2010/main" xmlns="" w="9525">
                 <a:solidFill>
                   <a:schemeClr val="tx1"/>
                 </a:solidFill>
@@ -4769,7 +4769,7 @@
     </p:spTree>
     <p:extLst>
       <p:ext uri="{BB962C8B-B14F-4D97-AF65-F5344CB8AC3E}">
-        <p14:creationId xmlns="" xmlns:p14="http://schemas.microsoft.com/office/powerpoint/2010/main" val="45065140"/>
+        <p14:creationId xmlns:p14="http://schemas.microsoft.com/office/powerpoint/2010/main" xmlns="" val="45065140"/>
       </p:ext>
     </p:extLst>
   </p:cSld>
@@ -4881,7 +4881,7 @@
     </p:spTree>
     <p:extLst>
       <p:ext uri="{BB962C8B-B14F-4D97-AF65-F5344CB8AC3E}">
-        <p14:creationId xmlns="" xmlns:p14="http://schemas.microsoft.com/office/powerpoint/2010/main" val="1282833093"/>
+        <p14:creationId xmlns:p14="http://schemas.microsoft.com/office/powerpoint/2010/main" xmlns="" val="1282833093"/>
       </p:ext>
     </p:extLst>
   </p:cSld>
@@ -5004,7 +5004,7 @@
             <a:fld id="{4EB364C9-C21C-49AA-A508-4B1C413153D2}" type="datetimeFigureOut">
               <a:rPr lang="fr-FR" smtClean="0"/>
               <a:pPr/>
-              <a:t>30/06/2016</a:t>
+              <a:t>01/07/2016</a:t>
             </a:fld>
             <a:endParaRPr lang="fr-FR"/>
           </a:p>
@@ -5248,7 +5248,7 @@
             <a:fld id="{4EB364C9-C21C-49AA-A508-4B1C413153D2}" type="datetimeFigureOut">
               <a:rPr lang="fr-FR" smtClean="0"/>
               <a:pPr/>
-              <a:t>30/06/2016</a:t>
+              <a:t>01/07/2016</a:t>
             </a:fld>
             <a:endParaRPr lang="fr-FR"/>
           </a:p>
@@ -5514,7 +5514,7 @@
             <a:fld id="{4EB364C9-C21C-49AA-A508-4B1C413153D2}" type="datetimeFigureOut">
               <a:rPr lang="fr-FR" smtClean="0"/>
               <a:pPr/>
-              <a:t>30/06/2016</a:t>
+              <a:t>01/07/2016</a:t>
             </a:fld>
             <a:endParaRPr lang="fr-FR"/>
           </a:p>
@@ -5894,7 +5894,7 @@
             <a:fld id="{4EB364C9-C21C-49AA-A508-4B1C413153D2}" type="datetimeFigureOut">
               <a:rPr lang="fr-FR" smtClean="0"/>
               <a:pPr/>
-              <a:t>30/06/2016</a:t>
+              <a:t>01/07/2016</a:t>
             </a:fld>
             <a:endParaRPr lang="fr-FR"/>
           </a:p>
@@ -6046,7 +6046,7 @@
             <a:fld id="{4EB364C9-C21C-49AA-A508-4B1C413153D2}" type="datetimeFigureOut">
               <a:rPr lang="fr-FR" smtClean="0"/>
               <a:pPr/>
-              <a:t>30/06/2016</a:t>
+              <a:t>01/07/2016</a:t>
             </a:fld>
             <a:endParaRPr lang="fr-FR"/>
           </a:p>
@@ -6138,7 +6138,7 @@
             <a:fld id="{4EB364C9-C21C-49AA-A508-4B1C413153D2}" type="datetimeFigureOut">
               <a:rPr lang="fr-FR" smtClean="0"/>
               <a:pPr/>
-              <a:t>30/06/2016</a:t>
+              <a:t>01/07/2016</a:t>
             </a:fld>
             <a:endParaRPr lang="fr-FR"/>
           </a:p>
@@ -6401,7 +6401,7 @@
             <a:fld id="{4EB364C9-C21C-49AA-A508-4B1C413153D2}" type="datetimeFigureOut">
               <a:rPr lang="fr-FR" smtClean="0"/>
               <a:pPr/>
-              <a:t>30/06/2016</a:t>
+              <a:t>01/07/2016</a:t>
             </a:fld>
             <a:endParaRPr lang="fr-FR"/>
           </a:p>
@@ -6691,7 +6691,7 @@
             <a:fld id="{4EB364C9-C21C-49AA-A508-4B1C413153D2}" type="datetimeFigureOut">
               <a:rPr lang="fr-FR" smtClean="0"/>
               <a:pPr/>
-              <a:t>30/06/2016</a:t>
+              <a:t>01/07/2016</a:t>
             </a:fld>
             <a:endParaRPr lang="fr-FR"/>
           </a:p>
@@ -7464,7 +7464,7 @@
             <a:fld id="{4EB364C9-C21C-49AA-A508-4B1C413153D2}" type="datetimeFigureOut">
               <a:rPr lang="fr-FR" smtClean="0"/>
               <a:pPr/>
-              <a:t>30/06/2016</a:t>
+              <a:t>01/07/2016</a:t>
             </a:fld>
             <a:endParaRPr lang="fr-FR"/>
           </a:p>
@@ -8132,7 +8132,7 @@
             <a:effectLst/>
             <a:extLst>
               <a:ext uri="{91240B29-F687-4F45-9708-019B960494DF}">
-                <a14:hiddenLine xmlns="" xmlns:a14="http://schemas.microsoft.com/office/drawing/2010/main" w="9525">
+                <a14:hiddenLine xmlns:a14="http://schemas.microsoft.com/office/drawing/2010/main" xmlns="" w="9525">
                   <a:solidFill>
                     <a:srgbClr val="A7C1DD"/>
                   </a:solidFill>
@@ -8142,7 +8142,7 @@
                 </a14:hiddenLine>
               </a:ext>
               <a:ext uri="{AF507438-7753-43E0-B8FC-AC1667EBCBE1}">
-                <a14:hiddenEffects xmlns="" xmlns:a14="http://schemas.microsoft.com/office/drawing/2010/main">
+                <a14:hiddenEffects xmlns:a14="http://schemas.microsoft.com/office/drawing/2010/main" xmlns="">
                   <a:effectLst>
                     <a:outerShdw dist="35921" dir="2700000" algn="ctr" rotWithShape="0">
                       <a:schemeClr val="bg2"/>
@@ -8200,7 +8200,7 @@
             <a:effectLst/>
             <a:extLst>
               <a:ext uri="{91240B29-F687-4F45-9708-019B960494DF}">
-                <a14:hiddenLine xmlns="" xmlns:a14="http://schemas.microsoft.com/office/drawing/2010/main" w="9525">
+                <a14:hiddenLine xmlns:a14="http://schemas.microsoft.com/office/drawing/2010/main" xmlns="" w="9525">
                   <a:solidFill>
                     <a:srgbClr val="A7C1DD"/>
                   </a:solidFill>
@@ -8210,7 +8210,7 @@
                 </a14:hiddenLine>
               </a:ext>
               <a:ext uri="{AF507438-7753-43E0-B8FC-AC1667EBCBE1}">
-                <a14:hiddenEffects xmlns="" xmlns:a14="http://schemas.microsoft.com/office/drawing/2010/main">
+                <a14:hiddenEffects xmlns:a14="http://schemas.microsoft.com/office/drawing/2010/main" xmlns="">
                   <a:effectLst>
                     <a:outerShdw dist="35921" dir="2700000" algn="ctr" rotWithShape="0">
                       <a:schemeClr val="bg2"/>
@@ -8268,7 +8268,7 @@
             <a:effectLst/>
             <a:extLst>
               <a:ext uri="{91240B29-F687-4F45-9708-019B960494DF}">
-                <a14:hiddenLine xmlns="" xmlns:a14="http://schemas.microsoft.com/office/drawing/2010/main" w="9525">
+                <a14:hiddenLine xmlns:a14="http://schemas.microsoft.com/office/drawing/2010/main" xmlns="" w="9525">
                   <a:solidFill>
                     <a:schemeClr val="tx1"/>
                   </a:solidFill>
@@ -8278,7 +8278,7 @@
                 </a14:hiddenLine>
               </a:ext>
               <a:ext uri="{AF507438-7753-43E0-B8FC-AC1667EBCBE1}">
-                <a14:hiddenEffects xmlns="" xmlns:a14="http://schemas.microsoft.com/office/drawing/2010/main">
+                <a14:hiddenEffects xmlns:a14="http://schemas.microsoft.com/office/drawing/2010/main" xmlns="">
                   <a:effectLst>
                     <a:outerShdw dist="35921" dir="2700000" algn="ctr" rotWithShape="0">
                       <a:schemeClr val="bg2"/>
@@ -8334,7 +8334,7 @@
             <a:effectLst/>
             <a:extLst>
               <a:ext uri="{91240B29-F687-4F45-9708-019B960494DF}">
-                <a14:hiddenLine xmlns="" xmlns:a14="http://schemas.microsoft.com/office/drawing/2010/main" w="9525">
+                <a14:hiddenLine xmlns:a14="http://schemas.microsoft.com/office/drawing/2010/main" xmlns="" w="9525">
                   <a:solidFill>
                     <a:srgbClr val="A7C1DD"/>
                   </a:solidFill>
@@ -8344,7 +8344,7 @@
                 </a14:hiddenLine>
               </a:ext>
               <a:ext uri="{AF507438-7753-43E0-B8FC-AC1667EBCBE1}">
-                <a14:hiddenEffects xmlns="" xmlns:a14="http://schemas.microsoft.com/office/drawing/2010/main">
+                <a14:hiddenEffects xmlns:a14="http://schemas.microsoft.com/office/drawing/2010/main" xmlns="">
                   <a:effectLst>
                     <a:outerShdw dist="35921" dir="2700000" algn="ctr" rotWithShape="0">
                       <a:schemeClr val="bg2"/>
@@ -8402,7 +8402,7 @@
             <a:effectLst/>
             <a:extLst>
               <a:ext uri="{91240B29-F687-4F45-9708-019B960494DF}">
-                <a14:hiddenLine xmlns="" xmlns:a14="http://schemas.microsoft.com/office/drawing/2010/main" w="9525">
+                <a14:hiddenLine xmlns:a14="http://schemas.microsoft.com/office/drawing/2010/main" xmlns="" w="9525">
                   <a:solidFill>
                     <a:srgbClr val="A7C1DD"/>
                   </a:solidFill>
@@ -8412,7 +8412,7 @@
                 </a14:hiddenLine>
               </a:ext>
               <a:ext uri="{AF507438-7753-43E0-B8FC-AC1667EBCBE1}">
-                <a14:hiddenEffects xmlns="" xmlns:a14="http://schemas.microsoft.com/office/drawing/2010/main">
+                <a14:hiddenEffects xmlns:a14="http://schemas.microsoft.com/office/drawing/2010/main" xmlns="">
                   <a:effectLst>
                     <a:outerShdw dist="35921" dir="2700000" algn="ctr" rotWithShape="0">
                       <a:schemeClr val="bg2"/>
@@ -8458,7 +8458,7 @@
           <a:blip r:embed="rId4" cstate="screen">
             <a:extLst>
               <a:ext uri="{28A0092B-C50C-407E-A947-70E740481C1C}">
-                <a14:useLocalDpi xmlns="" xmlns:a14="http://schemas.microsoft.com/office/drawing/2010/main" val="0"/>
+                <a14:useLocalDpi xmlns:a14="http://schemas.microsoft.com/office/drawing/2010/main" xmlns="" val="0"/>
               </a:ext>
             </a:extLst>
           </a:blip>
@@ -8481,14 +8481,14 @@
           </a:ln>
           <a:extLst>
             <a:ext uri="{909E8E84-426E-40DD-AFC4-6F175D3DCCD1}">
-              <a14:hiddenFill xmlns="" xmlns:a14="http://schemas.microsoft.com/office/drawing/2010/main">
+              <a14:hiddenFill xmlns:a14="http://schemas.microsoft.com/office/drawing/2010/main" xmlns="">
                 <a:solidFill>
                   <a:srgbClr val="FFFFFF"/>
                 </a:solidFill>
               </a14:hiddenFill>
             </a:ext>
             <a:ext uri="{91240B29-F687-4F45-9708-019B960494DF}">
-              <a14:hiddenLine xmlns="" xmlns:a14="http://schemas.microsoft.com/office/drawing/2010/main" w="9525">
+              <a14:hiddenLine xmlns:a14="http://schemas.microsoft.com/office/drawing/2010/main" xmlns="" w="9525">
                 <a:solidFill>
                   <a:srgbClr val="000000"/>
                 </a:solidFill>
@@ -8527,7 +8527,7 @@
           <a:effectLst/>
           <a:extLst>
             <a:ext uri="{91240B29-F687-4F45-9708-019B960494DF}">
-              <a14:hiddenLine xmlns="" xmlns:a14="http://schemas.microsoft.com/office/drawing/2010/main" w="9525">
+              <a14:hiddenLine xmlns:a14="http://schemas.microsoft.com/office/drawing/2010/main" xmlns="" w="9525">
                 <a:solidFill>
                   <a:srgbClr val="A7C1DD"/>
                 </a:solidFill>
@@ -8537,7 +8537,7 @@
               </a14:hiddenLine>
             </a:ext>
             <a:ext uri="{AF507438-7753-43E0-B8FC-AC1667EBCBE1}">
-              <a14:hiddenEffects xmlns="" xmlns:a14="http://schemas.microsoft.com/office/drawing/2010/main">
+              <a14:hiddenEffects xmlns:a14="http://schemas.microsoft.com/office/drawing/2010/main" xmlns="">
                 <a:effectLst>
                   <a:outerShdw dist="35921" dir="2700000" algn="ctr" rotWithShape="0">
                     <a:schemeClr val="bg2"/>
@@ -8589,14 +8589,14 @@
           <a:effectLst/>
           <a:extLst>
             <a:ext uri="{909E8E84-426E-40DD-AFC4-6F175D3DCCD1}">
-              <a14:hiddenFill xmlns="" xmlns:a14="http://schemas.microsoft.com/office/drawing/2010/main">
+              <a14:hiddenFill xmlns:a14="http://schemas.microsoft.com/office/drawing/2010/main" xmlns="">
                 <a:solidFill>
                   <a:schemeClr val="accent1"/>
                 </a:solidFill>
               </a14:hiddenFill>
             </a:ext>
             <a:ext uri="{91240B29-F687-4F45-9708-019B960494DF}">
-              <a14:hiddenLine xmlns="" xmlns:a14="http://schemas.microsoft.com/office/drawing/2010/main" w="9525">
+              <a14:hiddenLine xmlns:a14="http://schemas.microsoft.com/office/drawing/2010/main" xmlns="" w="9525">
                 <a:solidFill>
                   <a:schemeClr val="tx1"/>
                 </a:solidFill>
@@ -8606,7 +8606,7 @@
               </a14:hiddenLine>
             </a:ext>
             <a:ext uri="{AF507438-7753-43E0-B8FC-AC1667EBCBE1}">
-              <a14:hiddenEffects xmlns="" xmlns:a14="http://schemas.microsoft.com/office/drawing/2010/main">
+              <a14:hiddenEffects xmlns:a14="http://schemas.microsoft.com/office/drawing/2010/main" xmlns="">
                 <a:effectLst>
                   <a:outerShdw dist="35921" dir="2700000" algn="ctr" rotWithShape="0">
                     <a:schemeClr val="bg2"/>
@@ -8685,7 +8685,7 @@
           <a:effectLst/>
           <a:extLst>
             <a:ext uri="{91240B29-F687-4F45-9708-019B960494DF}">
-              <a14:hiddenLine xmlns="" xmlns:a14="http://schemas.microsoft.com/office/drawing/2010/main" w="9525">
+              <a14:hiddenLine xmlns:a14="http://schemas.microsoft.com/office/drawing/2010/main" xmlns="" w="9525">
                 <a:solidFill>
                   <a:srgbClr val="A7C1DD"/>
                 </a:solidFill>
@@ -8695,7 +8695,7 @@
               </a14:hiddenLine>
             </a:ext>
             <a:ext uri="{AF507438-7753-43E0-B8FC-AC1667EBCBE1}">
-              <a14:hiddenEffects xmlns="" xmlns:a14="http://schemas.microsoft.com/office/drawing/2010/main">
+              <a14:hiddenEffects xmlns:a14="http://schemas.microsoft.com/office/drawing/2010/main" xmlns="">
                 <a:effectLst>
                   <a:outerShdw dist="35921" dir="2700000" algn="ctr" rotWithShape="0">
                     <a:schemeClr val="bg2"/>
@@ -8781,7 +8781,7 @@
           </a:ln>
           <a:extLst>
             <a:ext uri="{91240B29-F687-4F45-9708-019B960494DF}">
-              <a14:hiddenLine xmlns="" xmlns:a14="http://schemas.microsoft.com/office/drawing/2010/main" w="9525">
+              <a14:hiddenLine xmlns:a14="http://schemas.microsoft.com/office/drawing/2010/main" xmlns="" w="9525">
                 <a:solidFill>
                   <a:srgbClr val="000000"/>
                 </a:solidFill>
@@ -8867,14 +8867,14 @@
           <a:effectLst/>
           <a:extLst>
             <a:ext uri="{909E8E84-426E-40DD-AFC4-6F175D3DCCD1}">
-              <a14:hiddenFill xmlns="" xmlns:a14="http://schemas.microsoft.com/office/drawing/2010/main">
+              <a14:hiddenFill xmlns:a14="http://schemas.microsoft.com/office/drawing/2010/main" xmlns="">
                 <a:solidFill>
                   <a:srgbClr val="FFFFFF"/>
                 </a:solidFill>
               </a14:hiddenFill>
             </a:ext>
             <a:ext uri="{91240B29-F687-4F45-9708-019B960494DF}">
-              <a14:hiddenLine xmlns="" xmlns:a14="http://schemas.microsoft.com/office/drawing/2010/main" w="9525">
+              <a14:hiddenLine xmlns:a14="http://schemas.microsoft.com/office/drawing/2010/main" xmlns="" w="9525">
                 <a:solidFill>
                   <a:srgbClr val="000000"/>
                 </a:solidFill>
@@ -8884,7 +8884,7 @@
               </a14:hiddenLine>
             </a:ext>
             <a:ext uri="{AF507438-7753-43E0-B8FC-AC1667EBCBE1}">
-              <a14:hiddenEffects xmlns="" xmlns:a14="http://schemas.microsoft.com/office/drawing/2010/main">
+              <a14:hiddenEffects xmlns:a14="http://schemas.microsoft.com/office/drawing/2010/main" xmlns="">
                 <a:effectLst>
                   <a:outerShdw dist="35921" dir="2700000" algn="ctr" rotWithShape="0">
                     <a:schemeClr val="bg2"/>
@@ -8940,14 +8940,14 @@
           <a:effectLst/>
           <a:extLst>
             <a:ext uri="{909E8E84-426E-40DD-AFC4-6F175D3DCCD1}">
-              <a14:hiddenFill xmlns="" xmlns:a14="http://schemas.microsoft.com/office/drawing/2010/main">
+              <a14:hiddenFill xmlns:a14="http://schemas.microsoft.com/office/drawing/2010/main" xmlns="">
                 <a:solidFill>
                   <a:srgbClr val="FF7300"/>
                 </a:solidFill>
               </a14:hiddenFill>
             </a:ext>
             <a:ext uri="{91240B29-F687-4F45-9708-019B960494DF}">
-              <a14:hiddenLine xmlns="" xmlns:a14="http://schemas.microsoft.com/office/drawing/2010/main" w="9525">
+              <a14:hiddenLine xmlns:a14="http://schemas.microsoft.com/office/drawing/2010/main" xmlns="" w="9525">
                 <a:solidFill>
                   <a:schemeClr val="tx1"/>
                 </a:solidFill>
@@ -8957,7 +8957,7 @@
               </a14:hiddenLine>
             </a:ext>
             <a:ext uri="{AF507438-7753-43E0-B8FC-AC1667EBCBE1}">
-              <a14:hiddenEffects xmlns="" xmlns:a14="http://schemas.microsoft.com/office/drawing/2010/main">
+              <a14:hiddenEffects xmlns:a14="http://schemas.microsoft.com/office/drawing/2010/main" xmlns="">
                 <a:effectLst>
                   <a:outerShdw dist="35921" dir="2700000" algn="ctr" rotWithShape="0">
                     <a:schemeClr val="bg2"/>
@@ -9111,7 +9111,7 @@
           <a:blip r:embed="rId5" cstate="screen">
             <a:extLst>
               <a:ext uri="{28A0092B-C50C-407E-A947-70E740481C1C}">
-                <a14:useLocalDpi xmlns="" xmlns:a14="http://schemas.microsoft.com/office/drawing/2010/main" val="0"/>
+                <a14:useLocalDpi xmlns:a14="http://schemas.microsoft.com/office/drawing/2010/main" xmlns="" val="0"/>
               </a:ext>
             </a:extLst>
           </a:blip>
@@ -9134,14 +9134,14 @@
           </a:ln>
           <a:extLst>
             <a:ext uri="{909E8E84-426E-40DD-AFC4-6F175D3DCCD1}">
-              <a14:hiddenFill xmlns="" xmlns:a14="http://schemas.microsoft.com/office/drawing/2010/main">
+              <a14:hiddenFill xmlns:a14="http://schemas.microsoft.com/office/drawing/2010/main" xmlns="">
                 <a:solidFill>
                   <a:srgbClr val="FF7300"/>
                 </a:solidFill>
               </a14:hiddenFill>
             </a:ext>
             <a:ext uri="{91240B29-F687-4F45-9708-019B960494DF}">
-              <a14:hiddenLine xmlns="" xmlns:a14="http://schemas.microsoft.com/office/drawing/2010/main" w="9525">
+              <a14:hiddenLine xmlns:a14="http://schemas.microsoft.com/office/drawing/2010/main" xmlns="" w="9525">
                 <a:solidFill>
                   <a:schemeClr val="tx1"/>
                 </a:solidFill>
@@ -9682,7 +9682,7 @@
           <a:blip r:embed="rId3" cstate="screen">
             <a:extLst>
               <a:ext uri="{28A0092B-C50C-407E-A947-70E740481C1C}">
-                <a14:useLocalDpi xmlns="" xmlns:a14="http://schemas.microsoft.com/office/drawing/2010/main" val="0"/>
+                <a14:useLocalDpi xmlns:a14="http://schemas.microsoft.com/office/drawing/2010/main" xmlns="" val="0"/>
               </a:ext>
             </a:extLst>
           </a:blip>
@@ -9705,14 +9705,14 @@
           </a:ln>
           <a:extLst>
             <a:ext uri="{909E8E84-426E-40DD-AFC4-6F175D3DCCD1}">
-              <a14:hiddenFill xmlns="" xmlns:a14="http://schemas.microsoft.com/office/drawing/2010/main">
+              <a14:hiddenFill xmlns:a14="http://schemas.microsoft.com/office/drawing/2010/main" xmlns="">
                 <a:solidFill>
                   <a:srgbClr val="FFFFFF"/>
                 </a:solidFill>
               </a14:hiddenFill>
             </a:ext>
             <a:ext uri="{91240B29-F687-4F45-9708-019B960494DF}">
-              <a14:hiddenLine xmlns="" xmlns:a14="http://schemas.microsoft.com/office/drawing/2010/main" w="9525">
+              <a14:hiddenLine xmlns:a14="http://schemas.microsoft.com/office/drawing/2010/main" xmlns="" w="9525">
                 <a:solidFill>
                   <a:srgbClr val="000000"/>
                 </a:solidFill>
@@ -9747,14 +9747,14 @@
           <a:effectLst/>
           <a:extLst>
             <a:ext uri="{909E8E84-426E-40DD-AFC4-6F175D3DCCD1}">
-              <a14:hiddenFill xmlns="" xmlns:a14="http://schemas.microsoft.com/office/drawing/2010/main">
+              <a14:hiddenFill xmlns:a14="http://schemas.microsoft.com/office/drawing/2010/main" xmlns="">
                 <a:solidFill>
                   <a:srgbClr val="323265"/>
                 </a:solidFill>
               </a14:hiddenFill>
             </a:ext>
             <a:ext uri="{91240B29-F687-4F45-9708-019B960494DF}">
-              <a14:hiddenLine xmlns="" xmlns:a14="http://schemas.microsoft.com/office/drawing/2010/main" w="9525">
+              <a14:hiddenLine xmlns:a14="http://schemas.microsoft.com/office/drawing/2010/main" xmlns="" w="9525">
                 <a:solidFill>
                   <a:srgbClr val="A7C1DD"/>
                 </a:solidFill>
@@ -9822,14 +9822,14 @@
           <a:effectLst/>
           <a:extLst>
             <a:ext uri="{909E8E84-426E-40DD-AFC4-6F175D3DCCD1}">
-              <a14:hiddenFill xmlns="" xmlns:a14="http://schemas.microsoft.com/office/drawing/2010/main">
+              <a14:hiddenFill xmlns:a14="http://schemas.microsoft.com/office/drawing/2010/main" xmlns="">
                 <a:solidFill>
                   <a:srgbClr val="FF7300"/>
                 </a:solidFill>
               </a14:hiddenFill>
             </a:ext>
             <a:ext uri="{AF507438-7753-43E0-B8FC-AC1667EBCBE1}">
-              <a14:hiddenEffects xmlns="" xmlns:a14="http://schemas.microsoft.com/office/drawing/2010/main">
+              <a14:hiddenEffects xmlns:a14="http://schemas.microsoft.com/office/drawing/2010/main" xmlns="">
                 <a:effectLst>
                   <a:outerShdw dist="35921" dir="2700000" algn="ctr" rotWithShape="0">
                     <a:schemeClr val="bg2"/>
@@ -11743,7 +11743,11 @@
           <a:p>
             <a:r>
               <a:rPr lang="fr-FR" dirty="0" smtClean="0"/>
-              <a:t>Quels est votre expérience avec les tests ?</a:t>
+              <a:t>Quelle </a:t>
+            </a:r>
+            <a:r>
+              <a:rPr lang="fr-FR" dirty="0" smtClean="0"/>
+              <a:t>est votre expérience avec les tests ?</a:t>
             </a:r>
           </a:p>
           <a:p>
@@ -12217,7 +12221,11 @@
             </a:r>
             <a:r>
               <a:rPr lang="fr-FR" dirty="0" err="1" smtClean="0"/>
-              <a:t>Outsidein</a:t>
+              <a:t>Outside</a:t>
+            </a:r>
+            <a:r>
+              <a:rPr lang="fr-FR" dirty="0" smtClean="0"/>
+              <a:t>-in</a:t>
             </a:r>
             <a:endParaRPr lang="fr-FR" dirty="0"/>
           </a:p>
@@ -18368,11 +18376,15 @@
             </a:r>
             <a:r>
               <a:rPr lang="fr-FR" dirty="0" err="1" smtClean="0"/>
-              <a:t>outsidein</a:t>
+              <a:t>outside</a:t>
             </a:r>
             <a:r>
               <a:rPr lang="fr-FR" dirty="0" smtClean="0"/>
-              <a:t> / </a:t>
+              <a:t>-in </a:t>
+            </a:r>
+            <a:r>
+              <a:rPr lang="fr-FR" dirty="0" smtClean="0"/>
+              <a:t>/ </a:t>
             </a:r>
             <a:r>
               <a:rPr lang="fr-FR" dirty="0" err="1" smtClean="0"/>
@@ -30117,7 +30129,11 @@
             </a:r>
             <a:r>
               <a:rPr lang="fr-FR" dirty="0" err="1" smtClean="0"/>
-              <a:t>Outsidein</a:t>
+              <a:t>Outside</a:t>
+            </a:r>
+            <a:r>
+              <a:rPr lang="fr-FR" dirty="0" smtClean="0"/>
+              <a:t>-in</a:t>
             </a:r>
             <a:endParaRPr lang="fr-FR" dirty="0" smtClean="0"/>
           </a:p>
@@ -30136,7 +30152,7 @@
             </a:r>
             <a:r>
               <a:rPr lang="fr-FR" dirty="0" err="1" smtClean="0"/>
-              <a:t>example</a:t>
+              <a:t>Example</a:t>
             </a:r>
             <a:endParaRPr lang="fr-FR" dirty="0" smtClean="0"/>
           </a:p>
@@ -30240,11 +30256,7 @@
             </a:pPr>
             <a:r>
               <a:rPr lang="fr-FR" dirty="0" smtClean="0"/>
-              <a:t>Il n’y a pas de recette </a:t>
-            </a:r>
-            <a:r>
-              <a:rPr lang="fr-FR" dirty="0" smtClean="0"/>
-              <a:t>magique</a:t>
+              <a:t>Il n’y a pas de recette magique</a:t>
             </a:r>
           </a:p>
           <a:p>
@@ -30451,11 +30463,6 @@
               </a:rPr>
               <a:t>Vous allez coder !</a:t>
             </a:r>
-            <a:endParaRPr lang="fr-FR" sz="2600" dirty="0" smtClean="0">
-              <a:solidFill>
-                <a:prstClr val="black"/>
-              </a:solidFill>
-            </a:endParaRPr>
           </a:p>
         </p:txBody>
       </p:sp>
@@ -30830,7 +30837,11 @@
             </a:r>
             <a:r>
               <a:rPr lang="fr-FR" dirty="0" err="1" smtClean="0"/>
-              <a:t>Outsidein</a:t>
+              <a:t>Outside</a:t>
+            </a:r>
+            <a:r>
+              <a:rPr lang="fr-FR" dirty="0" smtClean="0"/>
+              <a:t>-in</a:t>
             </a:r>
             <a:endParaRPr lang="fr-FR" dirty="0" smtClean="0"/>
           </a:p>
@@ -30849,7 +30860,11 @@
             </a:r>
             <a:r>
               <a:rPr lang="fr-FR" dirty="0" err="1" smtClean="0"/>
-              <a:t>example</a:t>
+              <a:t>E</a:t>
+            </a:r>
+            <a:r>
+              <a:rPr lang="fr-FR" dirty="0" err="1" smtClean="0"/>
+              <a:t>xample</a:t>
             </a:r>
             <a:endParaRPr lang="fr-FR" dirty="0" smtClean="0"/>
           </a:p>
@@ -30942,7 +30957,15 @@
           <a:p>
             <a:r>
               <a:rPr lang="fr-FR" dirty="0" smtClean="0"/>
-              <a:t>Vérifiez que vous êtes capable d’écrire un </a:t>
+              <a:t>Vérifiez que vous êtes capable </a:t>
+            </a:r>
+            <a:r>
+              <a:rPr lang="fr-FR" dirty="0" smtClean="0"/>
+              <a:t>de configurer </a:t>
+            </a:r>
+            <a:r>
+              <a:rPr lang="fr-FR" dirty="0" smtClean="0"/>
+              <a:t>un </a:t>
             </a:r>
             <a:r>
               <a:rPr lang="fr-FR" dirty="0" err="1" smtClean="0"/>
@@ -31301,7 +31324,17 @@
                 <a:latin typeface="Chalkduster"/>
                 <a:cs typeface="Chalkduster"/>
               </a:rPr>
-              <a:t>éxigence</a:t>
+              <a:t>e</a:t>
+            </a:r>
+            <a:r>
+              <a:rPr lang="en-US" sz="1400" b="1" dirty="0" err="1" smtClean="0">
+                <a:solidFill>
+                  <a:srgbClr val="FF0000"/>
+                </a:solidFill>
+                <a:latin typeface="Chalkduster"/>
+                <a:cs typeface="Chalkduster"/>
+              </a:rPr>
+              <a:t>xigence</a:t>
             </a:r>
             <a:endParaRPr lang="en-US" sz="1400" b="1" dirty="0" smtClean="0">
               <a:solidFill>
@@ -31336,6 +31369,16 @@
           <a:lstStyle/>
           <a:p>
             <a:r>
+              <a:rPr lang="en-US" sz="1400" b="1" dirty="0" err="1" smtClean="0">
+                <a:solidFill>
+                  <a:srgbClr val="008000"/>
+                </a:solidFill>
+                <a:latin typeface="Chalkduster"/>
+                <a:cs typeface="Chalkduster"/>
+              </a:rPr>
+              <a:t>Ajouter</a:t>
+            </a:r>
+            <a:r>
               <a:rPr lang="en-US" sz="1400" b="1" dirty="0" smtClean="0">
                 <a:solidFill>
                   <a:srgbClr val="008000"/>
@@ -31343,47 +31386,7 @@
                 <a:latin typeface="Chalkduster"/>
                 <a:cs typeface="Chalkduster"/>
               </a:rPr>
-              <a:t>Coder </a:t>
-            </a:r>
-            <a:r>
-              <a:rPr lang="en-US" sz="1400" b="1" dirty="0" err="1" smtClean="0">
-                <a:solidFill>
-                  <a:srgbClr val="008000"/>
-                </a:solidFill>
-                <a:latin typeface="Chalkduster"/>
-                <a:cs typeface="Chalkduster"/>
-              </a:rPr>
-              <a:t>juste</a:t>
-            </a:r>
-            <a:r>
-              <a:rPr lang="en-US" sz="1400" b="1" dirty="0" smtClean="0">
-                <a:solidFill>
-                  <a:srgbClr val="008000"/>
-                </a:solidFill>
-                <a:latin typeface="Chalkduster"/>
-                <a:cs typeface="Chalkduster"/>
-              </a:rPr>
-              <a:t> le code </a:t>
-            </a:r>
-            <a:r>
-              <a:rPr lang="en-US" sz="1400" b="1" dirty="0" err="1" smtClean="0">
-                <a:solidFill>
-                  <a:srgbClr val="008000"/>
-                </a:solidFill>
-                <a:latin typeface="Chalkduster"/>
-                <a:cs typeface="Chalkduster"/>
-              </a:rPr>
-              <a:t>suffisant</a:t>
-            </a:r>
-            <a:r>
-              <a:rPr lang="en-US" sz="1400" b="1" dirty="0" smtClean="0">
-                <a:solidFill>
-                  <a:srgbClr val="008000"/>
-                </a:solidFill>
-                <a:latin typeface="Chalkduster"/>
-                <a:cs typeface="Chalkduster"/>
-              </a:rPr>
-              <a:t> pour </a:t>
+              <a:t> le minimum de code pour </a:t>
             </a:r>
             <a:r>
               <a:rPr lang="en-US" sz="1400" b="1" dirty="0" err="1" smtClean="0">
@@ -31413,7 +31416,7 @@
                 <a:latin typeface="Chalkduster"/>
                 <a:cs typeface="Chalkduster"/>
               </a:rPr>
-              <a:t>l’éxigence</a:t>
+              <a:t>l’exigence</a:t>
             </a:r>
             <a:endParaRPr lang="en-US" sz="1400" b="1" dirty="0">
               <a:solidFill>
@@ -33541,14 +33544,14 @@
         <a:effectLst/>
         <a:extLst>
           <a:ext uri="{909E8E84-426E-40DD-AFC4-6F175D3DCCD1}">
-            <a14:hiddenFill xmlns="" xmlns:a14="http://schemas.microsoft.com/office/drawing/2010/main">
+            <a14:hiddenFill xmlns:a14="http://schemas.microsoft.com/office/drawing/2010/main" xmlns="">
               <a:solidFill>
                 <a:srgbClr val="FF7300"/>
               </a:solidFill>
             </a14:hiddenFill>
           </a:ext>
           <a:ext uri="{AF507438-7753-43E0-B8FC-AC1667EBCBE1}">
-            <a14:hiddenEffects xmlns="" xmlns:a14="http://schemas.microsoft.com/office/drawing/2010/main">
+            <a14:hiddenEffects xmlns:a14="http://schemas.microsoft.com/office/drawing/2010/main" xmlns="">
               <a:effectLst>
                 <a:outerShdw dist="35921" dir="2700000" algn="ctr" rotWithShape="0">
                   <a:schemeClr val="bg2"/>
@@ -33621,14 +33624,14 @@
         <a:effectLst/>
         <a:extLst>
           <a:ext uri="{909E8E84-426E-40DD-AFC4-6F175D3DCCD1}">
-            <a14:hiddenFill xmlns="" xmlns:a14="http://schemas.microsoft.com/office/drawing/2010/main">
+            <a14:hiddenFill xmlns:a14="http://schemas.microsoft.com/office/drawing/2010/main" xmlns="">
               <a:solidFill>
                 <a:srgbClr val="FF7300"/>
               </a:solidFill>
             </a14:hiddenFill>
           </a:ext>
           <a:ext uri="{AF507438-7753-43E0-B8FC-AC1667EBCBE1}">
-            <a14:hiddenEffects xmlns="" xmlns:a14="http://schemas.microsoft.com/office/drawing/2010/main">
+            <a14:hiddenEffects xmlns:a14="http://schemas.microsoft.com/office/drawing/2010/main" xmlns="">
               <a:effectLst>
                 <a:outerShdw dist="35921" dir="2700000" algn="ctr" rotWithShape="0">
                   <a:schemeClr val="bg2"/>

--- a/docs/Introduction au TDD.2016.pptx
+++ b/docs/Introduction au TDD.2016.pptx
@@ -2773,7 +2773,7 @@
             <a:fld id="{5340CE44-80BF-4FE7-8BEB-4C1B758A0562}" type="datetimeFigureOut">
               <a:rPr lang="fr-FR" smtClean="0"/>
               <a:pPr/>
-              <a:t>01/07/2016</a:t>
+              <a:t>04/07/2016</a:t>
             </a:fld>
             <a:endParaRPr lang="fr-FR"/>
           </a:p>
@@ -3630,7 +3630,7 @@
             <a:fld id="{4EB364C9-C21C-49AA-A508-4B1C413153D2}" type="datetimeFigureOut">
               <a:rPr lang="fr-FR" smtClean="0"/>
               <a:pPr/>
-              <a:t>01/07/2016</a:t>
+              <a:t>04/07/2016</a:t>
             </a:fld>
             <a:endParaRPr lang="fr-FR"/>
           </a:p>
@@ -3797,7 +3797,7 @@
             <a:fld id="{4EB364C9-C21C-49AA-A508-4B1C413153D2}" type="datetimeFigureOut">
               <a:rPr lang="fr-FR" smtClean="0"/>
               <a:pPr/>
-              <a:t>01/07/2016</a:t>
+              <a:t>04/07/2016</a:t>
             </a:fld>
             <a:endParaRPr lang="fr-FR"/>
           </a:p>
@@ -3974,7 +3974,7 @@
             <a:fld id="{4EB364C9-C21C-49AA-A508-4B1C413153D2}" type="datetimeFigureOut">
               <a:rPr lang="fr-FR" smtClean="0"/>
               <a:pPr/>
-              <a:t>01/07/2016</a:t>
+              <a:t>04/07/2016</a:t>
             </a:fld>
             <a:endParaRPr lang="fr-FR"/>
           </a:p>
@@ -4073,7 +4073,7 @@
           <a:effectLst/>
           <a:extLst>
             <a:ext uri="{91240B29-F687-4F45-9708-019B960494DF}">
-              <a14:hiddenLine xmlns:a14="http://schemas.microsoft.com/office/drawing/2010/main" xmlns="" w="9525">
+              <a14:hiddenLine xmlns="" xmlns:a14="http://schemas.microsoft.com/office/drawing/2010/main" w="9525">
                 <a:solidFill>
                   <a:srgbClr val="A7C1DD"/>
                 </a:solidFill>
@@ -4083,7 +4083,7 @@
               </a14:hiddenLine>
             </a:ext>
             <a:ext uri="{AF507438-7753-43E0-B8FC-AC1667EBCBE1}">
-              <a14:hiddenEffects xmlns:a14="http://schemas.microsoft.com/office/drawing/2010/main" xmlns="">
+              <a14:hiddenEffects xmlns="" xmlns:a14="http://schemas.microsoft.com/office/drawing/2010/main">
                 <a:effectLst>
                   <a:outerShdw dist="35921" dir="2700000" algn="ctr" rotWithShape="0">
                     <a:schemeClr val="bg2"/>
@@ -4141,7 +4141,7 @@
           <a:effectLst/>
           <a:extLst>
             <a:ext uri="{91240B29-F687-4F45-9708-019B960494DF}">
-              <a14:hiddenLine xmlns:a14="http://schemas.microsoft.com/office/drawing/2010/main" xmlns="" w="9525">
+              <a14:hiddenLine xmlns="" xmlns:a14="http://schemas.microsoft.com/office/drawing/2010/main" w="9525">
                 <a:solidFill>
                   <a:srgbClr val="A7C1DD"/>
                 </a:solidFill>
@@ -4151,7 +4151,7 @@
               </a14:hiddenLine>
             </a:ext>
             <a:ext uri="{AF507438-7753-43E0-B8FC-AC1667EBCBE1}">
-              <a14:hiddenEffects xmlns:a14="http://schemas.microsoft.com/office/drawing/2010/main" xmlns="">
+              <a14:hiddenEffects xmlns="" xmlns:a14="http://schemas.microsoft.com/office/drawing/2010/main">
                 <a:effectLst>
                   <a:outerShdw dist="35921" dir="2700000" algn="ctr" rotWithShape="0">
                     <a:schemeClr val="bg2"/>
@@ -4209,7 +4209,7 @@
           <a:effectLst/>
           <a:extLst>
             <a:ext uri="{91240B29-F687-4F45-9708-019B960494DF}">
-              <a14:hiddenLine xmlns:a14="http://schemas.microsoft.com/office/drawing/2010/main" xmlns="" w="9525">
+              <a14:hiddenLine xmlns="" xmlns:a14="http://schemas.microsoft.com/office/drawing/2010/main" w="9525">
                 <a:solidFill>
                   <a:schemeClr val="tx1"/>
                 </a:solidFill>
@@ -4219,7 +4219,7 @@
               </a14:hiddenLine>
             </a:ext>
             <a:ext uri="{AF507438-7753-43E0-B8FC-AC1667EBCBE1}">
-              <a14:hiddenEffects xmlns:a14="http://schemas.microsoft.com/office/drawing/2010/main" xmlns="">
+              <a14:hiddenEffects xmlns="" xmlns:a14="http://schemas.microsoft.com/office/drawing/2010/main">
                 <a:effectLst>
                   <a:outerShdw dist="35921" dir="2700000" algn="ctr" rotWithShape="0">
                     <a:schemeClr val="bg2"/>
@@ -4275,7 +4275,7 @@
           <a:effectLst/>
           <a:extLst>
             <a:ext uri="{91240B29-F687-4F45-9708-019B960494DF}">
-              <a14:hiddenLine xmlns:a14="http://schemas.microsoft.com/office/drawing/2010/main" xmlns="" w="9525">
+              <a14:hiddenLine xmlns="" xmlns:a14="http://schemas.microsoft.com/office/drawing/2010/main" w="9525">
                 <a:solidFill>
                   <a:schemeClr val="tx1"/>
                 </a:solidFill>
@@ -4285,7 +4285,7 @@
               </a14:hiddenLine>
             </a:ext>
             <a:ext uri="{AF507438-7753-43E0-B8FC-AC1667EBCBE1}">
-              <a14:hiddenEffects xmlns:a14="http://schemas.microsoft.com/office/drawing/2010/main" xmlns="">
+              <a14:hiddenEffects xmlns="" xmlns:a14="http://schemas.microsoft.com/office/drawing/2010/main">
                 <a:effectLst>
                   <a:outerShdw dist="35921" dir="2700000" algn="ctr" rotWithShape="0">
                     <a:schemeClr val="bg2"/>
@@ -4341,7 +4341,7 @@
           <a:effectLst/>
           <a:extLst>
             <a:ext uri="{91240B29-F687-4F45-9708-019B960494DF}">
-              <a14:hiddenLine xmlns:a14="http://schemas.microsoft.com/office/drawing/2010/main" xmlns="" w="9525">
+              <a14:hiddenLine xmlns="" xmlns:a14="http://schemas.microsoft.com/office/drawing/2010/main" w="9525">
                 <a:solidFill>
                   <a:srgbClr val="A7C1DD"/>
                 </a:solidFill>
@@ -4351,7 +4351,7 @@
               </a14:hiddenLine>
             </a:ext>
             <a:ext uri="{AF507438-7753-43E0-B8FC-AC1667EBCBE1}">
-              <a14:hiddenEffects xmlns:a14="http://schemas.microsoft.com/office/drawing/2010/main" xmlns="">
+              <a14:hiddenEffects xmlns="" xmlns:a14="http://schemas.microsoft.com/office/drawing/2010/main">
                 <a:effectLst>
                   <a:outerShdw dist="35921" dir="2700000" algn="ctr" rotWithShape="0">
                     <a:schemeClr val="bg2"/>
@@ -4412,7 +4412,7 @@
           <a:effectLst/>
           <a:extLst>
             <a:ext uri="{91240B29-F687-4F45-9708-019B960494DF}">
-              <a14:hiddenLine xmlns:a14="http://schemas.microsoft.com/office/drawing/2010/main" xmlns="" w="9525">
+              <a14:hiddenLine xmlns="" xmlns:a14="http://schemas.microsoft.com/office/drawing/2010/main" w="9525">
                 <a:solidFill>
                   <a:srgbClr val="A7C1DD"/>
                 </a:solidFill>
@@ -4422,7 +4422,7 @@
               </a14:hiddenLine>
             </a:ext>
             <a:ext uri="{AF507438-7753-43E0-B8FC-AC1667EBCBE1}">
-              <a14:hiddenEffects xmlns:a14="http://schemas.microsoft.com/office/drawing/2010/main" xmlns="">
+              <a14:hiddenEffects xmlns="" xmlns:a14="http://schemas.microsoft.com/office/drawing/2010/main">
                 <a:effectLst>
                   <a:outerShdw dist="35921" dir="2700000" algn="ctr" rotWithShape="0">
                     <a:schemeClr val="bg2"/>
@@ -4480,7 +4480,7 @@
           <a:effectLst/>
           <a:extLst>
             <a:ext uri="{91240B29-F687-4F45-9708-019B960494DF}">
-              <a14:hiddenLine xmlns:a14="http://schemas.microsoft.com/office/drawing/2010/main" xmlns="" w="9525">
+              <a14:hiddenLine xmlns="" xmlns:a14="http://schemas.microsoft.com/office/drawing/2010/main" w="9525">
                 <a:solidFill>
                   <a:srgbClr val="A7C1DD"/>
                 </a:solidFill>
@@ -4490,7 +4490,7 @@
               </a14:hiddenLine>
             </a:ext>
             <a:ext uri="{AF507438-7753-43E0-B8FC-AC1667EBCBE1}">
-              <a14:hiddenEffects xmlns:a14="http://schemas.microsoft.com/office/drawing/2010/main" xmlns="">
+              <a14:hiddenEffects xmlns="" xmlns:a14="http://schemas.microsoft.com/office/drawing/2010/main">
                 <a:effectLst>
                   <a:outerShdw dist="35921" dir="2700000" algn="ctr" rotWithShape="0">
                     <a:schemeClr val="bg2"/>
@@ -4535,7 +4535,7 @@
           <a:blip r:embed="rId2" cstate="screen">
             <a:extLst>
               <a:ext uri="{28A0092B-C50C-407E-A947-70E740481C1C}">
-                <a14:useLocalDpi xmlns:a14="http://schemas.microsoft.com/office/drawing/2010/main" xmlns="" val="0"/>
+                <a14:useLocalDpi xmlns="" xmlns:a14="http://schemas.microsoft.com/office/drawing/2010/main" val="0"/>
               </a:ext>
             </a:extLst>
           </a:blip>
@@ -4558,14 +4558,14 @@
           </a:ln>
           <a:extLst>
             <a:ext uri="{909E8E84-426E-40DD-AFC4-6F175D3DCCD1}">
-              <a14:hiddenFill xmlns:a14="http://schemas.microsoft.com/office/drawing/2010/main" xmlns="">
+              <a14:hiddenFill xmlns="" xmlns:a14="http://schemas.microsoft.com/office/drawing/2010/main">
                 <a:solidFill>
                   <a:srgbClr val="FFFFFF"/>
                 </a:solidFill>
               </a14:hiddenFill>
             </a:ext>
             <a:ext uri="{91240B29-F687-4F45-9708-019B960494DF}">
-              <a14:hiddenLine xmlns:a14="http://schemas.microsoft.com/office/drawing/2010/main" xmlns="" w="9525">
+              <a14:hiddenLine xmlns="" xmlns:a14="http://schemas.microsoft.com/office/drawing/2010/main" w="9525">
                 <a:solidFill>
                   <a:srgbClr val="000000"/>
                 </a:solidFill>
@@ -4595,14 +4595,14 @@
           <a:noFill/>
           <a:extLst>
             <a:ext uri="{909E8E84-426E-40DD-AFC4-6F175D3DCCD1}">
-              <a14:hiddenFill xmlns:a14="http://schemas.microsoft.com/office/drawing/2010/main" xmlns="">
+              <a14:hiddenFill xmlns="" xmlns:a14="http://schemas.microsoft.com/office/drawing/2010/main">
                 <a:solidFill>
                   <a:srgbClr val="323265"/>
                 </a:solidFill>
               </a14:hiddenFill>
             </a:ext>
             <a:ext uri="{91240B29-F687-4F45-9708-019B960494DF}">
-              <a14:hiddenLine xmlns:a14="http://schemas.microsoft.com/office/drawing/2010/main" xmlns="" w="9525">
+              <a14:hiddenLine xmlns="" xmlns:a14="http://schemas.microsoft.com/office/drawing/2010/main" w="9525">
                 <a:solidFill>
                   <a:srgbClr val="000000"/>
                 </a:solidFill>
@@ -4612,7 +4612,7 @@
               </a14:hiddenLine>
             </a:ext>
             <a:ext uri="{AF507438-7753-43E0-B8FC-AC1667EBCBE1}">
-              <a14:hiddenEffects xmlns:a14="http://schemas.microsoft.com/office/drawing/2010/main" xmlns="">
+              <a14:hiddenEffects xmlns="" xmlns:a14="http://schemas.microsoft.com/office/drawing/2010/main">
                 <a:effectLst>
                   <a:outerShdw dist="35921" dir="2700000" algn="ctr" rotWithShape="0">
                     <a:srgbClr val="808080"/>
@@ -4660,14 +4660,14 @@
           </a:xfrm>
           <a:extLst>
             <a:ext uri="{909E8E84-426E-40DD-AFC4-6F175D3DCCD1}">
-              <a14:hiddenFill xmlns:a14="http://schemas.microsoft.com/office/drawing/2010/main" xmlns="">
+              <a14:hiddenFill xmlns="" xmlns:a14="http://schemas.microsoft.com/office/drawing/2010/main">
                 <a:solidFill>
                   <a:srgbClr val="323265"/>
                 </a:solidFill>
               </a14:hiddenFill>
             </a:ext>
             <a:ext uri="{91240B29-F687-4F45-9708-019B960494DF}">
-              <a14:hiddenLine xmlns:a14="http://schemas.microsoft.com/office/drawing/2010/main" xmlns="" w="9525">
+              <a14:hiddenLine xmlns="" xmlns:a14="http://schemas.microsoft.com/office/drawing/2010/main" w="9525">
                 <a:solidFill>
                   <a:srgbClr val="A7C1DD"/>
                 </a:solidFill>
@@ -4724,7 +4724,7 @@
           <a:blip r:embed="rId3" cstate="screen">
             <a:extLst>
               <a:ext uri="{28A0092B-C50C-407E-A947-70E740481C1C}">
-                <a14:useLocalDpi xmlns:a14="http://schemas.microsoft.com/office/drawing/2010/main" xmlns="" val="0"/>
+                <a14:useLocalDpi xmlns="" xmlns:a14="http://schemas.microsoft.com/office/drawing/2010/main" val="0"/>
               </a:ext>
             </a:extLst>
           </a:blip>
@@ -4747,14 +4747,14 @@
           </a:ln>
           <a:extLst>
             <a:ext uri="{909E8E84-426E-40DD-AFC4-6F175D3DCCD1}">
-              <a14:hiddenFill xmlns:a14="http://schemas.microsoft.com/office/drawing/2010/main" xmlns="">
+              <a14:hiddenFill xmlns="" xmlns:a14="http://schemas.microsoft.com/office/drawing/2010/main">
                 <a:solidFill>
                   <a:srgbClr val="FF7300"/>
                 </a:solidFill>
               </a14:hiddenFill>
             </a:ext>
             <a:ext uri="{91240B29-F687-4F45-9708-019B960494DF}">
-              <a14:hiddenLine xmlns:a14="http://schemas.microsoft.com/office/drawing/2010/main" xmlns="" w="9525">
+              <a14:hiddenLine xmlns="" xmlns:a14="http://schemas.microsoft.com/office/drawing/2010/main" w="9525">
                 <a:solidFill>
                   <a:schemeClr val="tx1"/>
                 </a:solidFill>
@@ -4769,7 +4769,7 @@
     </p:spTree>
     <p:extLst>
       <p:ext uri="{BB962C8B-B14F-4D97-AF65-F5344CB8AC3E}">
-        <p14:creationId xmlns:p14="http://schemas.microsoft.com/office/powerpoint/2010/main" xmlns="" val="45065140"/>
+        <p14:creationId xmlns="" xmlns:p14="http://schemas.microsoft.com/office/powerpoint/2010/main" val="45065140"/>
       </p:ext>
     </p:extLst>
   </p:cSld>
@@ -4881,7 +4881,7 @@
     </p:spTree>
     <p:extLst>
       <p:ext uri="{BB962C8B-B14F-4D97-AF65-F5344CB8AC3E}">
-        <p14:creationId xmlns:p14="http://schemas.microsoft.com/office/powerpoint/2010/main" xmlns="" val="1282833093"/>
+        <p14:creationId xmlns="" xmlns:p14="http://schemas.microsoft.com/office/powerpoint/2010/main" val="1282833093"/>
       </p:ext>
     </p:extLst>
   </p:cSld>
@@ -5004,7 +5004,7 @@
             <a:fld id="{4EB364C9-C21C-49AA-A508-4B1C413153D2}" type="datetimeFigureOut">
               <a:rPr lang="fr-FR" smtClean="0"/>
               <a:pPr/>
-              <a:t>01/07/2016</a:t>
+              <a:t>04/07/2016</a:t>
             </a:fld>
             <a:endParaRPr lang="fr-FR"/>
           </a:p>
@@ -5248,7 +5248,7 @@
             <a:fld id="{4EB364C9-C21C-49AA-A508-4B1C413153D2}" type="datetimeFigureOut">
               <a:rPr lang="fr-FR" smtClean="0"/>
               <a:pPr/>
-              <a:t>01/07/2016</a:t>
+              <a:t>04/07/2016</a:t>
             </a:fld>
             <a:endParaRPr lang="fr-FR"/>
           </a:p>
@@ -5514,7 +5514,7 @@
             <a:fld id="{4EB364C9-C21C-49AA-A508-4B1C413153D2}" type="datetimeFigureOut">
               <a:rPr lang="fr-FR" smtClean="0"/>
               <a:pPr/>
-              <a:t>01/07/2016</a:t>
+              <a:t>04/07/2016</a:t>
             </a:fld>
             <a:endParaRPr lang="fr-FR"/>
           </a:p>
@@ -5894,7 +5894,7 @@
             <a:fld id="{4EB364C9-C21C-49AA-A508-4B1C413153D2}" type="datetimeFigureOut">
               <a:rPr lang="fr-FR" smtClean="0"/>
               <a:pPr/>
-              <a:t>01/07/2016</a:t>
+              <a:t>04/07/2016</a:t>
             </a:fld>
             <a:endParaRPr lang="fr-FR"/>
           </a:p>
@@ -6046,7 +6046,7 @@
             <a:fld id="{4EB364C9-C21C-49AA-A508-4B1C413153D2}" type="datetimeFigureOut">
               <a:rPr lang="fr-FR" smtClean="0"/>
               <a:pPr/>
-              <a:t>01/07/2016</a:t>
+              <a:t>04/07/2016</a:t>
             </a:fld>
             <a:endParaRPr lang="fr-FR"/>
           </a:p>
@@ -6138,7 +6138,7 @@
             <a:fld id="{4EB364C9-C21C-49AA-A508-4B1C413153D2}" type="datetimeFigureOut">
               <a:rPr lang="fr-FR" smtClean="0"/>
               <a:pPr/>
-              <a:t>01/07/2016</a:t>
+              <a:t>04/07/2016</a:t>
             </a:fld>
             <a:endParaRPr lang="fr-FR"/>
           </a:p>
@@ -6401,7 +6401,7 @@
             <a:fld id="{4EB364C9-C21C-49AA-A508-4B1C413153D2}" type="datetimeFigureOut">
               <a:rPr lang="fr-FR" smtClean="0"/>
               <a:pPr/>
-              <a:t>01/07/2016</a:t>
+              <a:t>04/07/2016</a:t>
             </a:fld>
             <a:endParaRPr lang="fr-FR"/>
           </a:p>
@@ -6691,7 +6691,7 @@
             <a:fld id="{4EB364C9-C21C-49AA-A508-4B1C413153D2}" type="datetimeFigureOut">
               <a:rPr lang="fr-FR" smtClean="0"/>
               <a:pPr/>
-              <a:t>01/07/2016</a:t>
+              <a:t>04/07/2016</a:t>
             </a:fld>
             <a:endParaRPr lang="fr-FR"/>
           </a:p>
@@ -7464,7 +7464,7 @@
             <a:fld id="{4EB364C9-C21C-49AA-A508-4B1C413153D2}" type="datetimeFigureOut">
               <a:rPr lang="fr-FR" smtClean="0"/>
               <a:pPr/>
-              <a:t>01/07/2016</a:t>
+              <a:t>04/07/2016</a:t>
             </a:fld>
             <a:endParaRPr lang="fr-FR"/>
           </a:p>
@@ -8132,7 +8132,7 @@
             <a:effectLst/>
             <a:extLst>
               <a:ext uri="{91240B29-F687-4F45-9708-019B960494DF}">
-                <a14:hiddenLine xmlns:a14="http://schemas.microsoft.com/office/drawing/2010/main" xmlns="" w="9525">
+                <a14:hiddenLine xmlns="" xmlns:a14="http://schemas.microsoft.com/office/drawing/2010/main" w="9525">
                   <a:solidFill>
                     <a:srgbClr val="A7C1DD"/>
                   </a:solidFill>
@@ -8142,7 +8142,7 @@
                 </a14:hiddenLine>
               </a:ext>
               <a:ext uri="{AF507438-7753-43E0-B8FC-AC1667EBCBE1}">
-                <a14:hiddenEffects xmlns:a14="http://schemas.microsoft.com/office/drawing/2010/main" xmlns="">
+                <a14:hiddenEffects xmlns="" xmlns:a14="http://schemas.microsoft.com/office/drawing/2010/main">
                   <a:effectLst>
                     <a:outerShdw dist="35921" dir="2700000" algn="ctr" rotWithShape="0">
                       <a:schemeClr val="bg2"/>
@@ -8200,7 +8200,7 @@
             <a:effectLst/>
             <a:extLst>
               <a:ext uri="{91240B29-F687-4F45-9708-019B960494DF}">
-                <a14:hiddenLine xmlns:a14="http://schemas.microsoft.com/office/drawing/2010/main" xmlns="" w="9525">
+                <a14:hiddenLine xmlns="" xmlns:a14="http://schemas.microsoft.com/office/drawing/2010/main" w="9525">
                   <a:solidFill>
                     <a:srgbClr val="A7C1DD"/>
                   </a:solidFill>
@@ -8210,7 +8210,7 @@
                 </a14:hiddenLine>
               </a:ext>
               <a:ext uri="{AF507438-7753-43E0-B8FC-AC1667EBCBE1}">
-                <a14:hiddenEffects xmlns:a14="http://schemas.microsoft.com/office/drawing/2010/main" xmlns="">
+                <a14:hiddenEffects xmlns="" xmlns:a14="http://schemas.microsoft.com/office/drawing/2010/main">
                   <a:effectLst>
                     <a:outerShdw dist="35921" dir="2700000" algn="ctr" rotWithShape="0">
                       <a:schemeClr val="bg2"/>
@@ -8268,7 +8268,7 @@
             <a:effectLst/>
             <a:extLst>
               <a:ext uri="{91240B29-F687-4F45-9708-019B960494DF}">
-                <a14:hiddenLine xmlns:a14="http://schemas.microsoft.com/office/drawing/2010/main" xmlns="" w="9525">
+                <a14:hiddenLine xmlns="" xmlns:a14="http://schemas.microsoft.com/office/drawing/2010/main" w="9525">
                   <a:solidFill>
                     <a:schemeClr val="tx1"/>
                   </a:solidFill>
@@ -8278,7 +8278,7 @@
                 </a14:hiddenLine>
               </a:ext>
               <a:ext uri="{AF507438-7753-43E0-B8FC-AC1667EBCBE1}">
-                <a14:hiddenEffects xmlns:a14="http://schemas.microsoft.com/office/drawing/2010/main" xmlns="">
+                <a14:hiddenEffects xmlns="" xmlns:a14="http://schemas.microsoft.com/office/drawing/2010/main">
                   <a:effectLst>
                     <a:outerShdw dist="35921" dir="2700000" algn="ctr" rotWithShape="0">
                       <a:schemeClr val="bg2"/>
@@ -8334,7 +8334,7 @@
             <a:effectLst/>
             <a:extLst>
               <a:ext uri="{91240B29-F687-4F45-9708-019B960494DF}">
-                <a14:hiddenLine xmlns:a14="http://schemas.microsoft.com/office/drawing/2010/main" xmlns="" w="9525">
+                <a14:hiddenLine xmlns="" xmlns:a14="http://schemas.microsoft.com/office/drawing/2010/main" w="9525">
                   <a:solidFill>
                     <a:srgbClr val="A7C1DD"/>
                   </a:solidFill>
@@ -8344,7 +8344,7 @@
                 </a14:hiddenLine>
               </a:ext>
               <a:ext uri="{AF507438-7753-43E0-B8FC-AC1667EBCBE1}">
-                <a14:hiddenEffects xmlns:a14="http://schemas.microsoft.com/office/drawing/2010/main" xmlns="">
+                <a14:hiddenEffects xmlns="" xmlns:a14="http://schemas.microsoft.com/office/drawing/2010/main">
                   <a:effectLst>
                     <a:outerShdw dist="35921" dir="2700000" algn="ctr" rotWithShape="0">
                       <a:schemeClr val="bg2"/>
@@ -8402,7 +8402,7 @@
             <a:effectLst/>
             <a:extLst>
               <a:ext uri="{91240B29-F687-4F45-9708-019B960494DF}">
-                <a14:hiddenLine xmlns:a14="http://schemas.microsoft.com/office/drawing/2010/main" xmlns="" w="9525">
+                <a14:hiddenLine xmlns="" xmlns:a14="http://schemas.microsoft.com/office/drawing/2010/main" w="9525">
                   <a:solidFill>
                     <a:srgbClr val="A7C1DD"/>
                   </a:solidFill>
@@ -8412,7 +8412,7 @@
                 </a14:hiddenLine>
               </a:ext>
               <a:ext uri="{AF507438-7753-43E0-B8FC-AC1667EBCBE1}">
-                <a14:hiddenEffects xmlns:a14="http://schemas.microsoft.com/office/drawing/2010/main" xmlns="">
+                <a14:hiddenEffects xmlns="" xmlns:a14="http://schemas.microsoft.com/office/drawing/2010/main">
                   <a:effectLst>
                     <a:outerShdw dist="35921" dir="2700000" algn="ctr" rotWithShape="0">
                       <a:schemeClr val="bg2"/>
@@ -8458,7 +8458,7 @@
           <a:blip r:embed="rId4" cstate="screen">
             <a:extLst>
               <a:ext uri="{28A0092B-C50C-407E-A947-70E740481C1C}">
-                <a14:useLocalDpi xmlns:a14="http://schemas.microsoft.com/office/drawing/2010/main" xmlns="" val="0"/>
+                <a14:useLocalDpi xmlns="" xmlns:a14="http://schemas.microsoft.com/office/drawing/2010/main" val="0"/>
               </a:ext>
             </a:extLst>
           </a:blip>
@@ -8481,14 +8481,14 @@
           </a:ln>
           <a:extLst>
             <a:ext uri="{909E8E84-426E-40DD-AFC4-6F175D3DCCD1}">
-              <a14:hiddenFill xmlns:a14="http://schemas.microsoft.com/office/drawing/2010/main" xmlns="">
+              <a14:hiddenFill xmlns="" xmlns:a14="http://schemas.microsoft.com/office/drawing/2010/main">
                 <a:solidFill>
                   <a:srgbClr val="FFFFFF"/>
                 </a:solidFill>
               </a14:hiddenFill>
             </a:ext>
             <a:ext uri="{91240B29-F687-4F45-9708-019B960494DF}">
-              <a14:hiddenLine xmlns:a14="http://schemas.microsoft.com/office/drawing/2010/main" xmlns="" w="9525">
+              <a14:hiddenLine xmlns="" xmlns:a14="http://schemas.microsoft.com/office/drawing/2010/main" w="9525">
                 <a:solidFill>
                   <a:srgbClr val="000000"/>
                 </a:solidFill>
@@ -8527,7 +8527,7 @@
           <a:effectLst/>
           <a:extLst>
             <a:ext uri="{91240B29-F687-4F45-9708-019B960494DF}">
-              <a14:hiddenLine xmlns:a14="http://schemas.microsoft.com/office/drawing/2010/main" xmlns="" w="9525">
+              <a14:hiddenLine xmlns="" xmlns:a14="http://schemas.microsoft.com/office/drawing/2010/main" w="9525">
                 <a:solidFill>
                   <a:srgbClr val="A7C1DD"/>
                 </a:solidFill>
@@ -8537,7 +8537,7 @@
               </a14:hiddenLine>
             </a:ext>
             <a:ext uri="{AF507438-7753-43E0-B8FC-AC1667EBCBE1}">
-              <a14:hiddenEffects xmlns:a14="http://schemas.microsoft.com/office/drawing/2010/main" xmlns="">
+              <a14:hiddenEffects xmlns="" xmlns:a14="http://schemas.microsoft.com/office/drawing/2010/main">
                 <a:effectLst>
                   <a:outerShdw dist="35921" dir="2700000" algn="ctr" rotWithShape="0">
                     <a:schemeClr val="bg2"/>
@@ -8589,14 +8589,14 @@
           <a:effectLst/>
           <a:extLst>
             <a:ext uri="{909E8E84-426E-40DD-AFC4-6F175D3DCCD1}">
-              <a14:hiddenFill xmlns:a14="http://schemas.microsoft.com/office/drawing/2010/main" xmlns="">
+              <a14:hiddenFill xmlns="" xmlns:a14="http://schemas.microsoft.com/office/drawing/2010/main">
                 <a:solidFill>
                   <a:schemeClr val="accent1"/>
                 </a:solidFill>
               </a14:hiddenFill>
             </a:ext>
             <a:ext uri="{91240B29-F687-4F45-9708-019B960494DF}">
-              <a14:hiddenLine xmlns:a14="http://schemas.microsoft.com/office/drawing/2010/main" xmlns="" w="9525">
+              <a14:hiddenLine xmlns="" xmlns:a14="http://schemas.microsoft.com/office/drawing/2010/main" w="9525">
                 <a:solidFill>
                   <a:schemeClr val="tx1"/>
                 </a:solidFill>
@@ -8606,7 +8606,7 @@
               </a14:hiddenLine>
             </a:ext>
             <a:ext uri="{AF507438-7753-43E0-B8FC-AC1667EBCBE1}">
-              <a14:hiddenEffects xmlns:a14="http://schemas.microsoft.com/office/drawing/2010/main" xmlns="">
+              <a14:hiddenEffects xmlns="" xmlns:a14="http://schemas.microsoft.com/office/drawing/2010/main">
                 <a:effectLst>
                   <a:outerShdw dist="35921" dir="2700000" algn="ctr" rotWithShape="0">
                     <a:schemeClr val="bg2"/>
@@ -8685,7 +8685,7 @@
           <a:effectLst/>
           <a:extLst>
             <a:ext uri="{91240B29-F687-4F45-9708-019B960494DF}">
-              <a14:hiddenLine xmlns:a14="http://schemas.microsoft.com/office/drawing/2010/main" xmlns="" w="9525">
+              <a14:hiddenLine xmlns="" xmlns:a14="http://schemas.microsoft.com/office/drawing/2010/main" w="9525">
                 <a:solidFill>
                   <a:srgbClr val="A7C1DD"/>
                 </a:solidFill>
@@ -8695,7 +8695,7 @@
               </a14:hiddenLine>
             </a:ext>
             <a:ext uri="{AF507438-7753-43E0-B8FC-AC1667EBCBE1}">
-              <a14:hiddenEffects xmlns:a14="http://schemas.microsoft.com/office/drawing/2010/main" xmlns="">
+              <a14:hiddenEffects xmlns="" xmlns:a14="http://schemas.microsoft.com/office/drawing/2010/main">
                 <a:effectLst>
                   <a:outerShdw dist="35921" dir="2700000" algn="ctr" rotWithShape="0">
                     <a:schemeClr val="bg2"/>
@@ -8781,7 +8781,7 @@
           </a:ln>
           <a:extLst>
             <a:ext uri="{91240B29-F687-4F45-9708-019B960494DF}">
-              <a14:hiddenLine xmlns:a14="http://schemas.microsoft.com/office/drawing/2010/main" xmlns="" w="9525">
+              <a14:hiddenLine xmlns="" xmlns:a14="http://schemas.microsoft.com/office/drawing/2010/main" w="9525">
                 <a:solidFill>
                   <a:srgbClr val="000000"/>
                 </a:solidFill>
@@ -8867,14 +8867,14 @@
           <a:effectLst/>
           <a:extLst>
             <a:ext uri="{909E8E84-426E-40DD-AFC4-6F175D3DCCD1}">
-              <a14:hiddenFill xmlns:a14="http://schemas.microsoft.com/office/drawing/2010/main" xmlns="">
+              <a14:hiddenFill xmlns="" xmlns:a14="http://schemas.microsoft.com/office/drawing/2010/main">
                 <a:solidFill>
                   <a:srgbClr val="FFFFFF"/>
                 </a:solidFill>
               </a14:hiddenFill>
             </a:ext>
             <a:ext uri="{91240B29-F687-4F45-9708-019B960494DF}">
-              <a14:hiddenLine xmlns:a14="http://schemas.microsoft.com/office/drawing/2010/main" xmlns="" w="9525">
+              <a14:hiddenLine xmlns="" xmlns:a14="http://schemas.microsoft.com/office/drawing/2010/main" w="9525">
                 <a:solidFill>
                   <a:srgbClr val="000000"/>
                 </a:solidFill>
@@ -8884,7 +8884,7 @@
               </a14:hiddenLine>
             </a:ext>
             <a:ext uri="{AF507438-7753-43E0-B8FC-AC1667EBCBE1}">
-              <a14:hiddenEffects xmlns:a14="http://schemas.microsoft.com/office/drawing/2010/main" xmlns="">
+              <a14:hiddenEffects xmlns="" xmlns:a14="http://schemas.microsoft.com/office/drawing/2010/main">
                 <a:effectLst>
                   <a:outerShdw dist="35921" dir="2700000" algn="ctr" rotWithShape="0">
                     <a:schemeClr val="bg2"/>
@@ -8940,14 +8940,14 @@
           <a:effectLst/>
           <a:extLst>
             <a:ext uri="{909E8E84-426E-40DD-AFC4-6F175D3DCCD1}">
-              <a14:hiddenFill xmlns:a14="http://schemas.microsoft.com/office/drawing/2010/main" xmlns="">
+              <a14:hiddenFill xmlns="" xmlns:a14="http://schemas.microsoft.com/office/drawing/2010/main">
                 <a:solidFill>
                   <a:srgbClr val="FF7300"/>
                 </a:solidFill>
               </a14:hiddenFill>
             </a:ext>
             <a:ext uri="{91240B29-F687-4F45-9708-019B960494DF}">
-              <a14:hiddenLine xmlns:a14="http://schemas.microsoft.com/office/drawing/2010/main" xmlns="" w="9525">
+              <a14:hiddenLine xmlns="" xmlns:a14="http://schemas.microsoft.com/office/drawing/2010/main" w="9525">
                 <a:solidFill>
                   <a:schemeClr val="tx1"/>
                 </a:solidFill>
@@ -8957,7 +8957,7 @@
               </a14:hiddenLine>
             </a:ext>
             <a:ext uri="{AF507438-7753-43E0-B8FC-AC1667EBCBE1}">
-              <a14:hiddenEffects xmlns:a14="http://schemas.microsoft.com/office/drawing/2010/main" xmlns="">
+              <a14:hiddenEffects xmlns="" xmlns:a14="http://schemas.microsoft.com/office/drawing/2010/main">
                 <a:effectLst>
                   <a:outerShdw dist="35921" dir="2700000" algn="ctr" rotWithShape="0">
                     <a:schemeClr val="bg2"/>
@@ -9111,7 +9111,7 @@
           <a:blip r:embed="rId5" cstate="screen">
             <a:extLst>
               <a:ext uri="{28A0092B-C50C-407E-A947-70E740481C1C}">
-                <a14:useLocalDpi xmlns:a14="http://schemas.microsoft.com/office/drawing/2010/main" xmlns="" val="0"/>
+                <a14:useLocalDpi xmlns="" xmlns:a14="http://schemas.microsoft.com/office/drawing/2010/main" val="0"/>
               </a:ext>
             </a:extLst>
           </a:blip>
@@ -9134,14 +9134,14 @@
           </a:ln>
           <a:extLst>
             <a:ext uri="{909E8E84-426E-40DD-AFC4-6F175D3DCCD1}">
-              <a14:hiddenFill xmlns:a14="http://schemas.microsoft.com/office/drawing/2010/main" xmlns="">
+              <a14:hiddenFill xmlns="" xmlns:a14="http://schemas.microsoft.com/office/drawing/2010/main">
                 <a:solidFill>
                   <a:srgbClr val="FF7300"/>
                 </a:solidFill>
               </a14:hiddenFill>
             </a:ext>
             <a:ext uri="{91240B29-F687-4F45-9708-019B960494DF}">
-              <a14:hiddenLine xmlns:a14="http://schemas.microsoft.com/office/drawing/2010/main" xmlns="" w="9525">
+              <a14:hiddenLine xmlns="" xmlns:a14="http://schemas.microsoft.com/office/drawing/2010/main" w="9525">
                 <a:solidFill>
                   <a:schemeClr val="tx1"/>
                 </a:solidFill>
@@ -9682,7 +9682,7 @@
           <a:blip r:embed="rId3" cstate="screen">
             <a:extLst>
               <a:ext uri="{28A0092B-C50C-407E-A947-70E740481C1C}">
-                <a14:useLocalDpi xmlns:a14="http://schemas.microsoft.com/office/drawing/2010/main" xmlns="" val="0"/>
+                <a14:useLocalDpi xmlns="" xmlns:a14="http://schemas.microsoft.com/office/drawing/2010/main" val="0"/>
               </a:ext>
             </a:extLst>
           </a:blip>
@@ -9705,14 +9705,14 @@
           </a:ln>
           <a:extLst>
             <a:ext uri="{909E8E84-426E-40DD-AFC4-6F175D3DCCD1}">
-              <a14:hiddenFill xmlns:a14="http://schemas.microsoft.com/office/drawing/2010/main" xmlns="">
+              <a14:hiddenFill xmlns="" xmlns:a14="http://schemas.microsoft.com/office/drawing/2010/main">
                 <a:solidFill>
                   <a:srgbClr val="FFFFFF"/>
                 </a:solidFill>
               </a14:hiddenFill>
             </a:ext>
             <a:ext uri="{91240B29-F687-4F45-9708-019B960494DF}">
-              <a14:hiddenLine xmlns:a14="http://schemas.microsoft.com/office/drawing/2010/main" xmlns="" w="9525">
+              <a14:hiddenLine xmlns="" xmlns:a14="http://schemas.microsoft.com/office/drawing/2010/main" w="9525">
                 <a:solidFill>
                   <a:srgbClr val="000000"/>
                 </a:solidFill>
@@ -9747,14 +9747,14 @@
           <a:effectLst/>
           <a:extLst>
             <a:ext uri="{909E8E84-426E-40DD-AFC4-6F175D3DCCD1}">
-              <a14:hiddenFill xmlns:a14="http://schemas.microsoft.com/office/drawing/2010/main" xmlns="">
+              <a14:hiddenFill xmlns="" xmlns:a14="http://schemas.microsoft.com/office/drawing/2010/main">
                 <a:solidFill>
                   <a:srgbClr val="323265"/>
                 </a:solidFill>
               </a14:hiddenFill>
             </a:ext>
             <a:ext uri="{91240B29-F687-4F45-9708-019B960494DF}">
-              <a14:hiddenLine xmlns:a14="http://schemas.microsoft.com/office/drawing/2010/main" xmlns="" w="9525">
+              <a14:hiddenLine xmlns="" xmlns:a14="http://schemas.microsoft.com/office/drawing/2010/main" w="9525">
                 <a:solidFill>
                   <a:srgbClr val="A7C1DD"/>
                 </a:solidFill>
@@ -9822,14 +9822,14 @@
           <a:effectLst/>
           <a:extLst>
             <a:ext uri="{909E8E84-426E-40DD-AFC4-6F175D3DCCD1}">
-              <a14:hiddenFill xmlns:a14="http://schemas.microsoft.com/office/drawing/2010/main" xmlns="">
+              <a14:hiddenFill xmlns="" xmlns:a14="http://schemas.microsoft.com/office/drawing/2010/main">
                 <a:solidFill>
                   <a:srgbClr val="FF7300"/>
                 </a:solidFill>
               </a14:hiddenFill>
             </a:ext>
             <a:ext uri="{AF507438-7753-43E0-B8FC-AC1667EBCBE1}">
-              <a14:hiddenEffects xmlns:a14="http://schemas.microsoft.com/office/drawing/2010/main" xmlns="">
+              <a14:hiddenEffects xmlns="" xmlns:a14="http://schemas.microsoft.com/office/drawing/2010/main">
                 <a:effectLst>
                   <a:outerShdw dist="35921" dir="2700000" algn="ctr" rotWithShape="0">
                     <a:schemeClr val="bg2"/>
@@ -10828,7 +10828,7 @@
         </p:blipFill>
         <p:spPr bwMode="auto">
           <a:xfrm>
-            <a:off x="5868144" y="2708920"/>
+            <a:off x="5508104" y="2708920"/>
             <a:ext cx="1296145" cy="1048880"/>
           </a:xfrm>
           <a:prstGeom prst="rect">
@@ -10854,8 +10854,8 @@
         </p:blipFill>
         <p:spPr bwMode="auto">
           <a:xfrm>
-            <a:off x="7452320" y="1988840"/>
-            <a:ext cx="1080120" cy="1084449"/>
+            <a:off x="7308304" y="1988840"/>
+            <a:ext cx="852726" cy="856144"/>
           </a:xfrm>
           <a:prstGeom prst="rect">
             <a:avLst/>
@@ -10871,8 +10871,8 @@
         </p:nvSpPr>
         <p:spPr>
           <a:xfrm>
-            <a:off x="7308304" y="1844824"/>
-            <a:ext cx="1512168" cy="1368152"/>
+            <a:off x="7164288" y="1844823"/>
+            <a:ext cx="1080120" cy="1023272"/>
           </a:xfrm>
           <a:prstGeom prst="noSmoking">
             <a:avLst>
@@ -10925,8 +10925,8 @@
         </p:nvSpPr>
         <p:spPr>
           <a:xfrm>
-            <a:off x="5796136" y="2564904"/>
-            <a:ext cx="1512168" cy="1368152"/>
+            <a:off x="5580112" y="2780928"/>
+            <a:ext cx="1152128" cy="936104"/>
           </a:xfrm>
           <a:prstGeom prst="noSmoking">
             <a:avLst>
@@ -11031,9 +11031,484 @@
   <p:timing>
     <p:tnLst>
       <p:par>
-        <p:cTn id="1" dur="indefinite" restart="never" nodeType="tmRoot"/>
+        <p:cTn id="1" dur="indefinite" restart="never" nodeType="tmRoot">
+          <p:childTnLst>
+            <p:seq concurrent="1" nextAc="seek">
+              <p:cTn id="2" dur="indefinite" nodeType="mainSeq">
+                <p:childTnLst>
+                  <p:par>
+                    <p:cTn id="3" fill="hold">
+                      <p:stCondLst>
+                        <p:cond delay="indefinite"/>
+                      </p:stCondLst>
+                      <p:childTnLst>
+                        <p:par>
+                          <p:cTn id="4" fill="hold">
+                            <p:stCondLst>
+                              <p:cond delay="0"/>
+                            </p:stCondLst>
+                            <p:childTnLst>
+                              <p:par>
+                                <p:cTn id="5" presetID="1" presetClass="entr" presetSubtype="0" fill="hold" grpId="0" nodeType="clickEffect">
+                                  <p:stCondLst>
+                                    <p:cond delay="0"/>
+                                  </p:stCondLst>
+                                  <p:childTnLst>
+                                    <p:set>
+                                      <p:cBhvr>
+                                        <p:cTn id="6" dur="1" fill="hold">
+                                          <p:stCondLst>
+                                            <p:cond delay="0"/>
+                                          </p:stCondLst>
+                                        </p:cTn>
+                                        <p:tgtEl>
+                                          <p:spTgt spid="6">
+                                            <p:txEl>
+                                              <p:pRg st="0" end="0"/>
+                                            </p:txEl>
+                                          </p:spTgt>
+                                        </p:tgtEl>
+                                        <p:attrNameLst>
+                                          <p:attrName>style.visibility</p:attrName>
+                                        </p:attrNameLst>
+                                      </p:cBhvr>
+                                      <p:to>
+                                        <p:strVal val="visible"/>
+                                      </p:to>
+                                    </p:set>
+                                  </p:childTnLst>
+                                </p:cTn>
+                              </p:par>
+                              <p:par>
+                                <p:cTn id="7" presetID="1" presetClass="entr" presetSubtype="0" fill="hold" nodeType="withEffect">
+                                  <p:stCondLst>
+                                    <p:cond delay="0"/>
+                                  </p:stCondLst>
+                                  <p:childTnLst>
+                                    <p:set>
+                                      <p:cBhvr>
+                                        <p:cTn id="8" dur="1" fill="hold">
+                                          <p:stCondLst>
+                                            <p:cond delay="0"/>
+                                          </p:stCondLst>
+                                        </p:cTn>
+                                        <p:tgtEl>
+                                          <p:spTgt spid="41987"/>
+                                        </p:tgtEl>
+                                        <p:attrNameLst>
+                                          <p:attrName>style.visibility</p:attrName>
+                                        </p:attrNameLst>
+                                      </p:cBhvr>
+                                      <p:to>
+                                        <p:strVal val="visible"/>
+                                      </p:to>
+                                    </p:set>
+                                  </p:childTnLst>
+                                </p:cTn>
+                              </p:par>
+                              <p:par>
+                                <p:cTn id="9" presetID="1" presetClass="entr" presetSubtype="0" fill="hold" grpId="0" nodeType="withEffect">
+                                  <p:stCondLst>
+                                    <p:cond delay="0"/>
+                                  </p:stCondLst>
+                                  <p:childTnLst>
+                                    <p:set>
+                                      <p:cBhvr>
+                                        <p:cTn id="10" dur="1" fill="hold">
+                                          <p:stCondLst>
+                                            <p:cond delay="0"/>
+                                          </p:stCondLst>
+                                        </p:cTn>
+                                        <p:tgtEl>
+                                          <p:spTgt spid="7"/>
+                                        </p:tgtEl>
+                                        <p:attrNameLst>
+                                          <p:attrName>style.visibility</p:attrName>
+                                        </p:attrNameLst>
+                                      </p:cBhvr>
+                                      <p:to>
+                                        <p:strVal val="visible"/>
+                                      </p:to>
+                                    </p:set>
+                                  </p:childTnLst>
+                                </p:cTn>
+                              </p:par>
+                            </p:childTnLst>
+                          </p:cTn>
+                        </p:par>
+                      </p:childTnLst>
+                    </p:cTn>
+                  </p:par>
+                  <p:par>
+                    <p:cTn id="11" fill="hold">
+                      <p:stCondLst>
+                        <p:cond delay="indefinite"/>
+                      </p:stCondLst>
+                      <p:childTnLst>
+                        <p:par>
+                          <p:cTn id="12" fill="hold">
+                            <p:stCondLst>
+                              <p:cond delay="0"/>
+                            </p:stCondLst>
+                            <p:childTnLst>
+                              <p:par>
+                                <p:cTn id="13" presetID="1" presetClass="entr" presetSubtype="0" fill="hold" grpId="0" nodeType="clickEffect">
+                                  <p:stCondLst>
+                                    <p:cond delay="0"/>
+                                  </p:stCondLst>
+                                  <p:childTnLst>
+                                    <p:set>
+                                      <p:cBhvr>
+                                        <p:cTn id="14" dur="1" fill="hold">
+                                          <p:stCondLst>
+                                            <p:cond delay="0"/>
+                                          </p:stCondLst>
+                                        </p:cTn>
+                                        <p:tgtEl>
+                                          <p:spTgt spid="6">
+                                            <p:txEl>
+                                              <p:pRg st="2" end="2"/>
+                                            </p:txEl>
+                                          </p:spTgt>
+                                        </p:tgtEl>
+                                        <p:attrNameLst>
+                                          <p:attrName>style.visibility</p:attrName>
+                                        </p:attrNameLst>
+                                      </p:cBhvr>
+                                      <p:to>
+                                        <p:strVal val="visible"/>
+                                      </p:to>
+                                    </p:set>
+                                  </p:childTnLst>
+                                </p:cTn>
+                              </p:par>
+                              <p:par>
+                                <p:cTn id="15" presetID="1" presetClass="entr" presetSubtype="0" fill="hold" grpId="0" nodeType="withEffect">
+                                  <p:stCondLst>
+                                    <p:cond delay="0"/>
+                                  </p:stCondLst>
+                                  <p:childTnLst>
+                                    <p:set>
+                                      <p:cBhvr>
+                                        <p:cTn id="16" dur="1" fill="hold">
+                                          <p:stCondLst>
+                                            <p:cond delay="0"/>
+                                          </p:stCondLst>
+                                        </p:cTn>
+                                        <p:tgtEl>
+                                          <p:spTgt spid="8"/>
+                                        </p:tgtEl>
+                                        <p:attrNameLst>
+                                          <p:attrName>style.visibility</p:attrName>
+                                        </p:attrNameLst>
+                                      </p:cBhvr>
+                                      <p:to>
+                                        <p:strVal val="visible"/>
+                                      </p:to>
+                                    </p:set>
+                                  </p:childTnLst>
+                                </p:cTn>
+                              </p:par>
+                              <p:par>
+                                <p:cTn id="17" presetID="1" presetClass="entr" presetSubtype="0" fill="hold" nodeType="withEffect">
+                                  <p:stCondLst>
+                                    <p:cond delay="0"/>
+                                  </p:stCondLst>
+                                  <p:childTnLst>
+                                    <p:set>
+                                      <p:cBhvr>
+                                        <p:cTn id="18" dur="1" fill="hold">
+                                          <p:stCondLst>
+                                            <p:cond delay="0"/>
+                                          </p:stCondLst>
+                                        </p:cTn>
+                                        <p:tgtEl>
+                                          <p:spTgt spid="41986"/>
+                                        </p:tgtEl>
+                                        <p:attrNameLst>
+                                          <p:attrName>style.visibility</p:attrName>
+                                        </p:attrNameLst>
+                                      </p:cBhvr>
+                                      <p:to>
+                                        <p:strVal val="visible"/>
+                                      </p:to>
+                                    </p:set>
+                                  </p:childTnLst>
+                                </p:cTn>
+                              </p:par>
+                            </p:childTnLst>
+                          </p:cTn>
+                        </p:par>
+                      </p:childTnLst>
+                    </p:cTn>
+                  </p:par>
+                  <p:par>
+                    <p:cTn id="19" fill="hold">
+                      <p:stCondLst>
+                        <p:cond delay="indefinite"/>
+                      </p:stCondLst>
+                      <p:childTnLst>
+                        <p:par>
+                          <p:cTn id="20" fill="hold">
+                            <p:stCondLst>
+                              <p:cond delay="0"/>
+                            </p:stCondLst>
+                            <p:childTnLst>
+                              <p:par>
+                                <p:cTn id="21" presetID="1" presetClass="entr" presetSubtype="0" fill="hold" grpId="0" nodeType="clickEffect">
+                                  <p:stCondLst>
+                                    <p:cond delay="0"/>
+                                  </p:stCondLst>
+                                  <p:childTnLst>
+                                    <p:set>
+                                      <p:cBhvr>
+                                        <p:cTn id="22" dur="1" fill="hold">
+                                          <p:stCondLst>
+                                            <p:cond delay="0"/>
+                                          </p:stCondLst>
+                                        </p:cTn>
+                                        <p:tgtEl>
+                                          <p:spTgt spid="6">
+                                            <p:txEl>
+                                              <p:pRg st="4" end="4"/>
+                                            </p:txEl>
+                                          </p:spTgt>
+                                        </p:tgtEl>
+                                        <p:attrNameLst>
+                                          <p:attrName>style.visibility</p:attrName>
+                                        </p:attrNameLst>
+                                      </p:cBhvr>
+                                      <p:to>
+                                        <p:strVal val="visible"/>
+                                      </p:to>
+                                    </p:set>
+                                  </p:childTnLst>
+                                </p:cTn>
+                              </p:par>
+                              <p:par>
+                                <p:cTn id="23" presetID="1" presetClass="entr" presetSubtype="0" fill="hold" grpId="0" nodeType="withEffect">
+                                  <p:stCondLst>
+                                    <p:cond delay="0"/>
+                                  </p:stCondLst>
+                                  <p:childTnLst>
+                                    <p:set>
+                                      <p:cBhvr>
+                                        <p:cTn id="24" dur="1" fill="hold">
+                                          <p:stCondLst>
+                                            <p:cond delay="0"/>
+                                          </p:stCondLst>
+                                        </p:cTn>
+                                        <p:tgtEl>
+                                          <p:spTgt spid="6">
+                                            <p:txEl>
+                                              <p:pRg st="5" end="5"/>
+                                            </p:txEl>
+                                          </p:spTgt>
+                                        </p:tgtEl>
+                                        <p:attrNameLst>
+                                          <p:attrName>style.visibility</p:attrName>
+                                        </p:attrNameLst>
+                                      </p:cBhvr>
+                                      <p:to>
+                                        <p:strVal val="visible"/>
+                                      </p:to>
+                                    </p:set>
+                                  </p:childTnLst>
+                                </p:cTn>
+                              </p:par>
+                              <p:par>
+                                <p:cTn id="25" presetID="1" presetClass="entr" presetSubtype="0" fill="hold" nodeType="withEffect">
+                                  <p:stCondLst>
+                                    <p:cond delay="0"/>
+                                  </p:stCondLst>
+                                  <p:childTnLst>
+                                    <p:set>
+                                      <p:cBhvr>
+                                        <p:cTn id="26" dur="1" fill="hold">
+                                          <p:stCondLst>
+                                            <p:cond delay="0"/>
+                                          </p:stCondLst>
+                                        </p:cTn>
+                                        <p:tgtEl>
+                                          <p:spTgt spid="4"/>
+                                        </p:tgtEl>
+                                        <p:attrNameLst>
+                                          <p:attrName>style.visibility</p:attrName>
+                                        </p:attrNameLst>
+                                      </p:cBhvr>
+                                      <p:to>
+                                        <p:strVal val="visible"/>
+                                      </p:to>
+                                    </p:set>
+                                  </p:childTnLst>
+                                </p:cTn>
+                              </p:par>
+                              <p:par>
+                                <p:cTn id="27" presetID="1" presetClass="entr" presetSubtype="0" fill="hold" nodeType="withEffect">
+                                  <p:stCondLst>
+                                    <p:cond delay="0"/>
+                                  </p:stCondLst>
+                                  <p:childTnLst>
+                                    <p:set>
+                                      <p:cBhvr>
+                                        <p:cTn id="28" dur="1" fill="hold">
+                                          <p:stCondLst>
+                                            <p:cond delay="0"/>
+                                          </p:stCondLst>
+                                        </p:cTn>
+                                        <p:tgtEl>
+                                          <p:spTgt spid="1026"/>
+                                        </p:tgtEl>
+                                        <p:attrNameLst>
+                                          <p:attrName>style.visibility</p:attrName>
+                                        </p:attrNameLst>
+                                      </p:cBhvr>
+                                      <p:to>
+                                        <p:strVal val="visible"/>
+                                      </p:to>
+                                    </p:set>
+                                  </p:childTnLst>
+                                </p:cTn>
+                              </p:par>
+                            </p:childTnLst>
+                          </p:cTn>
+                        </p:par>
+                      </p:childTnLst>
+                    </p:cTn>
+                  </p:par>
+                  <p:par>
+                    <p:cTn id="29" fill="hold">
+                      <p:stCondLst>
+                        <p:cond delay="indefinite"/>
+                      </p:stCondLst>
+                      <p:childTnLst>
+                        <p:par>
+                          <p:cTn id="30" fill="hold">
+                            <p:stCondLst>
+                              <p:cond delay="0"/>
+                            </p:stCondLst>
+                            <p:childTnLst>
+                              <p:par>
+                                <p:cTn id="31" presetID="1" presetClass="entr" presetSubtype="0" fill="hold" grpId="0" nodeType="clickEffect">
+                                  <p:stCondLst>
+                                    <p:cond delay="0"/>
+                                  </p:stCondLst>
+                                  <p:childTnLst>
+                                    <p:set>
+                                      <p:cBhvr>
+                                        <p:cTn id="32" dur="1" fill="hold">
+                                          <p:stCondLst>
+                                            <p:cond delay="0"/>
+                                          </p:stCondLst>
+                                        </p:cTn>
+                                        <p:tgtEl>
+                                          <p:spTgt spid="6">
+                                            <p:txEl>
+                                              <p:pRg st="7" end="7"/>
+                                            </p:txEl>
+                                          </p:spTgt>
+                                        </p:tgtEl>
+                                        <p:attrNameLst>
+                                          <p:attrName>style.visibility</p:attrName>
+                                        </p:attrNameLst>
+                                      </p:cBhvr>
+                                      <p:to>
+                                        <p:strVal val="visible"/>
+                                      </p:to>
+                                    </p:set>
+                                  </p:childTnLst>
+                                </p:cTn>
+                              </p:par>
+                              <p:par>
+                                <p:cTn id="33" presetID="1" presetClass="entr" presetSubtype="0" fill="hold" grpId="0" nodeType="withEffect">
+                                  <p:stCondLst>
+                                    <p:cond delay="0"/>
+                                  </p:stCondLst>
+                                  <p:childTnLst>
+                                    <p:set>
+                                      <p:cBhvr>
+                                        <p:cTn id="34" dur="1" fill="hold">
+                                          <p:stCondLst>
+                                            <p:cond delay="0"/>
+                                          </p:stCondLst>
+                                        </p:cTn>
+                                        <p:tgtEl>
+                                          <p:spTgt spid="6">
+                                            <p:txEl>
+                                              <p:pRg st="8" end="8"/>
+                                            </p:txEl>
+                                          </p:spTgt>
+                                        </p:tgtEl>
+                                        <p:attrNameLst>
+                                          <p:attrName>style.visibility</p:attrName>
+                                        </p:attrNameLst>
+                                      </p:cBhvr>
+                                      <p:to>
+                                        <p:strVal val="visible"/>
+                                      </p:to>
+                                    </p:set>
+                                  </p:childTnLst>
+                                </p:cTn>
+                              </p:par>
+                              <p:par>
+                                <p:cTn id="35" presetID="1" presetClass="entr" presetSubtype="0" fill="hold" nodeType="withEffect">
+                                  <p:stCondLst>
+                                    <p:cond delay="0"/>
+                                  </p:stCondLst>
+                                  <p:childTnLst>
+                                    <p:set>
+                                      <p:cBhvr>
+                                        <p:cTn id="36" dur="1" fill="hold">
+                                          <p:stCondLst>
+                                            <p:cond delay="0"/>
+                                          </p:stCondLst>
+                                        </p:cTn>
+                                        <p:tgtEl>
+                                          <p:spTgt spid="41988"/>
+                                        </p:tgtEl>
+                                        <p:attrNameLst>
+                                          <p:attrName>style.visibility</p:attrName>
+                                        </p:attrNameLst>
+                                      </p:cBhvr>
+                                      <p:to>
+                                        <p:strVal val="visible"/>
+                                      </p:to>
+                                    </p:set>
+                                  </p:childTnLst>
+                                </p:cTn>
+                              </p:par>
+                            </p:childTnLst>
+                          </p:cTn>
+                        </p:par>
+                      </p:childTnLst>
+                    </p:cTn>
+                  </p:par>
+                </p:childTnLst>
+              </p:cTn>
+              <p:prevCondLst>
+                <p:cond evt="onPrev" delay="0">
+                  <p:tgtEl>
+                    <p:sldTgt/>
+                  </p:tgtEl>
+                </p:cond>
+              </p:prevCondLst>
+              <p:nextCondLst>
+                <p:cond evt="onNext" delay="0">
+                  <p:tgtEl>
+                    <p:sldTgt/>
+                  </p:tgtEl>
+                </p:cond>
+              </p:nextCondLst>
+            </p:seq>
+          </p:childTnLst>
+        </p:cTn>
       </p:par>
     </p:tnLst>
+    <p:bldLst>
+      <p:bldP spid="6" grpId="0" uiExpand="1" build="p"/>
+      <p:bldP spid="7" grpId="0" uiExpand="1" animBg="1"/>
+      <p:bldP spid="8" grpId="0" uiExpand="1" animBg="1"/>
+    </p:bldLst>
   </p:timing>
 </p:sld>
 </file>
@@ -11743,11 +12218,7 @@
           <a:p>
             <a:r>
               <a:rPr lang="fr-FR" dirty="0" smtClean="0"/>
-              <a:t>Quelle </a:t>
-            </a:r>
-            <a:r>
-              <a:rPr lang="fr-FR" dirty="0" smtClean="0"/>
-              <a:t>est votre expérience avec les tests ?</a:t>
+              <a:t>Quelle est votre expérience avec les tests ?</a:t>
             </a:r>
           </a:p>
           <a:p>
@@ -18380,11 +18851,7 @@
             </a:r>
             <a:r>
               <a:rPr lang="fr-FR" dirty="0" smtClean="0"/>
-              <a:t>-in </a:t>
-            </a:r>
-            <a:r>
-              <a:rPr lang="fr-FR" dirty="0" smtClean="0"/>
-              <a:t>/ </a:t>
+              <a:t>-in / </a:t>
             </a:r>
             <a:r>
               <a:rPr lang="fr-FR" dirty="0" err="1" smtClean="0"/>
@@ -30135,7 +30602,6 @@
               <a:rPr lang="fr-FR" dirty="0" smtClean="0"/>
               <a:t>-in</a:t>
             </a:r>
-            <a:endParaRPr lang="fr-FR" dirty="0" smtClean="0"/>
           </a:p>
           <a:p>
             <a:r>
@@ -30843,7 +31309,6 @@
               <a:rPr lang="fr-FR" dirty="0" smtClean="0"/>
               <a:t>-in</a:t>
             </a:r>
-            <a:endParaRPr lang="fr-FR" dirty="0" smtClean="0"/>
           </a:p>
           <a:p>
             <a:r>
@@ -30860,11 +31325,7 @@
             </a:r>
             <a:r>
               <a:rPr lang="fr-FR" dirty="0" err="1" smtClean="0"/>
-              <a:t>E</a:t>
-            </a:r>
-            <a:r>
-              <a:rPr lang="fr-FR" dirty="0" err="1" smtClean="0"/>
-              <a:t>xample</a:t>
+              <a:t>Example</a:t>
             </a:r>
             <a:endParaRPr lang="fr-FR" dirty="0" smtClean="0"/>
           </a:p>
@@ -30957,15 +31418,7 @@
           <a:p>
             <a:r>
               <a:rPr lang="fr-FR" dirty="0" smtClean="0"/>
-              <a:t>Vérifiez que vous êtes capable </a:t>
-            </a:r>
-            <a:r>
-              <a:rPr lang="fr-FR" dirty="0" smtClean="0"/>
-              <a:t>de configurer </a:t>
-            </a:r>
-            <a:r>
-              <a:rPr lang="fr-FR" dirty="0" smtClean="0"/>
-              <a:t>un </a:t>
+              <a:t>Vérifiez que vous êtes capable de configurer un </a:t>
             </a:r>
             <a:r>
               <a:rPr lang="fr-FR" dirty="0" err="1" smtClean="0"/>
@@ -31324,17 +31777,7 @@
                 <a:latin typeface="Chalkduster"/>
                 <a:cs typeface="Chalkduster"/>
               </a:rPr>
-              <a:t>e</a:t>
-            </a:r>
-            <a:r>
-              <a:rPr lang="en-US" sz="1400" b="1" dirty="0" err="1" smtClean="0">
-                <a:solidFill>
-                  <a:srgbClr val="FF0000"/>
-                </a:solidFill>
-                <a:latin typeface="Chalkduster"/>
-                <a:cs typeface="Chalkduster"/>
-              </a:rPr>
-              <a:t>xigence</a:t>
+              <a:t>exigence</a:t>
             </a:r>
             <a:endParaRPr lang="en-US" sz="1400" b="1" dirty="0" smtClean="0">
               <a:solidFill>
@@ -31535,6 +31978,618 @@
             <a:endParaRPr lang="fr-FR" dirty="0">
               <a:latin typeface="Chalkduster"/>
             </a:endParaRPr>
+          </a:p>
+        </p:txBody>
+      </p:sp>
+      <p:sp>
+        <p:nvSpPr>
+          <p:cNvPr id="15" name="Forme libre 14"/>
+          <p:cNvSpPr/>
+          <p:nvPr/>
+        </p:nvSpPr>
+        <p:spPr>
+          <a:xfrm rot="20877416" flipH="1" flipV="1">
+            <a:off x="3713841" y="1757962"/>
+            <a:ext cx="560090" cy="115999"/>
+          </a:xfrm>
+          <a:custGeom>
+            <a:avLst/>
+            <a:gdLst>
+              <a:gd name="connsiteX0" fmla="*/ 0 w 1584176"/>
+              <a:gd name="connsiteY0" fmla="*/ 792088 h 1584176"/>
+              <a:gd name="connsiteX1" fmla="*/ 231998 w 1584176"/>
+              <a:gd name="connsiteY1" fmla="*/ 231997 h 1584176"/>
+              <a:gd name="connsiteX2" fmla="*/ 792089 w 1584176"/>
+              <a:gd name="connsiteY2" fmla="*/ 1 h 1584176"/>
+              <a:gd name="connsiteX3" fmla="*/ 1352180 w 1584176"/>
+              <a:gd name="connsiteY3" fmla="*/ 231999 h 1584176"/>
+              <a:gd name="connsiteX4" fmla="*/ 1584176 w 1584176"/>
+              <a:gd name="connsiteY4" fmla="*/ 792090 h 1584176"/>
+              <a:gd name="connsiteX5" fmla="*/ 1352179 w 1584176"/>
+              <a:gd name="connsiteY5" fmla="*/ 1352181 h 1584176"/>
+              <a:gd name="connsiteX6" fmla="*/ 792088 w 1584176"/>
+              <a:gd name="connsiteY6" fmla="*/ 1584178 h 1584176"/>
+              <a:gd name="connsiteX7" fmla="*/ 231997 w 1584176"/>
+              <a:gd name="connsiteY7" fmla="*/ 1352180 h 1584176"/>
+              <a:gd name="connsiteX8" fmla="*/ 0 w 1584176"/>
+              <a:gd name="connsiteY8" fmla="*/ 792089 h 1584176"/>
+              <a:gd name="connsiteX9" fmla="*/ 0 w 1584176"/>
+              <a:gd name="connsiteY9" fmla="*/ 792088 h 1584176"/>
+              <a:gd name="connsiteX0" fmla="*/ 1352179 w 1584177"/>
+              <a:gd name="connsiteY0" fmla="*/ 1352181 h 1584178"/>
+              <a:gd name="connsiteX1" fmla="*/ 792088 w 1584177"/>
+              <a:gd name="connsiteY1" fmla="*/ 1584178 h 1584178"/>
+              <a:gd name="connsiteX2" fmla="*/ 231997 w 1584177"/>
+              <a:gd name="connsiteY2" fmla="*/ 1352180 h 1584178"/>
+              <a:gd name="connsiteX3" fmla="*/ 0 w 1584177"/>
+              <a:gd name="connsiteY3" fmla="*/ 792089 h 1584178"/>
+              <a:gd name="connsiteX4" fmla="*/ 0 w 1584177"/>
+              <a:gd name="connsiteY4" fmla="*/ 792088 h 1584178"/>
+              <a:gd name="connsiteX5" fmla="*/ 231998 w 1584177"/>
+              <a:gd name="connsiteY5" fmla="*/ 231997 h 1584178"/>
+              <a:gd name="connsiteX6" fmla="*/ 792089 w 1584177"/>
+              <a:gd name="connsiteY6" fmla="*/ 1 h 1584178"/>
+              <a:gd name="connsiteX7" fmla="*/ 1352180 w 1584177"/>
+              <a:gd name="connsiteY7" fmla="*/ 231999 h 1584178"/>
+              <a:gd name="connsiteX8" fmla="*/ 1584176 w 1584177"/>
+              <a:gd name="connsiteY8" fmla="*/ 792090 h 1584178"/>
+              <a:gd name="connsiteX9" fmla="*/ 1443619 w 1584177"/>
+              <a:gd name="connsiteY9" fmla="*/ 1443621 h 1584178"/>
+              <a:gd name="connsiteX0" fmla="*/ 1352179 w 1584177"/>
+              <a:gd name="connsiteY0" fmla="*/ 1352181 h 1584178"/>
+              <a:gd name="connsiteX1" fmla="*/ 792088 w 1584177"/>
+              <a:gd name="connsiteY1" fmla="*/ 1584178 h 1584178"/>
+              <a:gd name="connsiteX2" fmla="*/ 231997 w 1584177"/>
+              <a:gd name="connsiteY2" fmla="*/ 1352180 h 1584178"/>
+              <a:gd name="connsiteX3" fmla="*/ 0 w 1584177"/>
+              <a:gd name="connsiteY3" fmla="*/ 792089 h 1584178"/>
+              <a:gd name="connsiteX4" fmla="*/ 0 w 1584177"/>
+              <a:gd name="connsiteY4" fmla="*/ 792088 h 1584178"/>
+              <a:gd name="connsiteX5" fmla="*/ 231998 w 1584177"/>
+              <a:gd name="connsiteY5" fmla="*/ 231997 h 1584178"/>
+              <a:gd name="connsiteX6" fmla="*/ 792089 w 1584177"/>
+              <a:gd name="connsiteY6" fmla="*/ 1 h 1584178"/>
+              <a:gd name="connsiteX7" fmla="*/ 1352180 w 1584177"/>
+              <a:gd name="connsiteY7" fmla="*/ 231999 h 1584178"/>
+              <a:gd name="connsiteX8" fmla="*/ 1584176 w 1584177"/>
+              <a:gd name="connsiteY8" fmla="*/ 792090 h 1584178"/>
+              <a:gd name="connsiteX0" fmla="*/ 1352179 w 1352180"/>
+              <a:gd name="connsiteY0" fmla="*/ 1352181 h 1584178"/>
+              <a:gd name="connsiteX1" fmla="*/ 792088 w 1352180"/>
+              <a:gd name="connsiteY1" fmla="*/ 1584178 h 1584178"/>
+              <a:gd name="connsiteX2" fmla="*/ 231997 w 1352180"/>
+              <a:gd name="connsiteY2" fmla="*/ 1352180 h 1584178"/>
+              <a:gd name="connsiteX3" fmla="*/ 0 w 1352180"/>
+              <a:gd name="connsiteY3" fmla="*/ 792089 h 1584178"/>
+              <a:gd name="connsiteX4" fmla="*/ 0 w 1352180"/>
+              <a:gd name="connsiteY4" fmla="*/ 792088 h 1584178"/>
+              <a:gd name="connsiteX5" fmla="*/ 231998 w 1352180"/>
+              <a:gd name="connsiteY5" fmla="*/ 231997 h 1584178"/>
+              <a:gd name="connsiteX6" fmla="*/ 792089 w 1352180"/>
+              <a:gd name="connsiteY6" fmla="*/ 1 h 1584178"/>
+              <a:gd name="connsiteX7" fmla="*/ 1352180 w 1352180"/>
+              <a:gd name="connsiteY7" fmla="*/ 231999 h 1584178"/>
+              <a:gd name="connsiteX0" fmla="*/ 1352179 w 1352179"/>
+              <a:gd name="connsiteY0" fmla="*/ 1352181 h 1584178"/>
+              <a:gd name="connsiteX1" fmla="*/ 792088 w 1352179"/>
+              <a:gd name="connsiteY1" fmla="*/ 1584178 h 1584178"/>
+              <a:gd name="connsiteX2" fmla="*/ 231997 w 1352179"/>
+              <a:gd name="connsiteY2" fmla="*/ 1352180 h 1584178"/>
+              <a:gd name="connsiteX3" fmla="*/ 0 w 1352179"/>
+              <a:gd name="connsiteY3" fmla="*/ 792089 h 1584178"/>
+              <a:gd name="connsiteX4" fmla="*/ 0 w 1352179"/>
+              <a:gd name="connsiteY4" fmla="*/ 792088 h 1584178"/>
+              <a:gd name="connsiteX5" fmla="*/ 231998 w 1352179"/>
+              <a:gd name="connsiteY5" fmla="*/ 231997 h 1584178"/>
+              <a:gd name="connsiteX6" fmla="*/ 792089 w 1352179"/>
+              <a:gd name="connsiteY6" fmla="*/ 1 h 1584178"/>
+              <a:gd name="connsiteX0" fmla="*/ 1352179 w 1352179"/>
+              <a:gd name="connsiteY0" fmla="*/ 1120184 h 1352181"/>
+              <a:gd name="connsiteX1" fmla="*/ 792088 w 1352179"/>
+              <a:gd name="connsiteY1" fmla="*/ 1352181 h 1352181"/>
+              <a:gd name="connsiteX2" fmla="*/ 231997 w 1352179"/>
+              <a:gd name="connsiteY2" fmla="*/ 1120183 h 1352181"/>
+              <a:gd name="connsiteX3" fmla="*/ 0 w 1352179"/>
+              <a:gd name="connsiteY3" fmla="*/ 560092 h 1352181"/>
+              <a:gd name="connsiteX4" fmla="*/ 0 w 1352179"/>
+              <a:gd name="connsiteY4" fmla="*/ 560091 h 1352181"/>
+              <a:gd name="connsiteX5" fmla="*/ 231998 w 1352179"/>
+              <a:gd name="connsiteY5" fmla="*/ 0 h 1352181"/>
+              <a:gd name="connsiteX0" fmla="*/ 1352179 w 1352179"/>
+              <a:gd name="connsiteY0" fmla="*/ 560093 h 792090"/>
+              <a:gd name="connsiteX1" fmla="*/ 792088 w 1352179"/>
+              <a:gd name="connsiteY1" fmla="*/ 792090 h 792090"/>
+              <a:gd name="connsiteX2" fmla="*/ 231997 w 1352179"/>
+              <a:gd name="connsiteY2" fmla="*/ 560092 h 792090"/>
+              <a:gd name="connsiteX3" fmla="*/ 0 w 1352179"/>
+              <a:gd name="connsiteY3" fmla="*/ 1 h 792090"/>
+              <a:gd name="connsiteX4" fmla="*/ 0 w 1352179"/>
+              <a:gd name="connsiteY4" fmla="*/ 0 h 792090"/>
+              <a:gd name="connsiteX0" fmla="*/ 1352179 w 1352179"/>
+              <a:gd name="connsiteY0" fmla="*/ 560092 h 792089"/>
+              <a:gd name="connsiteX1" fmla="*/ 792088 w 1352179"/>
+              <a:gd name="connsiteY1" fmla="*/ 792089 h 792089"/>
+              <a:gd name="connsiteX2" fmla="*/ 231997 w 1352179"/>
+              <a:gd name="connsiteY2" fmla="*/ 560091 h 792089"/>
+              <a:gd name="connsiteX3" fmla="*/ 0 w 1352179"/>
+              <a:gd name="connsiteY3" fmla="*/ 0 h 792089"/>
+              <a:gd name="connsiteX0" fmla="*/ 1120182 w 1120182"/>
+              <a:gd name="connsiteY0" fmla="*/ 1 h 231998"/>
+              <a:gd name="connsiteX1" fmla="*/ 560091 w 1120182"/>
+              <a:gd name="connsiteY1" fmla="*/ 231998 h 231998"/>
+              <a:gd name="connsiteX2" fmla="*/ 0 w 1120182"/>
+              <a:gd name="connsiteY2" fmla="*/ 0 h 231998"/>
+            </a:gdLst>
+            <a:ahLst/>
+            <a:cxnLst>
+              <a:cxn ang="0">
+                <a:pos x="connsiteX0" y="connsiteY0"/>
+              </a:cxn>
+              <a:cxn ang="0">
+                <a:pos x="connsiteX1" y="connsiteY1"/>
+              </a:cxn>
+              <a:cxn ang="0">
+                <a:pos x="connsiteX2" y="connsiteY2"/>
+              </a:cxn>
+            </a:cxnLst>
+            <a:rect l="l" t="t" r="r" b="b"/>
+            <a:pathLst>
+              <a:path w="1120182" h="231998">
+                <a:moveTo>
+                  <a:pt x="1120182" y="1"/>
+                </a:moveTo>
+                <a:cubicBezTo>
+                  <a:pt x="971637" y="148546"/>
+                  <a:pt x="770166" y="231998"/>
+                  <a:pt x="560091" y="231998"/>
+                </a:cubicBezTo>
+                <a:cubicBezTo>
+                  <a:pt x="350016" y="231998"/>
+                  <a:pt x="148545" y="148546"/>
+                  <a:pt x="0" y="0"/>
+                </a:cubicBezTo>
+              </a:path>
+            </a:pathLst>
+          </a:custGeom>
+          <a:noFill/>
+          <a:ln>
+            <a:solidFill>
+              <a:srgbClr val="FF0000"/>
+            </a:solidFill>
+            <a:headEnd type="none" w="med" len="med"/>
+            <a:tailEnd type="triangle" w="lg" len="lg"/>
+          </a:ln>
+        </p:spPr>
+        <p:style>
+          <a:lnRef idx="2">
+            <a:schemeClr val="accent1">
+              <a:shade val="50000"/>
+            </a:schemeClr>
+          </a:lnRef>
+          <a:fillRef idx="1">
+            <a:schemeClr val="accent1"/>
+          </a:fillRef>
+          <a:effectRef idx="0">
+            <a:schemeClr val="accent1"/>
+          </a:effectRef>
+          <a:fontRef idx="minor">
+            <a:schemeClr val="lt1"/>
+          </a:fontRef>
+        </p:style>
+        <p:txBody>
+          <a:bodyPr rtlCol="0" anchor="ctr"/>
+          <a:lstStyle/>
+          <a:p>
+            <a:pPr algn="ctr"/>
+            <a:endParaRPr lang="fr-FR"/>
+          </a:p>
+        </p:txBody>
+      </p:sp>
+      <p:sp>
+        <p:nvSpPr>
+          <p:cNvPr id="16" name="Forme libre 15"/>
+          <p:cNvSpPr/>
+          <p:nvPr/>
+        </p:nvSpPr>
+        <p:spPr>
+          <a:xfrm rot="9233428" flipH="1" flipV="1">
+            <a:off x="6513163" y="4194398"/>
+            <a:ext cx="560090" cy="115999"/>
+          </a:xfrm>
+          <a:custGeom>
+            <a:avLst/>
+            <a:gdLst>
+              <a:gd name="connsiteX0" fmla="*/ 0 w 1584176"/>
+              <a:gd name="connsiteY0" fmla="*/ 792088 h 1584176"/>
+              <a:gd name="connsiteX1" fmla="*/ 231998 w 1584176"/>
+              <a:gd name="connsiteY1" fmla="*/ 231997 h 1584176"/>
+              <a:gd name="connsiteX2" fmla="*/ 792089 w 1584176"/>
+              <a:gd name="connsiteY2" fmla="*/ 1 h 1584176"/>
+              <a:gd name="connsiteX3" fmla="*/ 1352180 w 1584176"/>
+              <a:gd name="connsiteY3" fmla="*/ 231999 h 1584176"/>
+              <a:gd name="connsiteX4" fmla="*/ 1584176 w 1584176"/>
+              <a:gd name="connsiteY4" fmla="*/ 792090 h 1584176"/>
+              <a:gd name="connsiteX5" fmla="*/ 1352179 w 1584176"/>
+              <a:gd name="connsiteY5" fmla="*/ 1352181 h 1584176"/>
+              <a:gd name="connsiteX6" fmla="*/ 792088 w 1584176"/>
+              <a:gd name="connsiteY6" fmla="*/ 1584178 h 1584176"/>
+              <a:gd name="connsiteX7" fmla="*/ 231997 w 1584176"/>
+              <a:gd name="connsiteY7" fmla="*/ 1352180 h 1584176"/>
+              <a:gd name="connsiteX8" fmla="*/ 0 w 1584176"/>
+              <a:gd name="connsiteY8" fmla="*/ 792089 h 1584176"/>
+              <a:gd name="connsiteX9" fmla="*/ 0 w 1584176"/>
+              <a:gd name="connsiteY9" fmla="*/ 792088 h 1584176"/>
+              <a:gd name="connsiteX0" fmla="*/ 1352179 w 1584177"/>
+              <a:gd name="connsiteY0" fmla="*/ 1352181 h 1584178"/>
+              <a:gd name="connsiteX1" fmla="*/ 792088 w 1584177"/>
+              <a:gd name="connsiteY1" fmla="*/ 1584178 h 1584178"/>
+              <a:gd name="connsiteX2" fmla="*/ 231997 w 1584177"/>
+              <a:gd name="connsiteY2" fmla="*/ 1352180 h 1584178"/>
+              <a:gd name="connsiteX3" fmla="*/ 0 w 1584177"/>
+              <a:gd name="connsiteY3" fmla="*/ 792089 h 1584178"/>
+              <a:gd name="connsiteX4" fmla="*/ 0 w 1584177"/>
+              <a:gd name="connsiteY4" fmla="*/ 792088 h 1584178"/>
+              <a:gd name="connsiteX5" fmla="*/ 231998 w 1584177"/>
+              <a:gd name="connsiteY5" fmla="*/ 231997 h 1584178"/>
+              <a:gd name="connsiteX6" fmla="*/ 792089 w 1584177"/>
+              <a:gd name="connsiteY6" fmla="*/ 1 h 1584178"/>
+              <a:gd name="connsiteX7" fmla="*/ 1352180 w 1584177"/>
+              <a:gd name="connsiteY7" fmla="*/ 231999 h 1584178"/>
+              <a:gd name="connsiteX8" fmla="*/ 1584176 w 1584177"/>
+              <a:gd name="connsiteY8" fmla="*/ 792090 h 1584178"/>
+              <a:gd name="connsiteX9" fmla="*/ 1443619 w 1584177"/>
+              <a:gd name="connsiteY9" fmla="*/ 1443621 h 1584178"/>
+              <a:gd name="connsiteX0" fmla="*/ 1352179 w 1584177"/>
+              <a:gd name="connsiteY0" fmla="*/ 1352181 h 1584178"/>
+              <a:gd name="connsiteX1" fmla="*/ 792088 w 1584177"/>
+              <a:gd name="connsiteY1" fmla="*/ 1584178 h 1584178"/>
+              <a:gd name="connsiteX2" fmla="*/ 231997 w 1584177"/>
+              <a:gd name="connsiteY2" fmla="*/ 1352180 h 1584178"/>
+              <a:gd name="connsiteX3" fmla="*/ 0 w 1584177"/>
+              <a:gd name="connsiteY3" fmla="*/ 792089 h 1584178"/>
+              <a:gd name="connsiteX4" fmla="*/ 0 w 1584177"/>
+              <a:gd name="connsiteY4" fmla="*/ 792088 h 1584178"/>
+              <a:gd name="connsiteX5" fmla="*/ 231998 w 1584177"/>
+              <a:gd name="connsiteY5" fmla="*/ 231997 h 1584178"/>
+              <a:gd name="connsiteX6" fmla="*/ 792089 w 1584177"/>
+              <a:gd name="connsiteY6" fmla="*/ 1 h 1584178"/>
+              <a:gd name="connsiteX7" fmla="*/ 1352180 w 1584177"/>
+              <a:gd name="connsiteY7" fmla="*/ 231999 h 1584178"/>
+              <a:gd name="connsiteX8" fmla="*/ 1584176 w 1584177"/>
+              <a:gd name="connsiteY8" fmla="*/ 792090 h 1584178"/>
+              <a:gd name="connsiteX0" fmla="*/ 1352179 w 1352180"/>
+              <a:gd name="connsiteY0" fmla="*/ 1352181 h 1584178"/>
+              <a:gd name="connsiteX1" fmla="*/ 792088 w 1352180"/>
+              <a:gd name="connsiteY1" fmla="*/ 1584178 h 1584178"/>
+              <a:gd name="connsiteX2" fmla="*/ 231997 w 1352180"/>
+              <a:gd name="connsiteY2" fmla="*/ 1352180 h 1584178"/>
+              <a:gd name="connsiteX3" fmla="*/ 0 w 1352180"/>
+              <a:gd name="connsiteY3" fmla="*/ 792089 h 1584178"/>
+              <a:gd name="connsiteX4" fmla="*/ 0 w 1352180"/>
+              <a:gd name="connsiteY4" fmla="*/ 792088 h 1584178"/>
+              <a:gd name="connsiteX5" fmla="*/ 231998 w 1352180"/>
+              <a:gd name="connsiteY5" fmla="*/ 231997 h 1584178"/>
+              <a:gd name="connsiteX6" fmla="*/ 792089 w 1352180"/>
+              <a:gd name="connsiteY6" fmla="*/ 1 h 1584178"/>
+              <a:gd name="connsiteX7" fmla="*/ 1352180 w 1352180"/>
+              <a:gd name="connsiteY7" fmla="*/ 231999 h 1584178"/>
+              <a:gd name="connsiteX0" fmla="*/ 1352179 w 1352179"/>
+              <a:gd name="connsiteY0" fmla="*/ 1352181 h 1584178"/>
+              <a:gd name="connsiteX1" fmla="*/ 792088 w 1352179"/>
+              <a:gd name="connsiteY1" fmla="*/ 1584178 h 1584178"/>
+              <a:gd name="connsiteX2" fmla="*/ 231997 w 1352179"/>
+              <a:gd name="connsiteY2" fmla="*/ 1352180 h 1584178"/>
+              <a:gd name="connsiteX3" fmla="*/ 0 w 1352179"/>
+              <a:gd name="connsiteY3" fmla="*/ 792089 h 1584178"/>
+              <a:gd name="connsiteX4" fmla="*/ 0 w 1352179"/>
+              <a:gd name="connsiteY4" fmla="*/ 792088 h 1584178"/>
+              <a:gd name="connsiteX5" fmla="*/ 231998 w 1352179"/>
+              <a:gd name="connsiteY5" fmla="*/ 231997 h 1584178"/>
+              <a:gd name="connsiteX6" fmla="*/ 792089 w 1352179"/>
+              <a:gd name="connsiteY6" fmla="*/ 1 h 1584178"/>
+              <a:gd name="connsiteX0" fmla="*/ 1352179 w 1352179"/>
+              <a:gd name="connsiteY0" fmla="*/ 1120184 h 1352181"/>
+              <a:gd name="connsiteX1" fmla="*/ 792088 w 1352179"/>
+              <a:gd name="connsiteY1" fmla="*/ 1352181 h 1352181"/>
+              <a:gd name="connsiteX2" fmla="*/ 231997 w 1352179"/>
+              <a:gd name="connsiteY2" fmla="*/ 1120183 h 1352181"/>
+              <a:gd name="connsiteX3" fmla="*/ 0 w 1352179"/>
+              <a:gd name="connsiteY3" fmla="*/ 560092 h 1352181"/>
+              <a:gd name="connsiteX4" fmla="*/ 0 w 1352179"/>
+              <a:gd name="connsiteY4" fmla="*/ 560091 h 1352181"/>
+              <a:gd name="connsiteX5" fmla="*/ 231998 w 1352179"/>
+              <a:gd name="connsiteY5" fmla="*/ 0 h 1352181"/>
+              <a:gd name="connsiteX0" fmla="*/ 1352179 w 1352179"/>
+              <a:gd name="connsiteY0" fmla="*/ 560093 h 792090"/>
+              <a:gd name="connsiteX1" fmla="*/ 792088 w 1352179"/>
+              <a:gd name="connsiteY1" fmla="*/ 792090 h 792090"/>
+              <a:gd name="connsiteX2" fmla="*/ 231997 w 1352179"/>
+              <a:gd name="connsiteY2" fmla="*/ 560092 h 792090"/>
+              <a:gd name="connsiteX3" fmla="*/ 0 w 1352179"/>
+              <a:gd name="connsiteY3" fmla="*/ 1 h 792090"/>
+              <a:gd name="connsiteX4" fmla="*/ 0 w 1352179"/>
+              <a:gd name="connsiteY4" fmla="*/ 0 h 792090"/>
+              <a:gd name="connsiteX0" fmla="*/ 1352179 w 1352179"/>
+              <a:gd name="connsiteY0" fmla="*/ 560092 h 792089"/>
+              <a:gd name="connsiteX1" fmla="*/ 792088 w 1352179"/>
+              <a:gd name="connsiteY1" fmla="*/ 792089 h 792089"/>
+              <a:gd name="connsiteX2" fmla="*/ 231997 w 1352179"/>
+              <a:gd name="connsiteY2" fmla="*/ 560091 h 792089"/>
+              <a:gd name="connsiteX3" fmla="*/ 0 w 1352179"/>
+              <a:gd name="connsiteY3" fmla="*/ 0 h 792089"/>
+              <a:gd name="connsiteX0" fmla="*/ 1120182 w 1120182"/>
+              <a:gd name="connsiteY0" fmla="*/ 1 h 231998"/>
+              <a:gd name="connsiteX1" fmla="*/ 560091 w 1120182"/>
+              <a:gd name="connsiteY1" fmla="*/ 231998 h 231998"/>
+              <a:gd name="connsiteX2" fmla="*/ 0 w 1120182"/>
+              <a:gd name="connsiteY2" fmla="*/ 0 h 231998"/>
+            </a:gdLst>
+            <a:ahLst/>
+            <a:cxnLst>
+              <a:cxn ang="0">
+                <a:pos x="connsiteX0" y="connsiteY0"/>
+              </a:cxn>
+              <a:cxn ang="0">
+                <a:pos x="connsiteX1" y="connsiteY1"/>
+              </a:cxn>
+              <a:cxn ang="0">
+                <a:pos x="connsiteX2" y="connsiteY2"/>
+              </a:cxn>
+            </a:cxnLst>
+            <a:rect l="l" t="t" r="r" b="b"/>
+            <a:pathLst>
+              <a:path w="1120182" h="231998">
+                <a:moveTo>
+                  <a:pt x="1120182" y="1"/>
+                </a:moveTo>
+                <a:cubicBezTo>
+                  <a:pt x="971637" y="148546"/>
+                  <a:pt x="770166" y="231998"/>
+                  <a:pt x="560091" y="231998"/>
+                </a:cubicBezTo>
+                <a:cubicBezTo>
+                  <a:pt x="350016" y="231998"/>
+                  <a:pt x="148545" y="148546"/>
+                  <a:pt x="0" y="0"/>
+                </a:cubicBezTo>
+              </a:path>
+            </a:pathLst>
+          </a:custGeom>
+          <a:noFill/>
+          <a:ln>
+            <a:solidFill>
+              <a:srgbClr val="00B050"/>
+            </a:solidFill>
+            <a:headEnd type="none" w="med" len="med"/>
+            <a:tailEnd type="triangle" w="lg" len="lg"/>
+          </a:ln>
+        </p:spPr>
+        <p:style>
+          <a:lnRef idx="2">
+            <a:schemeClr val="accent1">
+              <a:shade val="50000"/>
+            </a:schemeClr>
+          </a:lnRef>
+          <a:fillRef idx="1">
+            <a:schemeClr val="accent1"/>
+          </a:fillRef>
+          <a:effectRef idx="0">
+            <a:schemeClr val="accent1"/>
+          </a:effectRef>
+          <a:fontRef idx="minor">
+            <a:schemeClr val="lt1"/>
+          </a:fontRef>
+        </p:style>
+        <p:txBody>
+          <a:bodyPr rtlCol="0" anchor="ctr"/>
+          <a:lstStyle/>
+          <a:p>
+            <a:pPr algn="ctr"/>
+            <a:endParaRPr lang="fr-FR"/>
+          </a:p>
+        </p:txBody>
+      </p:sp>
+      <p:sp>
+        <p:nvSpPr>
+          <p:cNvPr id="17" name="Forme libre 16"/>
+          <p:cNvSpPr/>
+          <p:nvPr/>
+        </p:nvSpPr>
+        <p:spPr>
+          <a:xfrm rot="19317965" flipH="1" flipV="1">
+            <a:off x="2460034" y="4381315"/>
+            <a:ext cx="560090" cy="115999"/>
+          </a:xfrm>
+          <a:custGeom>
+            <a:avLst/>
+            <a:gdLst>
+              <a:gd name="connsiteX0" fmla="*/ 0 w 1584176"/>
+              <a:gd name="connsiteY0" fmla="*/ 792088 h 1584176"/>
+              <a:gd name="connsiteX1" fmla="*/ 231998 w 1584176"/>
+              <a:gd name="connsiteY1" fmla="*/ 231997 h 1584176"/>
+              <a:gd name="connsiteX2" fmla="*/ 792089 w 1584176"/>
+              <a:gd name="connsiteY2" fmla="*/ 1 h 1584176"/>
+              <a:gd name="connsiteX3" fmla="*/ 1352180 w 1584176"/>
+              <a:gd name="connsiteY3" fmla="*/ 231999 h 1584176"/>
+              <a:gd name="connsiteX4" fmla="*/ 1584176 w 1584176"/>
+              <a:gd name="connsiteY4" fmla="*/ 792090 h 1584176"/>
+              <a:gd name="connsiteX5" fmla="*/ 1352179 w 1584176"/>
+              <a:gd name="connsiteY5" fmla="*/ 1352181 h 1584176"/>
+              <a:gd name="connsiteX6" fmla="*/ 792088 w 1584176"/>
+              <a:gd name="connsiteY6" fmla="*/ 1584178 h 1584176"/>
+              <a:gd name="connsiteX7" fmla="*/ 231997 w 1584176"/>
+              <a:gd name="connsiteY7" fmla="*/ 1352180 h 1584176"/>
+              <a:gd name="connsiteX8" fmla="*/ 0 w 1584176"/>
+              <a:gd name="connsiteY8" fmla="*/ 792089 h 1584176"/>
+              <a:gd name="connsiteX9" fmla="*/ 0 w 1584176"/>
+              <a:gd name="connsiteY9" fmla="*/ 792088 h 1584176"/>
+              <a:gd name="connsiteX0" fmla="*/ 1352179 w 1584177"/>
+              <a:gd name="connsiteY0" fmla="*/ 1352181 h 1584178"/>
+              <a:gd name="connsiteX1" fmla="*/ 792088 w 1584177"/>
+              <a:gd name="connsiteY1" fmla="*/ 1584178 h 1584178"/>
+              <a:gd name="connsiteX2" fmla="*/ 231997 w 1584177"/>
+              <a:gd name="connsiteY2" fmla="*/ 1352180 h 1584178"/>
+              <a:gd name="connsiteX3" fmla="*/ 0 w 1584177"/>
+              <a:gd name="connsiteY3" fmla="*/ 792089 h 1584178"/>
+              <a:gd name="connsiteX4" fmla="*/ 0 w 1584177"/>
+              <a:gd name="connsiteY4" fmla="*/ 792088 h 1584178"/>
+              <a:gd name="connsiteX5" fmla="*/ 231998 w 1584177"/>
+              <a:gd name="connsiteY5" fmla="*/ 231997 h 1584178"/>
+              <a:gd name="connsiteX6" fmla="*/ 792089 w 1584177"/>
+              <a:gd name="connsiteY6" fmla="*/ 1 h 1584178"/>
+              <a:gd name="connsiteX7" fmla="*/ 1352180 w 1584177"/>
+              <a:gd name="connsiteY7" fmla="*/ 231999 h 1584178"/>
+              <a:gd name="connsiteX8" fmla="*/ 1584176 w 1584177"/>
+              <a:gd name="connsiteY8" fmla="*/ 792090 h 1584178"/>
+              <a:gd name="connsiteX9" fmla="*/ 1443619 w 1584177"/>
+              <a:gd name="connsiteY9" fmla="*/ 1443621 h 1584178"/>
+              <a:gd name="connsiteX0" fmla="*/ 1352179 w 1584177"/>
+              <a:gd name="connsiteY0" fmla="*/ 1352181 h 1584178"/>
+              <a:gd name="connsiteX1" fmla="*/ 792088 w 1584177"/>
+              <a:gd name="connsiteY1" fmla="*/ 1584178 h 1584178"/>
+              <a:gd name="connsiteX2" fmla="*/ 231997 w 1584177"/>
+              <a:gd name="connsiteY2" fmla="*/ 1352180 h 1584178"/>
+              <a:gd name="connsiteX3" fmla="*/ 0 w 1584177"/>
+              <a:gd name="connsiteY3" fmla="*/ 792089 h 1584178"/>
+              <a:gd name="connsiteX4" fmla="*/ 0 w 1584177"/>
+              <a:gd name="connsiteY4" fmla="*/ 792088 h 1584178"/>
+              <a:gd name="connsiteX5" fmla="*/ 231998 w 1584177"/>
+              <a:gd name="connsiteY5" fmla="*/ 231997 h 1584178"/>
+              <a:gd name="connsiteX6" fmla="*/ 792089 w 1584177"/>
+              <a:gd name="connsiteY6" fmla="*/ 1 h 1584178"/>
+              <a:gd name="connsiteX7" fmla="*/ 1352180 w 1584177"/>
+              <a:gd name="connsiteY7" fmla="*/ 231999 h 1584178"/>
+              <a:gd name="connsiteX8" fmla="*/ 1584176 w 1584177"/>
+              <a:gd name="connsiteY8" fmla="*/ 792090 h 1584178"/>
+              <a:gd name="connsiteX0" fmla="*/ 1352179 w 1352180"/>
+              <a:gd name="connsiteY0" fmla="*/ 1352181 h 1584178"/>
+              <a:gd name="connsiteX1" fmla="*/ 792088 w 1352180"/>
+              <a:gd name="connsiteY1" fmla="*/ 1584178 h 1584178"/>
+              <a:gd name="connsiteX2" fmla="*/ 231997 w 1352180"/>
+              <a:gd name="connsiteY2" fmla="*/ 1352180 h 1584178"/>
+              <a:gd name="connsiteX3" fmla="*/ 0 w 1352180"/>
+              <a:gd name="connsiteY3" fmla="*/ 792089 h 1584178"/>
+              <a:gd name="connsiteX4" fmla="*/ 0 w 1352180"/>
+              <a:gd name="connsiteY4" fmla="*/ 792088 h 1584178"/>
+              <a:gd name="connsiteX5" fmla="*/ 231998 w 1352180"/>
+              <a:gd name="connsiteY5" fmla="*/ 231997 h 1584178"/>
+              <a:gd name="connsiteX6" fmla="*/ 792089 w 1352180"/>
+              <a:gd name="connsiteY6" fmla="*/ 1 h 1584178"/>
+              <a:gd name="connsiteX7" fmla="*/ 1352180 w 1352180"/>
+              <a:gd name="connsiteY7" fmla="*/ 231999 h 1584178"/>
+              <a:gd name="connsiteX0" fmla="*/ 1352179 w 1352179"/>
+              <a:gd name="connsiteY0" fmla="*/ 1352181 h 1584178"/>
+              <a:gd name="connsiteX1" fmla="*/ 792088 w 1352179"/>
+              <a:gd name="connsiteY1" fmla="*/ 1584178 h 1584178"/>
+              <a:gd name="connsiteX2" fmla="*/ 231997 w 1352179"/>
+              <a:gd name="connsiteY2" fmla="*/ 1352180 h 1584178"/>
+              <a:gd name="connsiteX3" fmla="*/ 0 w 1352179"/>
+              <a:gd name="connsiteY3" fmla="*/ 792089 h 1584178"/>
+              <a:gd name="connsiteX4" fmla="*/ 0 w 1352179"/>
+              <a:gd name="connsiteY4" fmla="*/ 792088 h 1584178"/>
+              <a:gd name="connsiteX5" fmla="*/ 231998 w 1352179"/>
+              <a:gd name="connsiteY5" fmla="*/ 231997 h 1584178"/>
+              <a:gd name="connsiteX6" fmla="*/ 792089 w 1352179"/>
+              <a:gd name="connsiteY6" fmla="*/ 1 h 1584178"/>
+              <a:gd name="connsiteX0" fmla="*/ 1352179 w 1352179"/>
+              <a:gd name="connsiteY0" fmla="*/ 1120184 h 1352181"/>
+              <a:gd name="connsiteX1" fmla="*/ 792088 w 1352179"/>
+              <a:gd name="connsiteY1" fmla="*/ 1352181 h 1352181"/>
+              <a:gd name="connsiteX2" fmla="*/ 231997 w 1352179"/>
+              <a:gd name="connsiteY2" fmla="*/ 1120183 h 1352181"/>
+              <a:gd name="connsiteX3" fmla="*/ 0 w 1352179"/>
+              <a:gd name="connsiteY3" fmla="*/ 560092 h 1352181"/>
+              <a:gd name="connsiteX4" fmla="*/ 0 w 1352179"/>
+              <a:gd name="connsiteY4" fmla="*/ 560091 h 1352181"/>
+              <a:gd name="connsiteX5" fmla="*/ 231998 w 1352179"/>
+              <a:gd name="connsiteY5" fmla="*/ 0 h 1352181"/>
+              <a:gd name="connsiteX0" fmla="*/ 1352179 w 1352179"/>
+              <a:gd name="connsiteY0" fmla="*/ 560093 h 792090"/>
+              <a:gd name="connsiteX1" fmla="*/ 792088 w 1352179"/>
+              <a:gd name="connsiteY1" fmla="*/ 792090 h 792090"/>
+              <a:gd name="connsiteX2" fmla="*/ 231997 w 1352179"/>
+              <a:gd name="connsiteY2" fmla="*/ 560092 h 792090"/>
+              <a:gd name="connsiteX3" fmla="*/ 0 w 1352179"/>
+              <a:gd name="connsiteY3" fmla="*/ 1 h 792090"/>
+              <a:gd name="connsiteX4" fmla="*/ 0 w 1352179"/>
+              <a:gd name="connsiteY4" fmla="*/ 0 h 792090"/>
+              <a:gd name="connsiteX0" fmla="*/ 1352179 w 1352179"/>
+              <a:gd name="connsiteY0" fmla="*/ 560092 h 792089"/>
+              <a:gd name="connsiteX1" fmla="*/ 792088 w 1352179"/>
+              <a:gd name="connsiteY1" fmla="*/ 792089 h 792089"/>
+              <a:gd name="connsiteX2" fmla="*/ 231997 w 1352179"/>
+              <a:gd name="connsiteY2" fmla="*/ 560091 h 792089"/>
+              <a:gd name="connsiteX3" fmla="*/ 0 w 1352179"/>
+              <a:gd name="connsiteY3" fmla="*/ 0 h 792089"/>
+              <a:gd name="connsiteX0" fmla="*/ 1120182 w 1120182"/>
+              <a:gd name="connsiteY0" fmla="*/ 1 h 231998"/>
+              <a:gd name="connsiteX1" fmla="*/ 560091 w 1120182"/>
+              <a:gd name="connsiteY1" fmla="*/ 231998 h 231998"/>
+              <a:gd name="connsiteX2" fmla="*/ 0 w 1120182"/>
+              <a:gd name="connsiteY2" fmla="*/ 0 h 231998"/>
+            </a:gdLst>
+            <a:ahLst/>
+            <a:cxnLst>
+              <a:cxn ang="0">
+                <a:pos x="connsiteX0" y="connsiteY0"/>
+              </a:cxn>
+              <a:cxn ang="0">
+                <a:pos x="connsiteX1" y="connsiteY1"/>
+              </a:cxn>
+              <a:cxn ang="0">
+                <a:pos x="connsiteX2" y="connsiteY2"/>
+              </a:cxn>
+            </a:cxnLst>
+            <a:rect l="l" t="t" r="r" b="b"/>
+            <a:pathLst>
+              <a:path w="1120182" h="231998">
+                <a:moveTo>
+                  <a:pt x="1120182" y="1"/>
+                </a:moveTo>
+                <a:cubicBezTo>
+                  <a:pt x="971637" y="148546"/>
+                  <a:pt x="770166" y="231998"/>
+                  <a:pt x="560091" y="231998"/>
+                </a:cubicBezTo>
+                <a:cubicBezTo>
+                  <a:pt x="350016" y="231998"/>
+                  <a:pt x="148545" y="148546"/>
+                  <a:pt x="0" y="0"/>
+                </a:cubicBezTo>
+              </a:path>
+            </a:pathLst>
+          </a:custGeom>
+          <a:noFill/>
+          <a:ln>
+            <a:solidFill>
+              <a:srgbClr val="9900FF"/>
+            </a:solidFill>
+            <a:headEnd type="none" w="med" len="med"/>
+            <a:tailEnd type="triangle" w="lg" len="lg"/>
+          </a:ln>
+        </p:spPr>
+        <p:style>
+          <a:lnRef idx="2">
+            <a:schemeClr val="accent1">
+              <a:shade val="50000"/>
+            </a:schemeClr>
+          </a:lnRef>
+          <a:fillRef idx="1">
+            <a:schemeClr val="accent1"/>
+          </a:fillRef>
+          <a:effectRef idx="0">
+            <a:schemeClr val="accent1"/>
+          </a:effectRef>
+          <a:fontRef idx="minor">
+            <a:schemeClr val="lt1"/>
+          </a:fontRef>
+        </p:style>
+        <p:txBody>
+          <a:bodyPr rtlCol="0" anchor="ctr"/>
+          <a:lstStyle/>
+          <a:p>
+            <a:pPr algn="ctr"/>
+            <a:endParaRPr lang="fr-FR"/>
           </a:p>
         </p:txBody>
       </p:sp>
@@ -31638,39 +32693,21 @@
                                   </p:childTnLst>
                                 </p:cTn>
                               </p:par>
-                            </p:childTnLst>
-                          </p:cTn>
-                        </p:par>
-                      </p:childTnLst>
-                    </p:cTn>
-                  </p:par>
-                  <p:par>
-                    <p:cTn id="11" fill="hold">
-                      <p:stCondLst>
-                        <p:cond delay="indefinite"/>
-                      </p:stCondLst>
-                      <p:childTnLst>
-                        <p:par>
-                          <p:cTn id="12" fill="hold">
-                            <p:stCondLst>
-                              <p:cond delay="0"/>
-                            </p:stCondLst>
-                            <p:childTnLst>
                               <p:par>
-                                <p:cTn id="13" presetID="1" presetClass="entr" presetSubtype="0" fill="hold" grpId="0" nodeType="clickEffect">
+                                <p:cTn id="11" presetID="1" presetClass="entr" presetSubtype="0" fill="hold" grpId="1" nodeType="withEffect">
                                   <p:stCondLst>
                                     <p:cond delay="0"/>
                                   </p:stCondLst>
                                   <p:childTnLst>
                                     <p:set>
                                       <p:cBhvr>
-                                        <p:cTn id="14" dur="1" fill="hold">
+                                        <p:cTn id="12" dur="1" fill="hold">
                                           <p:stCondLst>
                                             <p:cond delay="0"/>
                                           </p:stCondLst>
                                         </p:cTn>
                                         <p:tgtEl>
-                                          <p:spTgt spid="25"/>
+                                          <p:spTgt spid="15"/>
                                         </p:tgtEl>
                                         <p:attrNameLst>
                                           <p:attrName>style.visibility</p:attrName>
@@ -31690,19 +32727,46 @@
                     </p:cTn>
                   </p:par>
                   <p:par>
-                    <p:cTn id="15" fill="hold">
+                    <p:cTn id="13" fill="hold">
                       <p:stCondLst>
                         <p:cond delay="indefinite"/>
                       </p:stCondLst>
                       <p:childTnLst>
                         <p:par>
-                          <p:cTn id="16" fill="hold">
+                          <p:cTn id="14" fill="hold">
                             <p:stCondLst>
                               <p:cond delay="0"/>
                             </p:stCondLst>
                             <p:childTnLst>
                               <p:par>
-                                <p:cTn id="17" presetID="1" presetClass="entr" presetSubtype="0" fill="hold" grpId="0" nodeType="clickEffect">
+                                <p:cTn id="15" presetID="1" presetClass="entr" presetSubtype="0" fill="hold" grpId="0" nodeType="clickEffect">
+                                  <p:stCondLst>
+                                    <p:cond delay="0"/>
+                                  </p:stCondLst>
+                                  <p:childTnLst>
+                                    <p:set>
+                                      <p:cBhvr>
+                                        <p:cTn id="16" dur="1" fill="hold">
+                                          <p:stCondLst>
+                                            <p:cond delay="0"/>
+                                          </p:stCondLst>
+                                        </p:cTn>
+                                        <p:tgtEl>
+                                          <p:spTgt spid="25"/>
+                                        </p:tgtEl>
+                                        <p:attrNameLst>
+                                          <p:attrName>style.visibility</p:attrName>
+                                        </p:attrNameLst>
+                                      </p:cBhvr>
+                                      <p:to>
+                                        <p:strVal val="visible"/>
+                                      </p:to>
+                                    </p:set>
+                                  </p:childTnLst>
+                                </p:cTn>
+                              </p:par>
+                              <p:par>
+                                <p:cTn id="17" presetID="1" presetClass="entr" presetSubtype="0" fill="hold" grpId="0" nodeType="withEffect">
                                   <p:stCondLst>
                                     <p:cond delay="0"/>
                                   </p:stCondLst>
@@ -31715,7 +32779,7 @@
                                           </p:stCondLst>
                                         </p:cTn>
                                         <p:tgtEl>
-                                          <p:spTgt spid="26"/>
+                                          <p:spTgt spid="16"/>
                                         </p:tgtEl>
                                         <p:attrNameLst>
                                           <p:attrName>style.visibility</p:attrName>
@@ -31760,6 +32824,78 @@
                                           </p:stCondLst>
                                         </p:cTn>
                                         <p:tgtEl>
+                                          <p:spTgt spid="26"/>
+                                        </p:tgtEl>
+                                        <p:attrNameLst>
+                                          <p:attrName>style.visibility</p:attrName>
+                                        </p:attrNameLst>
+                                      </p:cBhvr>
+                                      <p:to>
+                                        <p:strVal val="visible"/>
+                                      </p:to>
+                                    </p:set>
+                                  </p:childTnLst>
+                                </p:cTn>
+                              </p:par>
+                              <p:par>
+                                <p:cTn id="23" presetID="1" presetClass="entr" presetSubtype="0" fill="hold" grpId="0" nodeType="withEffect">
+                                  <p:stCondLst>
+                                    <p:cond delay="0"/>
+                                  </p:stCondLst>
+                                  <p:childTnLst>
+                                    <p:set>
+                                      <p:cBhvr>
+                                        <p:cTn id="24" dur="1" fill="hold">
+                                          <p:stCondLst>
+                                            <p:cond delay="0"/>
+                                          </p:stCondLst>
+                                        </p:cTn>
+                                        <p:tgtEl>
+                                          <p:spTgt spid="17"/>
+                                        </p:tgtEl>
+                                        <p:attrNameLst>
+                                          <p:attrName>style.visibility</p:attrName>
+                                        </p:attrNameLst>
+                                      </p:cBhvr>
+                                      <p:to>
+                                        <p:strVal val="visible"/>
+                                      </p:to>
+                                    </p:set>
+                                  </p:childTnLst>
+                                </p:cTn>
+                              </p:par>
+                            </p:childTnLst>
+                          </p:cTn>
+                        </p:par>
+                      </p:childTnLst>
+                    </p:cTn>
+                  </p:par>
+                  <p:par>
+                    <p:cTn id="25" fill="hold">
+                      <p:stCondLst>
+                        <p:cond delay="indefinite"/>
+                      </p:stCondLst>
+                      <p:childTnLst>
+                        <p:par>
+                          <p:cTn id="26" fill="hold">
+                            <p:stCondLst>
+                              <p:cond delay="0"/>
+                            </p:stCondLst>
+                            <p:childTnLst>
+                              <p:par>
+                                <p:cTn id="27" presetID="1" presetClass="entr" presetSubtype="0" fill="hold" grpId="0" nodeType="clickEffect">
+                                  <p:stCondLst>
+                                    <p:cond delay="0"/>
+                                  </p:stCondLst>
+                                  <p:childTnLst>
+                                    <p:set>
+                                      <p:cBhvr>
+                                        <p:cTn id="28" dur="1" fill="hold">
+                                          <p:stCondLst>
+                                            <p:cond delay="0"/>
+                                          </p:stCondLst>
+                                        </p:cTn>
+                                        <p:tgtEl>
                                           <p:spTgt spid="384"/>
                                         </p:tgtEl>
                                         <p:attrNameLst>
@@ -31780,26 +32916,26 @@
                     </p:cTn>
                   </p:par>
                   <p:par>
-                    <p:cTn id="23" fill="hold">
+                    <p:cTn id="29" fill="hold">
                       <p:stCondLst>
                         <p:cond delay="indefinite"/>
                       </p:stCondLst>
                       <p:childTnLst>
                         <p:par>
-                          <p:cTn id="24" fill="hold">
+                          <p:cTn id="30" fill="hold">
                             <p:stCondLst>
                               <p:cond delay="0"/>
                             </p:stCondLst>
                             <p:childTnLst>
                               <p:par>
-                                <p:cTn id="25" presetID="1" presetClass="entr" presetSubtype="0" fill="hold" grpId="0" nodeType="clickEffect">
+                                <p:cTn id="31" presetID="1" presetClass="entr" presetSubtype="0" fill="hold" grpId="0" nodeType="clickEffect">
                                   <p:stCondLst>
                                     <p:cond delay="0"/>
                                   </p:stCondLst>
                                   <p:childTnLst>
                                     <p:set>
                                       <p:cBhvr>
-                                        <p:cTn id="26" dur="1" fill="hold">
+                                        <p:cTn id="32" dur="1" fill="hold">
                                           <p:stCondLst>
                                             <p:cond delay="0"/>
                                           </p:stCondLst>
@@ -31819,14 +32955,14 @@
                                 </p:cTn>
                               </p:par>
                               <p:par>
-                                <p:cTn id="27" presetID="1" presetClass="entr" presetSubtype="0" fill="hold" nodeType="withEffect">
+                                <p:cTn id="33" presetID="1" presetClass="entr" presetSubtype="0" fill="hold" nodeType="withEffect">
                                   <p:stCondLst>
                                     <p:cond delay="0"/>
                                   </p:stCondLst>
                                   <p:childTnLst>
                                     <p:set>
                                       <p:cBhvr>
-                                        <p:cTn id="28" dur="1" fill="hold">
+                                        <p:cTn id="34" dur="1" fill="hold">
                                           <p:stCondLst>
                                             <p:cond delay="0"/>
                                           </p:stCondLst>
@@ -31846,20 +32982,47 @@
                                 </p:cTn>
                               </p:par>
                               <p:par>
-                                <p:cTn id="29" presetID="1" presetClass="entr" presetSubtype="0" fill="hold" grpId="0" nodeType="withEffect">
+                                <p:cTn id="35" presetID="1" presetClass="entr" presetSubtype="0" fill="hold" grpId="0" nodeType="withEffect">
                                   <p:stCondLst>
                                     <p:cond delay="0"/>
                                   </p:stCondLst>
                                   <p:childTnLst>
                                     <p:set>
                                       <p:cBhvr>
-                                        <p:cTn id="30" dur="1" fill="hold">
+                                        <p:cTn id="36" dur="1" fill="hold">
                                           <p:stCondLst>
                                             <p:cond delay="0"/>
                                           </p:stCondLst>
                                         </p:cTn>
                                         <p:tgtEl>
                                           <p:spTgt spid="28"/>
+                                        </p:tgtEl>
+                                        <p:attrNameLst>
+                                          <p:attrName>style.visibility</p:attrName>
+                                        </p:attrNameLst>
+                                      </p:cBhvr>
+                                      <p:to>
+                                        <p:strVal val="visible"/>
+                                      </p:to>
+                                    </p:set>
+                                  </p:childTnLst>
+                                </p:cTn>
+                              </p:par>
+                              <p:par>
+                                <p:cTn id="37" presetID="1" presetClass="entr" presetSubtype="0" fill="hold" grpId="0" nodeType="withEffect">
+                                  <p:stCondLst>
+                                    <p:cond delay="0"/>
+                                  </p:stCondLst>
+                                  <p:childTnLst>
+                                    <p:set>
+                                      <p:cBhvr>
+                                        <p:cTn id="38" dur="1" fill="hold">
+                                          <p:stCondLst>
+                                            <p:cond delay="0"/>
+                                          </p:stCondLst>
+                                        </p:cTn>
+                                        <p:tgtEl>
+                                          <p:spTgt spid="15"/>
                                         </p:tgtEl>
                                         <p:attrNameLst>
                                           <p:attrName>style.visibility</p:attrName>
@@ -31906,6 +33069,10 @@
       <p:bldP spid="25" grpId="0"/>
       <p:bldP spid="26" grpId="0"/>
       <p:bldP spid="28" grpId="0"/>
+      <p:bldP spid="15" grpId="0" animBg="1"/>
+      <p:bldP spid="15" grpId="1" animBg="1"/>
+      <p:bldP spid="16" grpId="0" animBg="1"/>
+      <p:bldP spid="17" grpId="0" animBg="1"/>
     </p:bldLst>
   </p:timing>
 </p:sld>
@@ -31980,35 +33147,6 @@
             <a:pPr>
               <a:buNone/>
             </a:pPr>
-            <a:r>
-              <a:rPr lang="fr-FR" dirty="0" smtClean="0"/>
-              <a:t>http://www.extremeprogramming.org/map/loops.html</a:t>
-            </a:r>
-            <a:endParaRPr lang="fr-FR" dirty="0"/>
-          </a:p>
-        </p:txBody>
-      </p:sp>
-      <p:sp>
-        <p:nvSpPr>
-          <p:cNvPr id="4" name="Rectangle 3"/>
-          <p:cNvSpPr/>
-          <p:nvPr/>
-        </p:nvSpPr>
-        <p:spPr>
-          <a:xfrm>
-            <a:off x="2286000" y="3105835"/>
-            <a:ext cx="4572000" cy="646331"/>
-          </a:xfrm>
-          <a:prstGeom prst="rect">
-            <a:avLst/>
-          </a:prstGeom>
-        </p:spPr>
-        <p:txBody>
-          <a:bodyPr>
-            <a:spAutoFit/>
-          </a:bodyPr>
-          <a:lstStyle/>
-          <a:p>
             <a:r>
               <a:rPr lang="fr-FR" dirty="0" smtClean="0"/>
               <a:t>http://www.extremeprogramming.org/map/loops.html</a:t>
@@ -32161,7 +33299,7 @@
                             </p:stCondLst>
                             <p:childTnLst>
                               <p:par>
-                                <p:cTn id="5" presetID="1" presetClass="entr" presetSubtype="0" fill="hold" grpId="0" nodeType="clickEffect">
+                                <p:cTn id="5" presetID="1" presetClass="entr" presetSubtype="0" fill="hold" nodeType="clickEffect">
                                   <p:stCondLst>
                                     <p:cond delay="0"/>
                                   </p:stCondLst>
@@ -32174,7 +33312,7 @@
                                           </p:stCondLst>
                                         </p:cTn>
                                         <p:tgtEl>
-                                          <p:spTgt spid="6"/>
+                                          <p:spTgt spid="5"/>
                                         </p:tgtEl>
                                         <p:attrNameLst>
                                           <p:attrName>style.visibility</p:attrName>
@@ -32214,6 +33352,51 @@
                                     <p:set>
                                       <p:cBhvr>
                                         <p:cTn id="10" dur="1" fill="hold">
+                                          <p:stCondLst>
+                                            <p:cond delay="0"/>
+                                          </p:stCondLst>
+                                        </p:cTn>
+                                        <p:tgtEl>
+                                          <p:spTgt spid="6"/>
+                                        </p:tgtEl>
+                                        <p:attrNameLst>
+                                          <p:attrName>style.visibility</p:attrName>
+                                        </p:attrNameLst>
+                                      </p:cBhvr>
+                                      <p:to>
+                                        <p:strVal val="visible"/>
+                                      </p:to>
+                                    </p:set>
+                                  </p:childTnLst>
+                                </p:cTn>
+                              </p:par>
+                            </p:childTnLst>
+                          </p:cTn>
+                        </p:par>
+                      </p:childTnLst>
+                    </p:cTn>
+                  </p:par>
+                  <p:par>
+                    <p:cTn id="11" fill="hold">
+                      <p:stCondLst>
+                        <p:cond delay="indefinite"/>
+                      </p:stCondLst>
+                      <p:childTnLst>
+                        <p:par>
+                          <p:cTn id="12" fill="hold">
+                            <p:stCondLst>
+                              <p:cond delay="0"/>
+                            </p:stCondLst>
+                            <p:childTnLst>
+                              <p:par>
+                                <p:cTn id="13" presetID="1" presetClass="entr" presetSubtype="0" fill="hold" grpId="0" nodeType="clickEffect">
+                                  <p:stCondLst>
+                                    <p:cond delay="0"/>
+                                  </p:stCondLst>
+                                  <p:childTnLst>
+                                    <p:set>
+                                      <p:cBhvr>
+                                        <p:cTn id="14" dur="1" fill="hold">
                                           <p:stCondLst>
                                             <p:cond delay="0"/>
                                           </p:stCondLst>
@@ -32461,7 +33644,7 @@
         </p:nvSpPr>
         <p:spPr>
           <a:xfrm rot="16200000">
-            <a:off x="575556" y="3617960"/>
+            <a:off x="575556" y="3609020"/>
             <a:ext cx="1728192" cy="792088"/>
           </a:xfrm>
           <a:prstGeom prst="rightArrow">
@@ -32509,7 +33692,7 @@
         </p:nvSpPr>
         <p:spPr>
           <a:xfrm>
-            <a:off x="1691680" y="3149908"/>
+            <a:off x="1547664" y="3140968"/>
             <a:ext cx="6768752" cy="1791260"/>
           </a:xfrm>
           <a:prstGeom prst="rect">
@@ -32639,9 +33822,135 @@
   <p:timing>
     <p:tnLst>
       <p:par>
-        <p:cTn id="1" dur="indefinite" restart="never" nodeType="tmRoot"/>
+        <p:cTn id="1" dur="indefinite" restart="never" nodeType="tmRoot">
+          <p:childTnLst>
+            <p:seq concurrent="1" nextAc="seek">
+              <p:cTn id="2" dur="indefinite" nodeType="mainSeq">
+                <p:childTnLst>
+                  <p:par>
+                    <p:cTn id="3" fill="hold">
+                      <p:stCondLst>
+                        <p:cond delay="indefinite"/>
+                      </p:stCondLst>
+                      <p:childTnLst>
+                        <p:par>
+                          <p:cTn id="4" fill="hold">
+                            <p:stCondLst>
+                              <p:cond delay="0"/>
+                            </p:stCondLst>
+                            <p:childTnLst>
+                              <p:par>
+                                <p:cTn id="5" presetID="1" presetClass="entr" presetSubtype="0" fill="hold" grpId="0" nodeType="clickEffect">
+                                  <p:stCondLst>
+                                    <p:cond delay="0"/>
+                                  </p:stCondLst>
+                                  <p:childTnLst>
+                                    <p:set>
+                                      <p:cBhvr>
+                                        <p:cTn id="6" dur="1" fill="hold">
+                                          <p:stCondLst>
+                                            <p:cond delay="0"/>
+                                          </p:stCondLst>
+                                        </p:cTn>
+                                        <p:tgtEl>
+                                          <p:spTgt spid="6"/>
+                                        </p:tgtEl>
+                                        <p:attrNameLst>
+                                          <p:attrName>style.visibility</p:attrName>
+                                        </p:attrNameLst>
+                                      </p:cBhvr>
+                                      <p:to>
+                                        <p:strVal val="visible"/>
+                                      </p:to>
+                                    </p:set>
+                                  </p:childTnLst>
+                                </p:cTn>
+                              </p:par>
+                              <p:par>
+                                <p:cTn id="7" presetID="1" presetClass="entr" presetSubtype="0" fill="hold" grpId="0" nodeType="withEffect">
+                                  <p:stCondLst>
+                                    <p:cond delay="0"/>
+                                  </p:stCondLst>
+                                  <p:childTnLst>
+                                    <p:set>
+                                      <p:cBhvr>
+                                        <p:cTn id="8" dur="1" fill="hold">
+                                          <p:stCondLst>
+                                            <p:cond delay="0"/>
+                                          </p:stCondLst>
+                                        </p:cTn>
+                                        <p:tgtEl>
+                                          <p:spTgt spid="5"/>
+                                        </p:tgtEl>
+                                        <p:attrNameLst>
+                                          <p:attrName>style.visibility</p:attrName>
+                                        </p:attrNameLst>
+                                      </p:cBhvr>
+                                      <p:to>
+                                        <p:strVal val="visible"/>
+                                      </p:to>
+                                    </p:set>
+                                  </p:childTnLst>
+                                </p:cTn>
+                              </p:par>
+                              <p:par>
+                                <p:cTn id="9" presetID="1" presetClass="entr" presetSubtype="0" fill="hold" nodeType="withEffect">
+                                  <p:stCondLst>
+                                    <p:cond delay="0"/>
+                                  </p:stCondLst>
+                                  <p:childTnLst>
+                                    <p:set>
+                                      <p:cBhvr>
+                                        <p:cTn id="10" dur="1" fill="hold">
+                                          <p:stCondLst>
+                                            <p:cond delay="0"/>
+                                          </p:stCondLst>
+                                        </p:cTn>
+                                        <p:tgtEl>
+                                          <p:spTgt spid="4"/>
+                                        </p:tgtEl>
+                                        <p:attrNameLst>
+                                          <p:attrName>style.visibility</p:attrName>
+                                        </p:attrNameLst>
+                                      </p:cBhvr>
+                                      <p:to>
+                                        <p:strVal val="visible"/>
+                                      </p:to>
+                                    </p:set>
+                                  </p:childTnLst>
+                                </p:cTn>
+                              </p:par>
+                            </p:childTnLst>
+                          </p:cTn>
+                        </p:par>
+                      </p:childTnLst>
+                    </p:cTn>
+                  </p:par>
+                </p:childTnLst>
+              </p:cTn>
+              <p:prevCondLst>
+                <p:cond evt="onPrev" delay="0">
+                  <p:tgtEl>
+                    <p:sldTgt/>
+                  </p:tgtEl>
+                </p:cond>
+              </p:prevCondLst>
+              <p:nextCondLst>
+                <p:cond evt="onNext" delay="0">
+                  <p:tgtEl>
+                    <p:sldTgt/>
+                  </p:tgtEl>
+                </p:cond>
+              </p:nextCondLst>
+            </p:seq>
+          </p:childTnLst>
+        </p:cTn>
       </p:par>
     </p:tnLst>
+    <p:bldLst>
+      <p:bldP spid="5" grpId="0"/>
+      <p:bldP spid="6" grpId="0" animBg="1"/>
+    </p:bldLst>
   </p:timing>
 </p:sld>
 </file>
@@ -33544,14 +34853,14 @@
         <a:effectLst/>
         <a:extLst>
           <a:ext uri="{909E8E84-426E-40DD-AFC4-6F175D3DCCD1}">
-            <a14:hiddenFill xmlns:a14="http://schemas.microsoft.com/office/drawing/2010/main" xmlns="">
+            <a14:hiddenFill xmlns="" xmlns:a14="http://schemas.microsoft.com/office/drawing/2010/main">
               <a:solidFill>
                 <a:srgbClr val="FF7300"/>
               </a:solidFill>
             </a14:hiddenFill>
           </a:ext>
           <a:ext uri="{AF507438-7753-43E0-B8FC-AC1667EBCBE1}">
-            <a14:hiddenEffects xmlns:a14="http://schemas.microsoft.com/office/drawing/2010/main" xmlns="">
+            <a14:hiddenEffects xmlns="" xmlns:a14="http://schemas.microsoft.com/office/drawing/2010/main">
               <a:effectLst>
                 <a:outerShdw dist="35921" dir="2700000" algn="ctr" rotWithShape="0">
                   <a:schemeClr val="bg2"/>
@@ -33624,14 +34933,14 @@
         <a:effectLst/>
         <a:extLst>
           <a:ext uri="{909E8E84-426E-40DD-AFC4-6F175D3DCCD1}">
-            <a14:hiddenFill xmlns:a14="http://schemas.microsoft.com/office/drawing/2010/main" xmlns="">
+            <a14:hiddenFill xmlns="" xmlns:a14="http://schemas.microsoft.com/office/drawing/2010/main">
               <a:solidFill>
                 <a:srgbClr val="FF7300"/>
               </a:solidFill>
             </a14:hiddenFill>
           </a:ext>
           <a:ext uri="{AF507438-7753-43E0-B8FC-AC1667EBCBE1}">
-            <a14:hiddenEffects xmlns:a14="http://schemas.microsoft.com/office/drawing/2010/main" xmlns="">
+            <a14:hiddenEffects xmlns="" xmlns:a14="http://schemas.microsoft.com/office/drawing/2010/main">
               <a:effectLst>
                 <a:outerShdw dist="35921" dir="2700000" algn="ctr" rotWithShape="0">
                   <a:schemeClr val="bg2"/>

--- a/docs/Introduction au TDD.2016.pptx
+++ b/docs/Introduction au TDD.2016.pptx
@@ -6,7 +6,7 @@
     <p:sldMasterId id="2147483672" r:id="rId2"/>
   </p:sldMasterIdLst>
   <p:notesMasterIdLst>
-    <p:notesMasterId r:id="rId32"/>
+    <p:notesMasterId r:id="rId33"/>
   </p:notesMasterIdLst>
   <p:sldIdLst>
     <p:sldId id="285" r:id="rId3"/>
@@ -28,16 +28,17 @@
     <p:sldId id="277" r:id="rId19"/>
     <p:sldId id="266" r:id="rId20"/>
     <p:sldId id="267" r:id="rId21"/>
-    <p:sldId id="268" r:id="rId22"/>
-    <p:sldId id="291" r:id="rId23"/>
-    <p:sldId id="269" r:id="rId24"/>
-    <p:sldId id="282" r:id="rId25"/>
-    <p:sldId id="270" r:id="rId26"/>
-    <p:sldId id="283" r:id="rId27"/>
-    <p:sldId id="284" r:id="rId28"/>
-    <p:sldId id="292" r:id="rId29"/>
-    <p:sldId id="276" r:id="rId30"/>
-    <p:sldId id="272" r:id="rId31"/>
+    <p:sldId id="293" r:id="rId22"/>
+    <p:sldId id="268" r:id="rId23"/>
+    <p:sldId id="291" r:id="rId24"/>
+    <p:sldId id="269" r:id="rId25"/>
+    <p:sldId id="282" r:id="rId26"/>
+    <p:sldId id="270" r:id="rId27"/>
+    <p:sldId id="283" r:id="rId28"/>
+    <p:sldId id="284" r:id="rId29"/>
+    <p:sldId id="292" r:id="rId30"/>
+    <p:sldId id="276" r:id="rId31"/>
+    <p:sldId id="272" r:id="rId32"/>
   </p:sldIdLst>
   <p:sldSz cx="9144000" cy="6858000" type="screen4x3"/>
   <p:notesSz cx="6858000" cy="9144000"/>
@@ -3265,7 +3266,7 @@
             <a:fld id="{54842A5F-4B81-4B7C-A882-146202B89656}" type="slidenum">
               <a:rPr lang="fr-FR" smtClean="0"/>
               <a:pPr/>
-              <a:t>23</a:t>
+              <a:t>24</a:t>
             </a:fld>
             <a:endParaRPr lang="fr-FR"/>
           </a:p>
@@ -3442,7 +3443,7 @@
             <a:fld id="{54842A5F-4B81-4B7C-A882-146202B89656}" type="slidenum">
               <a:rPr lang="fr-FR" smtClean="0"/>
               <a:pPr/>
-              <a:t>28</a:t>
+              <a:t>29</a:t>
             </a:fld>
             <a:endParaRPr lang="fr-FR"/>
           </a:p>
@@ -4073,7 +4074,7 @@
           <a:effectLst/>
           <a:extLst>
             <a:ext uri="{91240B29-F687-4F45-9708-019B960494DF}">
-              <a14:hiddenLine xmlns="" xmlns:a14="http://schemas.microsoft.com/office/drawing/2010/main" w="9525">
+              <a14:hiddenLine xmlns:a14="http://schemas.microsoft.com/office/drawing/2010/main" xmlns="" w="9525">
                 <a:solidFill>
                   <a:srgbClr val="A7C1DD"/>
                 </a:solidFill>
@@ -4083,7 +4084,7 @@
               </a14:hiddenLine>
             </a:ext>
             <a:ext uri="{AF507438-7753-43E0-B8FC-AC1667EBCBE1}">
-              <a14:hiddenEffects xmlns="" xmlns:a14="http://schemas.microsoft.com/office/drawing/2010/main">
+              <a14:hiddenEffects xmlns:a14="http://schemas.microsoft.com/office/drawing/2010/main" xmlns="">
                 <a:effectLst>
                   <a:outerShdw dist="35921" dir="2700000" algn="ctr" rotWithShape="0">
                     <a:schemeClr val="bg2"/>
@@ -4141,7 +4142,7 @@
           <a:effectLst/>
           <a:extLst>
             <a:ext uri="{91240B29-F687-4F45-9708-019B960494DF}">
-              <a14:hiddenLine xmlns="" xmlns:a14="http://schemas.microsoft.com/office/drawing/2010/main" w="9525">
+              <a14:hiddenLine xmlns:a14="http://schemas.microsoft.com/office/drawing/2010/main" xmlns="" w="9525">
                 <a:solidFill>
                   <a:srgbClr val="A7C1DD"/>
                 </a:solidFill>
@@ -4151,7 +4152,7 @@
               </a14:hiddenLine>
             </a:ext>
             <a:ext uri="{AF507438-7753-43E0-B8FC-AC1667EBCBE1}">
-              <a14:hiddenEffects xmlns="" xmlns:a14="http://schemas.microsoft.com/office/drawing/2010/main">
+              <a14:hiddenEffects xmlns:a14="http://schemas.microsoft.com/office/drawing/2010/main" xmlns="">
                 <a:effectLst>
                   <a:outerShdw dist="35921" dir="2700000" algn="ctr" rotWithShape="0">
                     <a:schemeClr val="bg2"/>
@@ -4209,7 +4210,7 @@
           <a:effectLst/>
           <a:extLst>
             <a:ext uri="{91240B29-F687-4F45-9708-019B960494DF}">
-              <a14:hiddenLine xmlns="" xmlns:a14="http://schemas.microsoft.com/office/drawing/2010/main" w="9525">
+              <a14:hiddenLine xmlns:a14="http://schemas.microsoft.com/office/drawing/2010/main" xmlns="" w="9525">
                 <a:solidFill>
                   <a:schemeClr val="tx1"/>
                 </a:solidFill>
@@ -4219,7 +4220,7 @@
               </a14:hiddenLine>
             </a:ext>
             <a:ext uri="{AF507438-7753-43E0-B8FC-AC1667EBCBE1}">
-              <a14:hiddenEffects xmlns="" xmlns:a14="http://schemas.microsoft.com/office/drawing/2010/main">
+              <a14:hiddenEffects xmlns:a14="http://schemas.microsoft.com/office/drawing/2010/main" xmlns="">
                 <a:effectLst>
                   <a:outerShdw dist="35921" dir="2700000" algn="ctr" rotWithShape="0">
                     <a:schemeClr val="bg2"/>
@@ -4275,7 +4276,7 @@
           <a:effectLst/>
           <a:extLst>
             <a:ext uri="{91240B29-F687-4F45-9708-019B960494DF}">
-              <a14:hiddenLine xmlns="" xmlns:a14="http://schemas.microsoft.com/office/drawing/2010/main" w="9525">
+              <a14:hiddenLine xmlns:a14="http://schemas.microsoft.com/office/drawing/2010/main" xmlns="" w="9525">
                 <a:solidFill>
                   <a:schemeClr val="tx1"/>
                 </a:solidFill>
@@ -4285,7 +4286,7 @@
               </a14:hiddenLine>
             </a:ext>
             <a:ext uri="{AF507438-7753-43E0-B8FC-AC1667EBCBE1}">
-              <a14:hiddenEffects xmlns="" xmlns:a14="http://schemas.microsoft.com/office/drawing/2010/main">
+              <a14:hiddenEffects xmlns:a14="http://schemas.microsoft.com/office/drawing/2010/main" xmlns="">
                 <a:effectLst>
                   <a:outerShdw dist="35921" dir="2700000" algn="ctr" rotWithShape="0">
                     <a:schemeClr val="bg2"/>
@@ -4341,7 +4342,7 @@
           <a:effectLst/>
           <a:extLst>
             <a:ext uri="{91240B29-F687-4F45-9708-019B960494DF}">
-              <a14:hiddenLine xmlns="" xmlns:a14="http://schemas.microsoft.com/office/drawing/2010/main" w="9525">
+              <a14:hiddenLine xmlns:a14="http://schemas.microsoft.com/office/drawing/2010/main" xmlns="" w="9525">
                 <a:solidFill>
                   <a:srgbClr val="A7C1DD"/>
                 </a:solidFill>
@@ -4351,7 +4352,7 @@
               </a14:hiddenLine>
             </a:ext>
             <a:ext uri="{AF507438-7753-43E0-B8FC-AC1667EBCBE1}">
-              <a14:hiddenEffects xmlns="" xmlns:a14="http://schemas.microsoft.com/office/drawing/2010/main">
+              <a14:hiddenEffects xmlns:a14="http://schemas.microsoft.com/office/drawing/2010/main" xmlns="">
                 <a:effectLst>
                   <a:outerShdw dist="35921" dir="2700000" algn="ctr" rotWithShape="0">
                     <a:schemeClr val="bg2"/>
@@ -4412,7 +4413,7 @@
           <a:effectLst/>
           <a:extLst>
             <a:ext uri="{91240B29-F687-4F45-9708-019B960494DF}">
-              <a14:hiddenLine xmlns="" xmlns:a14="http://schemas.microsoft.com/office/drawing/2010/main" w="9525">
+              <a14:hiddenLine xmlns:a14="http://schemas.microsoft.com/office/drawing/2010/main" xmlns="" w="9525">
                 <a:solidFill>
                   <a:srgbClr val="A7C1DD"/>
                 </a:solidFill>
@@ -4422,7 +4423,7 @@
               </a14:hiddenLine>
             </a:ext>
             <a:ext uri="{AF507438-7753-43E0-B8FC-AC1667EBCBE1}">
-              <a14:hiddenEffects xmlns="" xmlns:a14="http://schemas.microsoft.com/office/drawing/2010/main">
+              <a14:hiddenEffects xmlns:a14="http://schemas.microsoft.com/office/drawing/2010/main" xmlns="">
                 <a:effectLst>
                   <a:outerShdw dist="35921" dir="2700000" algn="ctr" rotWithShape="0">
                     <a:schemeClr val="bg2"/>
@@ -4480,7 +4481,7 @@
           <a:effectLst/>
           <a:extLst>
             <a:ext uri="{91240B29-F687-4F45-9708-019B960494DF}">
-              <a14:hiddenLine xmlns="" xmlns:a14="http://schemas.microsoft.com/office/drawing/2010/main" w="9525">
+              <a14:hiddenLine xmlns:a14="http://schemas.microsoft.com/office/drawing/2010/main" xmlns="" w="9525">
                 <a:solidFill>
                   <a:srgbClr val="A7C1DD"/>
                 </a:solidFill>
@@ -4490,7 +4491,7 @@
               </a14:hiddenLine>
             </a:ext>
             <a:ext uri="{AF507438-7753-43E0-B8FC-AC1667EBCBE1}">
-              <a14:hiddenEffects xmlns="" xmlns:a14="http://schemas.microsoft.com/office/drawing/2010/main">
+              <a14:hiddenEffects xmlns:a14="http://schemas.microsoft.com/office/drawing/2010/main" xmlns="">
                 <a:effectLst>
                   <a:outerShdw dist="35921" dir="2700000" algn="ctr" rotWithShape="0">
                     <a:schemeClr val="bg2"/>
@@ -4535,7 +4536,7 @@
           <a:blip r:embed="rId2" cstate="screen">
             <a:extLst>
               <a:ext uri="{28A0092B-C50C-407E-A947-70E740481C1C}">
-                <a14:useLocalDpi xmlns="" xmlns:a14="http://schemas.microsoft.com/office/drawing/2010/main" val="0"/>
+                <a14:useLocalDpi xmlns:a14="http://schemas.microsoft.com/office/drawing/2010/main" xmlns="" val="0"/>
               </a:ext>
             </a:extLst>
           </a:blip>
@@ -4558,14 +4559,14 @@
           </a:ln>
           <a:extLst>
             <a:ext uri="{909E8E84-426E-40DD-AFC4-6F175D3DCCD1}">
-              <a14:hiddenFill xmlns="" xmlns:a14="http://schemas.microsoft.com/office/drawing/2010/main">
+              <a14:hiddenFill xmlns:a14="http://schemas.microsoft.com/office/drawing/2010/main" xmlns="">
                 <a:solidFill>
                   <a:srgbClr val="FFFFFF"/>
                 </a:solidFill>
               </a14:hiddenFill>
             </a:ext>
             <a:ext uri="{91240B29-F687-4F45-9708-019B960494DF}">
-              <a14:hiddenLine xmlns="" xmlns:a14="http://schemas.microsoft.com/office/drawing/2010/main" w="9525">
+              <a14:hiddenLine xmlns:a14="http://schemas.microsoft.com/office/drawing/2010/main" xmlns="" w="9525">
                 <a:solidFill>
                   <a:srgbClr val="000000"/>
                 </a:solidFill>
@@ -4595,14 +4596,14 @@
           <a:noFill/>
           <a:extLst>
             <a:ext uri="{909E8E84-426E-40DD-AFC4-6F175D3DCCD1}">
-              <a14:hiddenFill xmlns="" xmlns:a14="http://schemas.microsoft.com/office/drawing/2010/main">
+              <a14:hiddenFill xmlns:a14="http://schemas.microsoft.com/office/drawing/2010/main" xmlns="">
                 <a:solidFill>
                   <a:srgbClr val="323265"/>
                 </a:solidFill>
               </a14:hiddenFill>
             </a:ext>
             <a:ext uri="{91240B29-F687-4F45-9708-019B960494DF}">
-              <a14:hiddenLine xmlns="" xmlns:a14="http://schemas.microsoft.com/office/drawing/2010/main" w="9525">
+              <a14:hiddenLine xmlns:a14="http://schemas.microsoft.com/office/drawing/2010/main" xmlns="" w="9525">
                 <a:solidFill>
                   <a:srgbClr val="000000"/>
                 </a:solidFill>
@@ -4612,7 +4613,7 @@
               </a14:hiddenLine>
             </a:ext>
             <a:ext uri="{AF507438-7753-43E0-B8FC-AC1667EBCBE1}">
-              <a14:hiddenEffects xmlns="" xmlns:a14="http://schemas.microsoft.com/office/drawing/2010/main">
+              <a14:hiddenEffects xmlns:a14="http://schemas.microsoft.com/office/drawing/2010/main" xmlns="">
                 <a:effectLst>
                   <a:outerShdw dist="35921" dir="2700000" algn="ctr" rotWithShape="0">
                     <a:srgbClr val="808080"/>
@@ -4660,14 +4661,14 @@
           </a:xfrm>
           <a:extLst>
             <a:ext uri="{909E8E84-426E-40DD-AFC4-6F175D3DCCD1}">
-              <a14:hiddenFill xmlns="" xmlns:a14="http://schemas.microsoft.com/office/drawing/2010/main">
+              <a14:hiddenFill xmlns:a14="http://schemas.microsoft.com/office/drawing/2010/main" xmlns="">
                 <a:solidFill>
                   <a:srgbClr val="323265"/>
                 </a:solidFill>
               </a14:hiddenFill>
             </a:ext>
             <a:ext uri="{91240B29-F687-4F45-9708-019B960494DF}">
-              <a14:hiddenLine xmlns="" xmlns:a14="http://schemas.microsoft.com/office/drawing/2010/main" w="9525">
+              <a14:hiddenLine xmlns:a14="http://schemas.microsoft.com/office/drawing/2010/main" xmlns="" w="9525">
                 <a:solidFill>
                   <a:srgbClr val="A7C1DD"/>
                 </a:solidFill>
@@ -4724,7 +4725,7 @@
           <a:blip r:embed="rId3" cstate="screen">
             <a:extLst>
               <a:ext uri="{28A0092B-C50C-407E-A947-70E740481C1C}">
-                <a14:useLocalDpi xmlns="" xmlns:a14="http://schemas.microsoft.com/office/drawing/2010/main" val="0"/>
+                <a14:useLocalDpi xmlns:a14="http://schemas.microsoft.com/office/drawing/2010/main" xmlns="" val="0"/>
               </a:ext>
             </a:extLst>
           </a:blip>
@@ -4747,14 +4748,14 @@
           </a:ln>
           <a:extLst>
             <a:ext uri="{909E8E84-426E-40DD-AFC4-6F175D3DCCD1}">
-              <a14:hiddenFill xmlns="" xmlns:a14="http://schemas.microsoft.com/office/drawing/2010/main">
+              <a14:hiddenFill xmlns:a14="http://schemas.microsoft.com/office/drawing/2010/main" xmlns="">
                 <a:solidFill>
                   <a:srgbClr val="FF7300"/>
                 </a:solidFill>
               </a14:hiddenFill>
             </a:ext>
             <a:ext uri="{91240B29-F687-4F45-9708-019B960494DF}">
-              <a14:hiddenLine xmlns="" xmlns:a14="http://schemas.microsoft.com/office/drawing/2010/main" w="9525">
+              <a14:hiddenLine xmlns:a14="http://schemas.microsoft.com/office/drawing/2010/main" xmlns="" w="9525">
                 <a:solidFill>
                   <a:schemeClr val="tx1"/>
                 </a:solidFill>
@@ -4769,7 +4770,7 @@
     </p:spTree>
     <p:extLst>
       <p:ext uri="{BB962C8B-B14F-4D97-AF65-F5344CB8AC3E}">
-        <p14:creationId xmlns="" xmlns:p14="http://schemas.microsoft.com/office/powerpoint/2010/main" val="45065140"/>
+        <p14:creationId xmlns:p14="http://schemas.microsoft.com/office/powerpoint/2010/main" xmlns="" val="45065140"/>
       </p:ext>
     </p:extLst>
   </p:cSld>
@@ -4881,7 +4882,7 @@
     </p:spTree>
     <p:extLst>
       <p:ext uri="{BB962C8B-B14F-4D97-AF65-F5344CB8AC3E}">
-        <p14:creationId xmlns="" xmlns:p14="http://schemas.microsoft.com/office/powerpoint/2010/main" val="1282833093"/>
+        <p14:creationId xmlns:p14="http://schemas.microsoft.com/office/powerpoint/2010/main" xmlns="" val="1282833093"/>
       </p:ext>
     </p:extLst>
   </p:cSld>
@@ -8132,7 +8133,7 @@
             <a:effectLst/>
             <a:extLst>
               <a:ext uri="{91240B29-F687-4F45-9708-019B960494DF}">
-                <a14:hiddenLine xmlns="" xmlns:a14="http://schemas.microsoft.com/office/drawing/2010/main" w="9525">
+                <a14:hiddenLine xmlns:a14="http://schemas.microsoft.com/office/drawing/2010/main" xmlns="" w="9525">
                   <a:solidFill>
                     <a:srgbClr val="A7C1DD"/>
                   </a:solidFill>
@@ -8142,7 +8143,7 @@
                 </a14:hiddenLine>
               </a:ext>
               <a:ext uri="{AF507438-7753-43E0-B8FC-AC1667EBCBE1}">
-                <a14:hiddenEffects xmlns="" xmlns:a14="http://schemas.microsoft.com/office/drawing/2010/main">
+                <a14:hiddenEffects xmlns:a14="http://schemas.microsoft.com/office/drawing/2010/main" xmlns="">
                   <a:effectLst>
                     <a:outerShdw dist="35921" dir="2700000" algn="ctr" rotWithShape="0">
                       <a:schemeClr val="bg2"/>
@@ -8200,7 +8201,7 @@
             <a:effectLst/>
             <a:extLst>
               <a:ext uri="{91240B29-F687-4F45-9708-019B960494DF}">
-                <a14:hiddenLine xmlns="" xmlns:a14="http://schemas.microsoft.com/office/drawing/2010/main" w="9525">
+                <a14:hiddenLine xmlns:a14="http://schemas.microsoft.com/office/drawing/2010/main" xmlns="" w="9525">
                   <a:solidFill>
                     <a:srgbClr val="A7C1DD"/>
                   </a:solidFill>
@@ -8210,7 +8211,7 @@
                 </a14:hiddenLine>
               </a:ext>
               <a:ext uri="{AF507438-7753-43E0-B8FC-AC1667EBCBE1}">
-                <a14:hiddenEffects xmlns="" xmlns:a14="http://schemas.microsoft.com/office/drawing/2010/main">
+                <a14:hiddenEffects xmlns:a14="http://schemas.microsoft.com/office/drawing/2010/main" xmlns="">
                   <a:effectLst>
                     <a:outerShdw dist="35921" dir="2700000" algn="ctr" rotWithShape="0">
                       <a:schemeClr val="bg2"/>
@@ -8268,7 +8269,7 @@
             <a:effectLst/>
             <a:extLst>
               <a:ext uri="{91240B29-F687-4F45-9708-019B960494DF}">
-                <a14:hiddenLine xmlns="" xmlns:a14="http://schemas.microsoft.com/office/drawing/2010/main" w="9525">
+                <a14:hiddenLine xmlns:a14="http://schemas.microsoft.com/office/drawing/2010/main" xmlns="" w="9525">
                   <a:solidFill>
                     <a:schemeClr val="tx1"/>
                   </a:solidFill>
@@ -8278,7 +8279,7 @@
                 </a14:hiddenLine>
               </a:ext>
               <a:ext uri="{AF507438-7753-43E0-B8FC-AC1667EBCBE1}">
-                <a14:hiddenEffects xmlns="" xmlns:a14="http://schemas.microsoft.com/office/drawing/2010/main">
+                <a14:hiddenEffects xmlns:a14="http://schemas.microsoft.com/office/drawing/2010/main" xmlns="">
                   <a:effectLst>
                     <a:outerShdw dist="35921" dir="2700000" algn="ctr" rotWithShape="0">
                       <a:schemeClr val="bg2"/>
@@ -8334,7 +8335,7 @@
             <a:effectLst/>
             <a:extLst>
               <a:ext uri="{91240B29-F687-4F45-9708-019B960494DF}">
-                <a14:hiddenLine xmlns="" xmlns:a14="http://schemas.microsoft.com/office/drawing/2010/main" w="9525">
+                <a14:hiddenLine xmlns:a14="http://schemas.microsoft.com/office/drawing/2010/main" xmlns="" w="9525">
                   <a:solidFill>
                     <a:srgbClr val="A7C1DD"/>
                   </a:solidFill>
@@ -8344,7 +8345,7 @@
                 </a14:hiddenLine>
               </a:ext>
               <a:ext uri="{AF507438-7753-43E0-B8FC-AC1667EBCBE1}">
-                <a14:hiddenEffects xmlns="" xmlns:a14="http://schemas.microsoft.com/office/drawing/2010/main">
+                <a14:hiddenEffects xmlns:a14="http://schemas.microsoft.com/office/drawing/2010/main" xmlns="">
                   <a:effectLst>
                     <a:outerShdw dist="35921" dir="2700000" algn="ctr" rotWithShape="0">
                       <a:schemeClr val="bg2"/>
@@ -8402,7 +8403,7 @@
             <a:effectLst/>
             <a:extLst>
               <a:ext uri="{91240B29-F687-4F45-9708-019B960494DF}">
-                <a14:hiddenLine xmlns="" xmlns:a14="http://schemas.microsoft.com/office/drawing/2010/main" w="9525">
+                <a14:hiddenLine xmlns:a14="http://schemas.microsoft.com/office/drawing/2010/main" xmlns="" w="9525">
                   <a:solidFill>
                     <a:srgbClr val="A7C1DD"/>
                   </a:solidFill>
@@ -8412,7 +8413,7 @@
                 </a14:hiddenLine>
               </a:ext>
               <a:ext uri="{AF507438-7753-43E0-B8FC-AC1667EBCBE1}">
-                <a14:hiddenEffects xmlns="" xmlns:a14="http://schemas.microsoft.com/office/drawing/2010/main">
+                <a14:hiddenEffects xmlns:a14="http://schemas.microsoft.com/office/drawing/2010/main" xmlns="">
                   <a:effectLst>
                     <a:outerShdw dist="35921" dir="2700000" algn="ctr" rotWithShape="0">
                       <a:schemeClr val="bg2"/>
@@ -8458,7 +8459,7 @@
           <a:blip r:embed="rId4" cstate="screen">
             <a:extLst>
               <a:ext uri="{28A0092B-C50C-407E-A947-70E740481C1C}">
-                <a14:useLocalDpi xmlns="" xmlns:a14="http://schemas.microsoft.com/office/drawing/2010/main" val="0"/>
+                <a14:useLocalDpi xmlns:a14="http://schemas.microsoft.com/office/drawing/2010/main" xmlns="" val="0"/>
               </a:ext>
             </a:extLst>
           </a:blip>
@@ -8481,14 +8482,14 @@
           </a:ln>
           <a:extLst>
             <a:ext uri="{909E8E84-426E-40DD-AFC4-6F175D3DCCD1}">
-              <a14:hiddenFill xmlns="" xmlns:a14="http://schemas.microsoft.com/office/drawing/2010/main">
+              <a14:hiddenFill xmlns:a14="http://schemas.microsoft.com/office/drawing/2010/main" xmlns="">
                 <a:solidFill>
                   <a:srgbClr val="FFFFFF"/>
                 </a:solidFill>
               </a14:hiddenFill>
             </a:ext>
             <a:ext uri="{91240B29-F687-4F45-9708-019B960494DF}">
-              <a14:hiddenLine xmlns="" xmlns:a14="http://schemas.microsoft.com/office/drawing/2010/main" w="9525">
+              <a14:hiddenLine xmlns:a14="http://schemas.microsoft.com/office/drawing/2010/main" xmlns="" w="9525">
                 <a:solidFill>
                   <a:srgbClr val="000000"/>
                 </a:solidFill>
@@ -8527,7 +8528,7 @@
           <a:effectLst/>
           <a:extLst>
             <a:ext uri="{91240B29-F687-4F45-9708-019B960494DF}">
-              <a14:hiddenLine xmlns="" xmlns:a14="http://schemas.microsoft.com/office/drawing/2010/main" w="9525">
+              <a14:hiddenLine xmlns:a14="http://schemas.microsoft.com/office/drawing/2010/main" xmlns="" w="9525">
                 <a:solidFill>
                   <a:srgbClr val="A7C1DD"/>
                 </a:solidFill>
@@ -8537,7 +8538,7 @@
               </a14:hiddenLine>
             </a:ext>
             <a:ext uri="{AF507438-7753-43E0-B8FC-AC1667EBCBE1}">
-              <a14:hiddenEffects xmlns="" xmlns:a14="http://schemas.microsoft.com/office/drawing/2010/main">
+              <a14:hiddenEffects xmlns:a14="http://schemas.microsoft.com/office/drawing/2010/main" xmlns="">
                 <a:effectLst>
                   <a:outerShdw dist="35921" dir="2700000" algn="ctr" rotWithShape="0">
                     <a:schemeClr val="bg2"/>
@@ -8589,14 +8590,14 @@
           <a:effectLst/>
           <a:extLst>
             <a:ext uri="{909E8E84-426E-40DD-AFC4-6F175D3DCCD1}">
-              <a14:hiddenFill xmlns="" xmlns:a14="http://schemas.microsoft.com/office/drawing/2010/main">
+              <a14:hiddenFill xmlns:a14="http://schemas.microsoft.com/office/drawing/2010/main" xmlns="">
                 <a:solidFill>
                   <a:schemeClr val="accent1"/>
                 </a:solidFill>
               </a14:hiddenFill>
             </a:ext>
             <a:ext uri="{91240B29-F687-4F45-9708-019B960494DF}">
-              <a14:hiddenLine xmlns="" xmlns:a14="http://schemas.microsoft.com/office/drawing/2010/main" w="9525">
+              <a14:hiddenLine xmlns:a14="http://schemas.microsoft.com/office/drawing/2010/main" xmlns="" w="9525">
                 <a:solidFill>
                   <a:schemeClr val="tx1"/>
                 </a:solidFill>
@@ -8606,7 +8607,7 @@
               </a14:hiddenLine>
             </a:ext>
             <a:ext uri="{AF507438-7753-43E0-B8FC-AC1667EBCBE1}">
-              <a14:hiddenEffects xmlns="" xmlns:a14="http://schemas.microsoft.com/office/drawing/2010/main">
+              <a14:hiddenEffects xmlns:a14="http://schemas.microsoft.com/office/drawing/2010/main" xmlns="">
                 <a:effectLst>
                   <a:outerShdw dist="35921" dir="2700000" algn="ctr" rotWithShape="0">
                     <a:schemeClr val="bg2"/>
@@ -8685,7 +8686,7 @@
           <a:effectLst/>
           <a:extLst>
             <a:ext uri="{91240B29-F687-4F45-9708-019B960494DF}">
-              <a14:hiddenLine xmlns="" xmlns:a14="http://schemas.microsoft.com/office/drawing/2010/main" w="9525">
+              <a14:hiddenLine xmlns:a14="http://schemas.microsoft.com/office/drawing/2010/main" xmlns="" w="9525">
                 <a:solidFill>
                   <a:srgbClr val="A7C1DD"/>
                 </a:solidFill>
@@ -8695,7 +8696,7 @@
               </a14:hiddenLine>
             </a:ext>
             <a:ext uri="{AF507438-7753-43E0-B8FC-AC1667EBCBE1}">
-              <a14:hiddenEffects xmlns="" xmlns:a14="http://schemas.microsoft.com/office/drawing/2010/main">
+              <a14:hiddenEffects xmlns:a14="http://schemas.microsoft.com/office/drawing/2010/main" xmlns="">
                 <a:effectLst>
                   <a:outerShdw dist="35921" dir="2700000" algn="ctr" rotWithShape="0">
                     <a:schemeClr val="bg2"/>
@@ -8781,7 +8782,7 @@
           </a:ln>
           <a:extLst>
             <a:ext uri="{91240B29-F687-4F45-9708-019B960494DF}">
-              <a14:hiddenLine xmlns="" xmlns:a14="http://schemas.microsoft.com/office/drawing/2010/main" w="9525">
+              <a14:hiddenLine xmlns:a14="http://schemas.microsoft.com/office/drawing/2010/main" xmlns="" w="9525">
                 <a:solidFill>
                   <a:srgbClr val="000000"/>
                 </a:solidFill>
@@ -8867,14 +8868,14 @@
           <a:effectLst/>
           <a:extLst>
             <a:ext uri="{909E8E84-426E-40DD-AFC4-6F175D3DCCD1}">
-              <a14:hiddenFill xmlns="" xmlns:a14="http://schemas.microsoft.com/office/drawing/2010/main">
+              <a14:hiddenFill xmlns:a14="http://schemas.microsoft.com/office/drawing/2010/main" xmlns="">
                 <a:solidFill>
                   <a:srgbClr val="FFFFFF"/>
                 </a:solidFill>
               </a14:hiddenFill>
             </a:ext>
             <a:ext uri="{91240B29-F687-4F45-9708-019B960494DF}">
-              <a14:hiddenLine xmlns="" xmlns:a14="http://schemas.microsoft.com/office/drawing/2010/main" w="9525">
+              <a14:hiddenLine xmlns:a14="http://schemas.microsoft.com/office/drawing/2010/main" xmlns="" w="9525">
                 <a:solidFill>
                   <a:srgbClr val="000000"/>
                 </a:solidFill>
@@ -8884,7 +8885,7 @@
               </a14:hiddenLine>
             </a:ext>
             <a:ext uri="{AF507438-7753-43E0-B8FC-AC1667EBCBE1}">
-              <a14:hiddenEffects xmlns="" xmlns:a14="http://schemas.microsoft.com/office/drawing/2010/main">
+              <a14:hiddenEffects xmlns:a14="http://schemas.microsoft.com/office/drawing/2010/main" xmlns="">
                 <a:effectLst>
                   <a:outerShdw dist="35921" dir="2700000" algn="ctr" rotWithShape="0">
                     <a:schemeClr val="bg2"/>
@@ -8940,14 +8941,14 @@
           <a:effectLst/>
           <a:extLst>
             <a:ext uri="{909E8E84-426E-40DD-AFC4-6F175D3DCCD1}">
-              <a14:hiddenFill xmlns="" xmlns:a14="http://schemas.microsoft.com/office/drawing/2010/main">
+              <a14:hiddenFill xmlns:a14="http://schemas.microsoft.com/office/drawing/2010/main" xmlns="">
                 <a:solidFill>
                   <a:srgbClr val="FF7300"/>
                 </a:solidFill>
               </a14:hiddenFill>
             </a:ext>
             <a:ext uri="{91240B29-F687-4F45-9708-019B960494DF}">
-              <a14:hiddenLine xmlns="" xmlns:a14="http://schemas.microsoft.com/office/drawing/2010/main" w="9525">
+              <a14:hiddenLine xmlns:a14="http://schemas.microsoft.com/office/drawing/2010/main" xmlns="" w="9525">
                 <a:solidFill>
                   <a:schemeClr val="tx1"/>
                 </a:solidFill>
@@ -8957,7 +8958,7 @@
               </a14:hiddenLine>
             </a:ext>
             <a:ext uri="{AF507438-7753-43E0-B8FC-AC1667EBCBE1}">
-              <a14:hiddenEffects xmlns="" xmlns:a14="http://schemas.microsoft.com/office/drawing/2010/main">
+              <a14:hiddenEffects xmlns:a14="http://schemas.microsoft.com/office/drawing/2010/main" xmlns="">
                 <a:effectLst>
                   <a:outerShdw dist="35921" dir="2700000" algn="ctr" rotWithShape="0">
                     <a:schemeClr val="bg2"/>
@@ -9111,7 +9112,7 @@
           <a:blip r:embed="rId5" cstate="screen">
             <a:extLst>
               <a:ext uri="{28A0092B-C50C-407E-A947-70E740481C1C}">
-                <a14:useLocalDpi xmlns="" xmlns:a14="http://schemas.microsoft.com/office/drawing/2010/main" val="0"/>
+                <a14:useLocalDpi xmlns:a14="http://schemas.microsoft.com/office/drawing/2010/main" xmlns="" val="0"/>
               </a:ext>
             </a:extLst>
           </a:blip>
@@ -9134,14 +9135,14 @@
           </a:ln>
           <a:extLst>
             <a:ext uri="{909E8E84-426E-40DD-AFC4-6F175D3DCCD1}">
-              <a14:hiddenFill xmlns="" xmlns:a14="http://schemas.microsoft.com/office/drawing/2010/main">
+              <a14:hiddenFill xmlns:a14="http://schemas.microsoft.com/office/drawing/2010/main" xmlns="">
                 <a:solidFill>
                   <a:srgbClr val="FF7300"/>
                 </a:solidFill>
               </a14:hiddenFill>
             </a:ext>
             <a:ext uri="{91240B29-F687-4F45-9708-019B960494DF}">
-              <a14:hiddenLine xmlns="" xmlns:a14="http://schemas.microsoft.com/office/drawing/2010/main" w="9525">
+              <a14:hiddenLine xmlns:a14="http://schemas.microsoft.com/office/drawing/2010/main" xmlns="" w="9525">
                 <a:solidFill>
                   <a:schemeClr val="tx1"/>
                 </a:solidFill>
@@ -9682,7 +9683,7 @@
           <a:blip r:embed="rId3" cstate="screen">
             <a:extLst>
               <a:ext uri="{28A0092B-C50C-407E-A947-70E740481C1C}">
-                <a14:useLocalDpi xmlns="" xmlns:a14="http://schemas.microsoft.com/office/drawing/2010/main" val="0"/>
+                <a14:useLocalDpi xmlns:a14="http://schemas.microsoft.com/office/drawing/2010/main" xmlns="" val="0"/>
               </a:ext>
             </a:extLst>
           </a:blip>
@@ -9705,14 +9706,14 @@
           </a:ln>
           <a:extLst>
             <a:ext uri="{909E8E84-426E-40DD-AFC4-6F175D3DCCD1}">
-              <a14:hiddenFill xmlns="" xmlns:a14="http://schemas.microsoft.com/office/drawing/2010/main">
+              <a14:hiddenFill xmlns:a14="http://schemas.microsoft.com/office/drawing/2010/main" xmlns="">
                 <a:solidFill>
                   <a:srgbClr val="FFFFFF"/>
                 </a:solidFill>
               </a14:hiddenFill>
             </a:ext>
             <a:ext uri="{91240B29-F687-4F45-9708-019B960494DF}">
-              <a14:hiddenLine xmlns="" xmlns:a14="http://schemas.microsoft.com/office/drawing/2010/main" w="9525">
+              <a14:hiddenLine xmlns:a14="http://schemas.microsoft.com/office/drawing/2010/main" xmlns="" w="9525">
                 <a:solidFill>
                   <a:srgbClr val="000000"/>
                 </a:solidFill>
@@ -9747,14 +9748,14 @@
           <a:effectLst/>
           <a:extLst>
             <a:ext uri="{909E8E84-426E-40DD-AFC4-6F175D3DCCD1}">
-              <a14:hiddenFill xmlns="" xmlns:a14="http://schemas.microsoft.com/office/drawing/2010/main">
+              <a14:hiddenFill xmlns:a14="http://schemas.microsoft.com/office/drawing/2010/main" xmlns="">
                 <a:solidFill>
                   <a:srgbClr val="323265"/>
                 </a:solidFill>
               </a14:hiddenFill>
             </a:ext>
             <a:ext uri="{91240B29-F687-4F45-9708-019B960494DF}">
-              <a14:hiddenLine xmlns="" xmlns:a14="http://schemas.microsoft.com/office/drawing/2010/main" w="9525">
+              <a14:hiddenLine xmlns:a14="http://schemas.microsoft.com/office/drawing/2010/main" xmlns="" w="9525">
                 <a:solidFill>
                   <a:srgbClr val="A7C1DD"/>
                 </a:solidFill>
@@ -9822,14 +9823,14 @@
           <a:effectLst/>
           <a:extLst>
             <a:ext uri="{909E8E84-426E-40DD-AFC4-6F175D3DCCD1}">
-              <a14:hiddenFill xmlns="" xmlns:a14="http://schemas.microsoft.com/office/drawing/2010/main">
+              <a14:hiddenFill xmlns:a14="http://schemas.microsoft.com/office/drawing/2010/main" xmlns="">
                 <a:solidFill>
                   <a:srgbClr val="FF7300"/>
                 </a:solidFill>
               </a14:hiddenFill>
             </a:ext>
             <a:ext uri="{AF507438-7753-43E0-B8FC-AC1667EBCBE1}">
-              <a14:hiddenEffects xmlns="" xmlns:a14="http://schemas.microsoft.com/office/drawing/2010/main">
+              <a14:hiddenEffects xmlns:a14="http://schemas.microsoft.com/office/drawing/2010/main" xmlns="">
                 <a:effectLst>
                   <a:outerShdw dist="35921" dir="2700000" algn="ctr" rotWithShape="0">
                     <a:schemeClr val="bg2"/>
@@ -12305,6 +12306,201 @@
         </p:nvSpPr>
         <p:spPr/>
         <p:txBody>
+          <a:bodyPr/>
+          <a:lstStyle/>
+          <a:p>
+            <a:r>
+              <a:rPr lang="fr-FR" dirty="0" smtClean="0"/>
+              <a:t>Transformation </a:t>
+            </a:r>
+            <a:r>
+              <a:rPr lang="fr-FR" dirty="0" err="1" smtClean="0"/>
+              <a:t>Priority</a:t>
+            </a:r>
+            <a:r>
+              <a:rPr lang="fr-FR" dirty="0" smtClean="0"/>
+              <a:t> </a:t>
+            </a:r>
+            <a:r>
+              <a:rPr lang="fr-FR" dirty="0" err="1" smtClean="0"/>
+              <a:t>P</a:t>
+            </a:r>
+            <a:r>
+              <a:rPr lang="fr-FR" dirty="0" err="1" smtClean="0"/>
+              <a:t>remise</a:t>
+            </a:r>
+            <a:endParaRPr lang="fr-FR" dirty="0"/>
+          </a:p>
+        </p:txBody>
+      </p:sp>
+      <p:sp>
+        <p:nvSpPr>
+          <p:cNvPr id="3" name="Espace réservé du contenu 2"/>
+          <p:cNvSpPr>
+            <a:spLocks noGrp="1"/>
+          </p:cNvSpPr>
+          <p:nvPr>
+            <p:ph idx="1"/>
+          </p:nvPr>
+        </p:nvSpPr>
+        <p:spPr/>
+        <p:txBody>
+          <a:bodyPr>
+            <a:normAutofit fontScale="85000" lnSpcReduction="20000"/>
+          </a:bodyPr>
+          <a:lstStyle/>
+          <a:p>
+            <a:pPr marL="514350" indent="-514350">
+              <a:buFont typeface="+mj-lt"/>
+              <a:buAutoNum type="arabicPeriod"/>
+            </a:pPr>
+            <a:r>
+              <a:rPr lang="en-US" dirty="0" smtClean="0"/>
+              <a:t>({} → nil) no code at all → code that employs nil</a:t>
+            </a:r>
+          </a:p>
+          <a:p>
+            <a:pPr marL="514350" indent="-514350">
+              <a:buFont typeface="+mj-lt"/>
+              <a:buAutoNum type="arabicPeriod"/>
+            </a:pPr>
+            <a:r>
+              <a:rPr lang="en-US" dirty="0" smtClean="0"/>
+              <a:t>(nil → constant)</a:t>
+            </a:r>
+          </a:p>
+          <a:p>
+            <a:pPr marL="514350" indent="-514350">
+              <a:buFont typeface="+mj-lt"/>
+              <a:buAutoNum type="arabicPeriod"/>
+            </a:pPr>
+            <a:r>
+              <a:rPr lang="en-US" dirty="0" smtClean="0"/>
+              <a:t>(constant → constant+) a simple constant to a more complex constant</a:t>
+            </a:r>
+          </a:p>
+          <a:p>
+            <a:pPr marL="514350" indent="-514350">
+              <a:buFont typeface="+mj-lt"/>
+              <a:buAutoNum type="arabicPeriod"/>
+            </a:pPr>
+            <a:r>
+              <a:rPr lang="en-US" dirty="0" smtClean="0"/>
+              <a:t>(constant → scalar) replacing a constant with a variable or an argument</a:t>
+            </a:r>
+          </a:p>
+          <a:p>
+            <a:pPr marL="514350" indent="-514350">
+              <a:buFont typeface="+mj-lt"/>
+              <a:buAutoNum type="arabicPeriod"/>
+            </a:pPr>
+            <a:r>
+              <a:rPr lang="en-US" dirty="0" smtClean="0"/>
+              <a:t>(statement → statements) adding more unconditional statements.</a:t>
+            </a:r>
+          </a:p>
+          <a:p>
+            <a:pPr marL="514350" indent="-514350">
+              <a:buFont typeface="+mj-lt"/>
+              <a:buAutoNum type="arabicPeriod"/>
+            </a:pPr>
+            <a:r>
+              <a:rPr lang="en-US" dirty="0" smtClean="0"/>
+              <a:t>(unconditional → if) splitting the execution path</a:t>
+            </a:r>
+          </a:p>
+          <a:p>
+            <a:pPr marL="514350" indent="-514350">
+              <a:buFont typeface="+mj-lt"/>
+              <a:buAutoNum type="arabicPeriod"/>
+            </a:pPr>
+            <a:r>
+              <a:rPr lang="en-US" dirty="0" smtClean="0"/>
+              <a:t>(scalar → array)</a:t>
+            </a:r>
+          </a:p>
+          <a:p>
+            <a:pPr marL="514350" indent="-514350">
+              <a:buFont typeface="+mj-lt"/>
+              <a:buAutoNum type="arabicPeriod"/>
+            </a:pPr>
+            <a:r>
+              <a:rPr lang="en-US" dirty="0" smtClean="0"/>
+              <a:t>(array → container)</a:t>
+            </a:r>
+          </a:p>
+          <a:p>
+            <a:pPr marL="514350" indent="-514350">
+              <a:buFont typeface="+mj-lt"/>
+              <a:buAutoNum type="arabicPeriod"/>
+            </a:pPr>
+            <a:r>
+              <a:rPr lang="en-US" dirty="0" smtClean="0"/>
+              <a:t>(statement → </a:t>
+            </a:r>
+            <a:r>
+              <a:rPr lang="en-US" dirty="0" smtClean="0"/>
+              <a:t>recursion</a:t>
+            </a:r>
+            <a:r>
+              <a:rPr lang="en-US" dirty="0" smtClean="0"/>
+              <a:t>)</a:t>
+            </a:r>
+          </a:p>
+          <a:p>
+            <a:pPr marL="514350" indent="-514350">
+              <a:buFont typeface="+mj-lt"/>
+              <a:buAutoNum type="arabicPeriod"/>
+            </a:pPr>
+            <a:r>
+              <a:rPr lang="en-US" dirty="0" smtClean="0"/>
+              <a:t>(if → while</a:t>
+            </a:r>
+            <a:r>
+              <a:rPr lang="en-US" dirty="0" smtClean="0"/>
+              <a:t>)</a:t>
+            </a:r>
+            <a:endParaRPr lang="en-US" dirty="0" smtClean="0"/>
+          </a:p>
+        </p:txBody>
+      </p:sp>
+    </p:spTree>
+  </p:cSld>
+  <p:clrMapOvr>
+    <a:masterClrMapping/>
+  </p:clrMapOvr>
+</p:sld>
+</file>
+
+<file path=ppt/slides/slide21.xml><?xml version="1.0" encoding="utf-8"?>
+<p:sld xmlns:a="http://schemas.openxmlformats.org/drawingml/2006/main" xmlns:r="http://schemas.openxmlformats.org/officeDocument/2006/relationships" xmlns:p="http://schemas.openxmlformats.org/presentationml/2006/main">
+  <p:cSld>
+    <p:spTree>
+      <p:nvGrpSpPr>
+        <p:cNvPr id="1" name=""/>
+        <p:cNvGrpSpPr/>
+        <p:nvPr/>
+      </p:nvGrpSpPr>
+      <p:grpSpPr>
+        <a:xfrm>
+          <a:off x="0" y="0"/>
+          <a:ext cx="0" cy="0"/>
+          <a:chOff x="0" y="0"/>
+          <a:chExt cx="0" cy="0"/>
+        </a:xfrm>
+      </p:grpSpPr>
+      <p:sp>
+        <p:nvSpPr>
+          <p:cNvPr id="2" name="Titre 1"/>
+          <p:cNvSpPr>
+            <a:spLocks noGrp="1"/>
+          </p:cNvSpPr>
+          <p:nvPr>
+            <p:ph type="title"/>
+          </p:nvPr>
+        </p:nvSpPr>
+        <p:spPr/>
+        <p:txBody>
           <a:bodyPr>
             <a:normAutofit/>
           </a:bodyPr>
@@ -12654,7 +12850,7 @@
 </p:sld>
 </file>
 
-<file path=ppt/slides/slide21.xml><?xml version="1.0" encoding="utf-8"?>
+<file path=ppt/slides/slide22.xml><?xml version="1.0" encoding="utf-8"?>
 <p:sld xmlns:a="http://schemas.openxmlformats.org/drawingml/2006/main" xmlns:r="http://schemas.openxmlformats.org/officeDocument/2006/relationships" xmlns:p="http://schemas.openxmlformats.org/presentationml/2006/main">
   <p:cSld>
     <p:spTree>
@@ -13116,7 +13312,7 @@
 </p:sld>
 </file>
 
-<file path=ppt/slides/slide22.xml><?xml version="1.0" encoding="utf-8"?>
+<file path=ppt/slides/slide23.xml><?xml version="1.0" encoding="utf-8"?>
 <p:sld xmlns:a="http://schemas.openxmlformats.org/drawingml/2006/main" xmlns:r="http://schemas.openxmlformats.org/officeDocument/2006/relationships" xmlns:p="http://schemas.openxmlformats.org/presentationml/2006/main">
   <p:cSld>
     <p:spTree>
@@ -18809,7 +19005,7 @@
 </p:sld>
 </file>
 
-<file path=ppt/slides/slide23.xml><?xml version="1.0" encoding="utf-8"?>
+<file path=ppt/slides/slide24.xml><?xml version="1.0" encoding="utf-8"?>
 <p:sld xmlns:a="http://schemas.openxmlformats.org/drawingml/2006/main" xmlns:r="http://schemas.openxmlformats.org/officeDocument/2006/relationships" xmlns:p="http://schemas.openxmlformats.org/presentationml/2006/main">
   <p:cSld>
     <p:spTree>
@@ -24003,7 +24199,7 @@
 </p:sld>
 </file>
 
-<file path=ppt/slides/slide24.xml><?xml version="1.0" encoding="utf-8"?>
+<file path=ppt/slides/slide25.xml><?xml version="1.0" encoding="utf-8"?>
 <p:sld xmlns:a="http://schemas.openxmlformats.org/drawingml/2006/main" xmlns:r="http://schemas.openxmlformats.org/officeDocument/2006/relationships" xmlns:p="http://schemas.openxmlformats.org/presentationml/2006/main">
   <p:cSld>
     <p:spTree>
@@ -24562,7 +24758,7 @@
 </p:sld>
 </file>
 
-<file path=ppt/slides/slide25.xml><?xml version="1.0" encoding="utf-8"?>
+<file path=ppt/slides/slide26.xml><?xml version="1.0" encoding="utf-8"?>
 <p:sld xmlns:a="http://schemas.openxmlformats.org/drawingml/2006/main" xmlns:r="http://schemas.openxmlformats.org/officeDocument/2006/relationships" xmlns:p="http://schemas.openxmlformats.org/presentationml/2006/main">
   <p:cSld>
     <p:spTree>
@@ -24846,7 +25042,7 @@
             <a:fld id="{8F683B27-CD1C-4AEC-8DD7-215878B1FA40}" type="slidenum">
               <a:rPr lang="fr-FR" smtClean="0"/>
               <a:pPr/>
-              <a:t>25</a:t>
+              <a:t>26</a:t>
             </a:fld>
             <a:endParaRPr lang="fr-FR" dirty="0"/>
           </a:p>
@@ -25265,7 +25461,7 @@
 </p:sld>
 </file>
 
-<file path=ppt/slides/slide26.xml><?xml version="1.0" encoding="utf-8"?>
+<file path=ppt/slides/slide27.xml><?xml version="1.0" encoding="utf-8"?>
 <p:sld xmlns:a="http://schemas.openxmlformats.org/drawingml/2006/main" xmlns:r="http://schemas.openxmlformats.org/officeDocument/2006/relationships" xmlns:p="http://schemas.openxmlformats.org/presentationml/2006/main">
   <p:cSld>
     <p:spTree>
@@ -25445,7 +25641,7 @@
             <a:fld id="{8F683B27-CD1C-4AEC-8DD7-215878B1FA40}" type="slidenum">
               <a:rPr lang="fr-FR" smtClean="0"/>
               <a:pPr/>
-              <a:t>26</a:t>
+              <a:t>27</a:t>
             </a:fld>
             <a:endParaRPr lang="fr-FR" dirty="0"/>
           </a:p>
@@ -28535,7 +28731,7 @@
 </p:sld>
 </file>
 
-<file path=ppt/slides/slide27.xml><?xml version="1.0" encoding="utf-8"?>
+<file path=ppt/slides/slide28.xml><?xml version="1.0" encoding="utf-8"?>
 <p:sld xmlns:a="http://schemas.openxmlformats.org/drawingml/2006/main" xmlns:r="http://schemas.openxmlformats.org/officeDocument/2006/relationships" xmlns:p="http://schemas.openxmlformats.org/presentationml/2006/main">
   <p:cSld>
     <p:spTree>
@@ -28950,7 +29146,7 @@
             <a:fld id="{8F683B27-CD1C-4AEC-8DD7-215878B1FA40}" type="slidenum">
               <a:rPr lang="fr-FR" smtClean="0"/>
               <a:pPr/>
-              <a:t>27</a:t>
+              <a:t>28</a:t>
             </a:fld>
             <a:endParaRPr lang="fr-FR" dirty="0"/>
           </a:p>
@@ -30240,7 +30436,7 @@
 </p:sld>
 </file>
 
-<file path=ppt/slides/slide28.xml><?xml version="1.0" encoding="utf-8"?>
+<file path=ppt/slides/slide29.xml><?xml version="1.0" encoding="utf-8"?>
 <p:sld xmlns:a="http://schemas.openxmlformats.org/drawingml/2006/main" xmlns:r="http://schemas.openxmlformats.org/officeDocument/2006/relationships" xmlns:p="http://schemas.openxmlformats.org/presentationml/2006/main">
   <p:cSld>
     <p:spTree>
@@ -30471,177 +30667,6 @@
           <a:noFill/>
         </p:spPr>
       </p:pic>
-    </p:spTree>
-  </p:cSld>
-  <p:clrMapOvr>
-    <a:masterClrMapping/>
-  </p:clrMapOvr>
-  <p:timing>
-    <p:tnLst>
-      <p:par>
-        <p:cTn id="1" dur="indefinite" restart="never" nodeType="tmRoot"/>
-      </p:par>
-    </p:tnLst>
-  </p:timing>
-</p:sld>
-</file>
-
-<file path=ppt/slides/slide29.xml><?xml version="1.0" encoding="utf-8"?>
-<p:sld xmlns:a="http://schemas.openxmlformats.org/drawingml/2006/main" xmlns:r="http://schemas.openxmlformats.org/officeDocument/2006/relationships" xmlns:p="http://schemas.openxmlformats.org/presentationml/2006/main">
-  <p:cSld>
-    <p:spTree>
-      <p:nvGrpSpPr>
-        <p:cNvPr id="1" name=""/>
-        <p:cNvGrpSpPr/>
-        <p:nvPr/>
-      </p:nvGrpSpPr>
-      <p:grpSpPr>
-        <a:xfrm>
-          <a:off x="0" y="0"/>
-          <a:ext cx="0" cy="0"/>
-          <a:chOff x="0" y="0"/>
-          <a:chExt cx="0" cy="0"/>
-        </a:xfrm>
-      </p:grpSpPr>
-      <p:sp>
-        <p:nvSpPr>
-          <p:cNvPr id="2" name="Titre 1"/>
-          <p:cNvSpPr>
-            <a:spLocks noGrp="1"/>
-          </p:cNvSpPr>
-          <p:nvPr>
-            <p:ph type="title"/>
-          </p:nvPr>
-        </p:nvSpPr>
-        <p:spPr/>
-        <p:txBody>
-          <a:bodyPr/>
-          <a:lstStyle/>
-          <a:p>
-            <a:r>
-              <a:rPr lang="fr-FR" dirty="0" smtClean="0"/>
-              <a:t>Qu’avons-nous appris ?</a:t>
-            </a:r>
-            <a:endParaRPr lang="fr-FR" dirty="0"/>
-          </a:p>
-        </p:txBody>
-      </p:sp>
-      <p:sp>
-        <p:nvSpPr>
-          <p:cNvPr id="3" name="Espace réservé du contenu 2"/>
-          <p:cNvSpPr>
-            <a:spLocks noGrp="1"/>
-          </p:cNvSpPr>
-          <p:nvPr>
-            <p:ph idx="1"/>
-          </p:nvPr>
-        </p:nvSpPr>
-        <p:spPr>
-          <a:xfrm>
-            <a:off x="1691680" y="2079496"/>
-            <a:ext cx="6995120" cy="3869784"/>
-          </a:xfrm>
-        </p:spPr>
-        <p:txBody>
-          <a:bodyPr>
-            <a:normAutofit fontScale="92500" lnSpcReduction="20000"/>
-          </a:bodyPr>
-          <a:lstStyle/>
-          <a:p>
-            <a:pPr>
-              <a:buNone/>
-            </a:pPr>
-            <a:r>
-              <a:rPr lang="fr-FR" dirty="0" smtClean="0"/>
-              <a:t>Matin</a:t>
-            </a:r>
-          </a:p>
-          <a:p>
-            <a:r>
-              <a:rPr lang="fr-FR" dirty="0" smtClean="0"/>
-              <a:t>Introduction</a:t>
-            </a:r>
-          </a:p>
-          <a:p>
-            <a:r>
-              <a:rPr lang="fr-FR" dirty="0" smtClean="0"/>
-              <a:t>Premier pas</a:t>
-            </a:r>
-          </a:p>
-          <a:p>
-            <a:r>
-              <a:rPr lang="fr-FR" dirty="0" smtClean="0"/>
-              <a:t>Approche classique</a:t>
-            </a:r>
-          </a:p>
-          <a:p>
-            <a:pPr>
-              <a:buNone/>
-            </a:pPr>
-            <a:endParaRPr lang="fr-FR" dirty="0" smtClean="0"/>
-          </a:p>
-          <a:p>
-            <a:pPr>
-              <a:buNone/>
-            </a:pPr>
-            <a:r>
-              <a:rPr lang="fr-FR" dirty="0" smtClean="0"/>
-              <a:t>Après-midi</a:t>
-            </a:r>
-          </a:p>
-          <a:p>
-            <a:r>
-              <a:rPr lang="fr-FR" dirty="0" smtClean="0"/>
-              <a:t>Approche </a:t>
-            </a:r>
-            <a:r>
-              <a:rPr lang="fr-FR" dirty="0" err="1" smtClean="0"/>
-              <a:t>Outside</a:t>
-            </a:r>
-            <a:r>
-              <a:rPr lang="fr-FR" dirty="0" smtClean="0"/>
-              <a:t>-in</a:t>
-            </a:r>
-          </a:p>
-          <a:p>
-            <a:r>
-              <a:rPr lang="fr-FR" dirty="0" smtClean="0"/>
-              <a:t>Introduction à </a:t>
-            </a:r>
-            <a:r>
-              <a:rPr lang="fr-FR" dirty="0" err="1" smtClean="0"/>
-              <a:t>Specs</a:t>
-            </a:r>
-            <a:r>
-              <a:rPr lang="fr-FR" dirty="0" smtClean="0"/>
-              <a:t> By </a:t>
-            </a:r>
-            <a:r>
-              <a:rPr lang="fr-FR" dirty="0" err="1" smtClean="0"/>
-              <a:t>Example</a:t>
-            </a:r>
-            <a:endParaRPr lang="fr-FR" dirty="0" smtClean="0"/>
-          </a:p>
-          <a:p>
-            <a:endParaRPr lang="fr-FR" dirty="0" smtClean="0"/>
-          </a:p>
-          <a:p>
-            <a:pPr>
-              <a:buNone/>
-            </a:pPr>
-            <a:r>
-              <a:rPr lang="fr-FR" dirty="0" smtClean="0"/>
-              <a:t>Qu’allez-vous essayer demain ?</a:t>
-            </a:r>
-          </a:p>
-          <a:p>
-            <a:pPr>
-              <a:buNone/>
-            </a:pPr>
-            <a:endParaRPr lang="fr-FR" dirty="0"/>
-          </a:p>
-        </p:txBody>
-      </p:sp>
     </p:spTree>
   </p:cSld>
   <p:clrMapOvr>
@@ -31191,6 +31216,177 @@
       <p:bldP spid="7" grpId="0"/>
       <p:bldP spid="8" grpId="0"/>
     </p:bldLst>
+  </p:timing>
+</p:sld>
+</file>
+
+<file path=ppt/slides/slide30.xml><?xml version="1.0" encoding="utf-8"?>
+<p:sld xmlns:a="http://schemas.openxmlformats.org/drawingml/2006/main" xmlns:r="http://schemas.openxmlformats.org/officeDocument/2006/relationships" xmlns:p="http://schemas.openxmlformats.org/presentationml/2006/main">
+  <p:cSld>
+    <p:spTree>
+      <p:nvGrpSpPr>
+        <p:cNvPr id="1" name=""/>
+        <p:cNvGrpSpPr/>
+        <p:nvPr/>
+      </p:nvGrpSpPr>
+      <p:grpSpPr>
+        <a:xfrm>
+          <a:off x="0" y="0"/>
+          <a:ext cx="0" cy="0"/>
+          <a:chOff x="0" y="0"/>
+          <a:chExt cx="0" cy="0"/>
+        </a:xfrm>
+      </p:grpSpPr>
+      <p:sp>
+        <p:nvSpPr>
+          <p:cNvPr id="2" name="Titre 1"/>
+          <p:cNvSpPr>
+            <a:spLocks noGrp="1"/>
+          </p:cNvSpPr>
+          <p:nvPr>
+            <p:ph type="title"/>
+          </p:nvPr>
+        </p:nvSpPr>
+        <p:spPr/>
+        <p:txBody>
+          <a:bodyPr/>
+          <a:lstStyle/>
+          <a:p>
+            <a:r>
+              <a:rPr lang="fr-FR" dirty="0" smtClean="0"/>
+              <a:t>Qu’avons-nous appris ?</a:t>
+            </a:r>
+            <a:endParaRPr lang="fr-FR" dirty="0"/>
+          </a:p>
+        </p:txBody>
+      </p:sp>
+      <p:sp>
+        <p:nvSpPr>
+          <p:cNvPr id="3" name="Espace réservé du contenu 2"/>
+          <p:cNvSpPr>
+            <a:spLocks noGrp="1"/>
+          </p:cNvSpPr>
+          <p:nvPr>
+            <p:ph idx="1"/>
+          </p:nvPr>
+        </p:nvSpPr>
+        <p:spPr>
+          <a:xfrm>
+            <a:off x="1691680" y="2079496"/>
+            <a:ext cx="6995120" cy="3869784"/>
+          </a:xfrm>
+        </p:spPr>
+        <p:txBody>
+          <a:bodyPr>
+            <a:normAutofit fontScale="92500" lnSpcReduction="20000"/>
+          </a:bodyPr>
+          <a:lstStyle/>
+          <a:p>
+            <a:pPr>
+              <a:buNone/>
+            </a:pPr>
+            <a:r>
+              <a:rPr lang="fr-FR" dirty="0" smtClean="0"/>
+              <a:t>Matin</a:t>
+            </a:r>
+          </a:p>
+          <a:p>
+            <a:r>
+              <a:rPr lang="fr-FR" dirty="0" smtClean="0"/>
+              <a:t>Introduction</a:t>
+            </a:r>
+          </a:p>
+          <a:p>
+            <a:r>
+              <a:rPr lang="fr-FR" dirty="0" smtClean="0"/>
+              <a:t>Premier pas</a:t>
+            </a:r>
+          </a:p>
+          <a:p>
+            <a:r>
+              <a:rPr lang="fr-FR" dirty="0" smtClean="0"/>
+              <a:t>Approche classique</a:t>
+            </a:r>
+          </a:p>
+          <a:p>
+            <a:pPr>
+              <a:buNone/>
+            </a:pPr>
+            <a:endParaRPr lang="fr-FR" dirty="0" smtClean="0"/>
+          </a:p>
+          <a:p>
+            <a:pPr>
+              <a:buNone/>
+            </a:pPr>
+            <a:r>
+              <a:rPr lang="fr-FR" dirty="0" smtClean="0"/>
+              <a:t>Après-midi</a:t>
+            </a:r>
+          </a:p>
+          <a:p>
+            <a:r>
+              <a:rPr lang="fr-FR" dirty="0" smtClean="0"/>
+              <a:t>Approche </a:t>
+            </a:r>
+            <a:r>
+              <a:rPr lang="fr-FR" dirty="0" err="1" smtClean="0"/>
+              <a:t>Outside</a:t>
+            </a:r>
+            <a:r>
+              <a:rPr lang="fr-FR" dirty="0" smtClean="0"/>
+              <a:t>-in</a:t>
+            </a:r>
+          </a:p>
+          <a:p>
+            <a:r>
+              <a:rPr lang="fr-FR" dirty="0" smtClean="0"/>
+              <a:t>Introduction à </a:t>
+            </a:r>
+            <a:r>
+              <a:rPr lang="fr-FR" dirty="0" err="1" smtClean="0"/>
+              <a:t>Specs</a:t>
+            </a:r>
+            <a:r>
+              <a:rPr lang="fr-FR" dirty="0" smtClean="0"/>
+              <a:t> By </a:t>
+            </a:r>
+            <a:r>
+              <a:rPr lang="fr-FR" dirty="0" err="1" smtClean="0"/>
+              <a:t>Example</a:t>
+            </a:r>
+            <a:endParaRPr lang="fr-FR" dirty="0" smtClean="0"/>
+          </a:p>
+          <a:p>
+            <a:endParaRPr lang="fr-FR" dirty="0" smtClean="0"/>
+          </a:p>
+          <a:p>
+            <a:pPr>
+              <a:buNone/>
+            </a:pPr>
+            <a:r>
+              <a:rPr lang="fr-FR" dirty="0" smtClean="0"/>
+              <a:t>Qu’allez-vous essayer demain ?</a:t>
+            </a:r>
+          </a:p>
+          <a:p>
+            <a:pPr>
+              <a:buNone/>
+            </a:pPr>
+            <a:endParaRPr lang="fr-FR" dirty="0"/>
+          </a:p>
+        </p:txBody>
+      </p:sp>
+    </p:spTree>
+  </p:cSld>
+  <p:clrMapOvr>
+    <a:masterClrMapping/>
+  </p:clrMapOvr>
+  <p:timing>
+    <p:tnLst>
+      <p:par>
+        <p:cTn id="1" dur="indefinite" restart="never" nodeType="tmRoot"/>
+      </p:par>
+    </p:tnLst>
   </p:timing>
 </p:sld>
 </file>
@@ -34853,14 +35049,14 @@
         <a:effectLst/>
         <a:extLst>
           <a:ext uri="{909E8E84-426E-40DD-AFC4-6F175D3DCCD1}">
-            <a14:hiddenFill xmlns="" xmlns:a14="http://schemas.microsoft.com/office/drawing/2010/main">
+            <a14:hiddenFill xmlns:a14="http://schemas.microsoft.com/office/drawing/2010/main" xmlns="">
               <a:solidFill>
                 <a:srgbClr val="FF7300"/>
               </a:solidFill>
             </a14:hiddenFill>
           </a:ext>
           <a:ext uri="{AF507438-7753-43E0-B8FC-AC1667EBCBE1}">
-            <a14:hiddenEffects xmlns="" xmlns:a14="http://schemas.microsoft.com/office/drawing/2010/main">
+            <a14:hiddenEffects xmlns:a14="http://schemas.microsoft.com/office/drawing/2010/main" xmlns="">
               <a:effectLst>
                 <a:outerShdw dist="35921" dir="2700000" algn="ctr" rotWithShape="0">
                   <a:schemeClr val="bg2"/>
@@ -34933,14 +35129,14 @@
         <a:effectLst/>
         <a:extLst>
           <a:ext uri="{909E8E84-426E-40DD-AFC4-6F175D3DCCD1}">
-            <a14:hiddenFill xmlns="" xmlns:a14="http://schemas.microsoft.com/office/drawing/2010/main">
+            <a14:hiddenFill xmlns:a14="http://schemas.microsoft.com/office/drawing/2010/main" xmlns="">
               <a:solidFill>
                 <a:srgbClr val="FF7300"/>
               </a:solidFill>
             </a14:hiddenFill>
           </a:ext>
           <a:ext uri="{AF507438-7753-43E0-B8FC-AC1667EBCBE1}">
-            <a14:hiddenEffects xmlns="" xmlns:a14="http://schemas.microsoft.com/office/drawing/2010/main">
+            <a14:hiddenEffects xmlns:a14="http://schemas.microsoft.com/office/drawing/2010/main" xmlns="">
               <a:effectLst>
                 <a:outerShdw dist="35921" dir="2700000" algn="ctr" rotWithShape="0">
                   <a:schemeClr val="bg2"/>
